--- a/grpc/index.pptx
+++ b/grpc/index.pptx
@@ -6,10 +6,16 @@
   </p:sldMasterIdLst>
   <p:sldIdLst>
     <p:sldId id="256" r:id="rId3"/>
-    <p:sldId id="257" r:id="rId4"/>
-    <p:sldId id="258" r:id="rId5"/>
-    <p:sldId id="259" r:id="rId6"/>
-    <p:sldId id="260" r:id="rId7"/>
+    <p:sldId id="264" r:id="rId4"/>
+    <p:sldId id="257" r:id="rId5"/>
+    <p:sldId id="258" r:id="rId6"/>
+    <p:sldId id="272" r:id="rId7"/>
+    <p:sldId id="261" r:id="rId8"/>
+    <p:sldId id="259" r:id="rId9"/>
+    <p:sldId id="262" r:id="rId10"/>
+    <p:sldId id="260" r:id="rId11"/>
+    <p:sldId id="263" r:id="rId12"/>
+    <p:sldId id="271" r:id="rId13"/>
   </p:sldIdLst>
   <p:sldSz cx="12192000" cy="6858000"/>
   <p:notesSz cx="6858000" cy="9144000"/>
@@ -2928,39 +2934,54 @@
             <p:ph type="ctrTitle"/>
           </p:nvPr>
         </p:nvSpPr>
-        <p:spPr/>
-        <p:txBody>
-          <a:bodyPr>
-            <a:normAutofit/>
+        <p:spPr>
+          <a:xfrm>
+            <a:off x="1081405" y="1132205"/>
+            <a:ext cx="10029190" cy="2387600"/>
+          </a:xfrm>
+        </p:spPr>
+        <p:txBody>
+          <a:bodyPr anchor="ctr" anchorCtr="0">
+            <a:normAutofit fontScale="90000"/>
           </a:bodyPr>
           <a:p>
+            <a:pPr fontAlgn="ctr"/>
             <a:r>
               <a:rPr lang="zh-CN" altLang="en-US"/>
-              <a:t>微服务时代 </a:t>
+              <a:t>微服务时代</a:t>
+            </a:r>
+            <a:br>
+              <a:rPr lang="zh-CN" altLang="en-US"/>
+            </a:br>
+            <a:r>
+              <a:rPr lang="zh-CN" altLang="en-US"/>
+              <a:t>使用 </a:t>
+            </a:r>
+            <a:r>
+              <a:rPr lang="en-US" altLang="zh-CN" i="1">
+                <a:sym typeface="+mn-ea"/>
+              </a:rPr>
+              <a:t>php</a:t>
+            </a:r>
+            <a:r>
+              <a:rPr lang="en-US" altLang="zh-CN">
+                <a:sym typeface="+mn-ea"/>
+              </a:rPr>
+              <a:t> &amp; golang </a:t>
+            </a:r>
+            <a:r>
+              <a:rPr lang="zh-CN" altLang="en-US">
+                <a:sym typeface="+mn-ea"/>
+              </a:rPr>
+              <a:t>构建</a:t>
             </a:r>
             <a:r>
               <a:rPr lang="en-US" altLang="zh-CN"/>
-              <a:t>gRPC</a:t>
-            </a:r>
-            <a:r>
-              <a:rPr lang="en-US" altLang="zh-CN"/>
-              <a:t> </a:t>
+              <a:t>gRPC </a:t>
             </a:r>
             <a:r>
               <a:rPr lang="zh-CN" altLang="en-US"/>
-              <a:t>在 </a:t>
-            </a:r>
-            <a:r>
-              <a:rPr lang="en-US" altLang="zh-CN" b="1" i="1"/>
-              <a:t>php</a:t>
-            </a:r>
-            <a:r>
-              <a:rPr lang="en-US" altLang="zh-CN"/>
-              <a:t> </a:t>
-            </a:r>
-            <a:r>
-              <a:rPr lang="zh-CN" altLang="en-US"/>
-              <a:t>中的应用</a:t>
+              <a:t>应用</a:t>
             </a:r>
             <a:endParaRPr lang="en-US" altLang="zh-CN"/>
           </a:p>
@@ -3060,40 +3081,275 @@
           </a:prstGeom>
         </p:spPr>
       </p:pic>
-      <p:cxnSp>
-        <p:nvCxnSpPr>
-          <p:cNvPr id="10" name="直接箭头连接符 9"/>
-          <p:cNvCxnSpPr/>
-          <p:nvPr/>
-        </p:nvCxnSpPr>
-        <p:spPr>
-          <a:xfrm>
-            <a:off x="5626100" y="1872615"/>
-            <a:ext cx="370840" cy="0"/>
-          </a:xfrm>
-          <a:prstGeom prst="straightConnector1">
-            <a:avLst/>
-          </a:prstGeom>
-          <a:ln>
-            <a:headEnd type="arrow" w="med" len="med"/>
-            <a:tailEnd type="arrow" w="med" len="med"/>
-          </a:ln>
-        </p:spPr>
-        <p:style>
-          <a:lnRef idx="3">
-            <a:schemeClr val="accent1"/>
-          </a:lnRef>
-          <a:fillRef idx="0">
-            <a:schemeClr val="accent1"/>
-          </a:fillRef>
-          <a:effectRef idx="2">
-            <a:schemeClr val="accent1"/>
-          </a:effectRef>
-          <a:fontRef idx="minor">
-            <a:schemeClr val="tx1"/>
-          </a:fontRef>
-        </p:style>
-      </p:cxnSp>
+    </p:spTree>
+  </p:cSld>
+  <p:clrMapOvr>
+    <a:masterClrMapping/>
+  </p:clrMapOvr>
+</p:sld>
+</file>
+
+<file path=ppt/slides/slide10.xml><?xml version="1.0" encoding="utf-8"?>
+<p:sld xmlns:a="http://schemas.openxmlformats.org/drawingml/2006/main" xmlns:r="http://schemas.openxmlformats.org/officeDocument/2006/relationships" xmlns:p="http://schemas.openxmlformats.org/presentationml/2006/main">
+  <p:cSld>
+    <p:spTree>
+      <p:nvGrpSpPr>
+        <p:cNvPr id="1" name=""/>
+        <p:cNvGrpSpPr/>
+        <p:nvPr/>
+      </p:nvGrpSpPr>
+      <p:grpSpPr/>
+      <p:sp>
+        <p:nvSpPr>
+          <p:cNvPr id="2" name="标题 1"/>
+          <p:cNvSpPr>
+            <a:spLocks noGrp="1"/>
+          </p:cNvSpPr>
+          <p:nvPr>
+            <p:ph type="title"/>
+          </p:nvPr>
+        </p:nvSpPr>
+        <p:spPr/>
+        <p:txBody>
+          <a:bodyPr/>
+          <a:p>
+            <a:r>
+              <a:rPr lang="en-US" altLang="zh-CN"/>
+              <a:t>gRPC client</a:t>
+            </a:r>
+            <a:endParaRPr lang="zh-CN" altLang="en-US"/>
+          </a:p>
+        </p:txBody>
+      </p:sp>
+      <p:sp>
+        <p:nvSpPr>
+          <p:cNvPr id="3" name="内容占位符 2"/>
+          <p:cNvSpPr>
+            <a:spLocks noGrp="1"/>
+          </p:cNvSpPr>
+          <p:nvPr>
+            <p:ph idx="1"/>
+          </p:nvPr>
+        </p:nvSpPr>
+        <p:spPr/>
+        <p:txBody>
+          <a:bodyPr/>
+          <a:p>
+            <a:pPr algn="l">
+              <a:buClrTx/>
+              <a:buSzTx/>
+            </a:pPr>
+            <a:r>
+              <a:rPr lang="zh-CN" altLang="en-US" sz="2330"/>
+              <a:t>代码生成工具</a:t>
+            </a:r>
+            <a:endParaRPr lang="zh-CN" altLang="en-US" sz="2330"/>
+          </a:p>
+          <a:p>
+            <a:pPr lvl="1"/>
+            <a:r>
+              <a:rPr lang="zh-CN" altLang="en-US" sz="1600"/>
+              <a:t>推荐 </a:t>
+            </a:r>
+            <a:r>
+              <a:rPr lang="en-US" altLang="zh-CN" sz="1600" b="1">
+                <a:solidFill>
+                  <a:srgbClr val="FF0000"/>
+                </a:solidFill>
+              </a:rPr>
+              <a:t>llaoj/php-grpc-gen</a:t>
+            </a:r>
+            <a:endParaRPr lang="en-US" altLang="zh-CN" b="1"/>
+          </a:p>
+          <a:p>
+            <a:pPr lvl="0"/>
+            <a:r>
+              <a:rPr lang="zh-CN" altLang="en-US" sz="2330"/>
+              <a:t>安装</a:t>
+            </a:r>
+            <a:r>
+              <a:rPr lang="en-US" altLang="zh-CN" sz="2330"/>
+              <a:t>php </a:t>
+            </a:r>
+            <a:r>
+              <a:rPr lang="zh-CN" altLang="en-US" sz="2330"/>
+              <a:t>的扩展</a:t>
+            </a:r>
+            <a:endParaRPr lang="zh-CN" altLang="en-US" sz="2330"/>
+          </a:p>
+          <a:p>
+            <a:pPr lvl="1"/>
+            <a:r>
+              <a:rPr lang="zh-CN" altLang="en-US" sz="1600"/>
+              <a:t>推荐 </a:t>
+            </a:r>
+            <a:r>
+              <a:rPr lang="en-US" altLang="zh-CN" sz="1600" b="1">
+                <a:solidFill>
+                  <a:srgbClr val="FF0000"/>
+                </a:solidFill>
+              </a:rPr>
+              <a:t>llaoj/php-fpm-nginx</a:t>
+            </a:r>
+            <a:endParaRPr lang="en-US" altLang="zh-CN"/>
+          </a:p>
+          <a:p>
+            <a:pPr lvl="0"/>
+            <a:r>
+              <a:rPr lang="en-US" altLang="zh-CN" sz="2330"/>
+              <a:t>grpc &amp; protoc </a:t>
+            </a:r>
+            <a:r>
+              <a:rPr lang="zh-CN" altLang="en-US" sz="2330"/>
+              <a:t>版本</a:t>
+            </a:r>
+            <a:endParaRPr lang="zh-CN" altLang="en-US" sz="2330"/>
+          </a:p>
+          <a:p>
+            <a:pPr lvl="1"/>
+            <a:r>
+              <a:rPr lang="en-US" altLang="zh-CN" sz="2160"/>
+              <a:t>grpc:</a:t>
+            </a:r>
+            <a:endParaRPr lang="en-US" altLang="zh-CN" sz="2160"/>
+          </a:p>
+          <a:p>
+            <a:pPr lvl="2"/>
+            <a:r>
+              <a:rPr lang="en-US" altLang="zh-CN" sz="1775"/>
+              <a:t>grpc php ext</a:t>
+            </a:r>
+            <a:endParaRPr lang="en-US" altLang="zh-CN" sz="1775"/>
+          </a:p>
+          <a:p>
+            <a:pPr lvl="2"/>
+            <a:r>
+              <a:rPr lang="en-US" altLang="zh-CN" sz="1775"/>
+              <a:t>grpc php composer pkg</a:t>
+            </a:r>
+            <a:endParaRPr lang="en-US" altLang="zh-CN" sz="1775"/>
+          </a:p>
+          <a:p>
+            <a:pPr lvl="2"/>
+            <a:r>
+              <a:rPr lang="en-US" altLang="zh-CN" sz="1775"/>
+              <a:t>grpc_php_plugin</a:t>
+            </a:r>
+            <a:endParaRPr lang="en-US" altLang="zh-CN" sz="1775"/>
+          </a:p>
+          <a:p>
+            <a:pPr lvl="1"/>
+            <a:r>
+              <a:rPr lang="en-US" altLang="zh-CN" sz="2160"/>
+              <a:t>protoc </a:t>
+            </a:r>
+            <a:r>
+              <a:rPr lang="zh-CN" altLang="en-US" sz="1680"/>
+              <a:t>建议使用最新</a:t>
+            </a:r>
+            <a:r>
+              <a:rPr lang="zh-CN" altLang="en-US" sz="1680">
+                <a:sym typeface="+mn-ea"/>
+              </a:rPr>
+              <a:t>稳定</a:t>
+            </a:r>
+            <a:endParaRPr lang="en-US" altLang="zh-CN" sz="2160"/>
+          </a:p>
+          <a:p>
+            <a:pPr lvl="1"/>
+            <a:endParaRPr lang="en-US" altLang="zh-CN" sz="1800"/>
+          </a:p>
+        </p:txBody>
+      </p:sp>
+    </p:spTree>
+  </p:cSld>
+  <p:clrMapOvr>
+    <a:masterClrMapping/>
+  </p:clrMapOvr>
+</p:sld>
+</file>
+
+<file path=ppt/slides/slide11.xml><?xml version="1.0" encoding="utf-8"?>
+<p:sld xmlns:a="http://schemas.openxmlformats.org/drawingml/2006/main" xmlns:r="http://schemas.openxmlformats.org/officeDocument/2006/relationships" xmlns:p="http://schemas.openxmlformats.org/presentationml/2006/main">
+  <p:cSld>
+    <p:spTree>
+      <p:nvGrpSpPr>
+        <p:cNvPr id="1" name=""/>
+        <p:cNvGrpSpPr/>
+        <p:nvPr/>
+      </p:nvGrpSpPr>
+      <p:grpSpPr/>
+      <p:sp>
+        <p:nvSpPr>
+          <p:cNvPr id="2" name="标题 1"/>
+          <p:cNvSpPr>
+            <a:spLocks noGrp="1"/>
+          </p:cNvSpPr>
+          <p:nvPr>
+            <p:ph type="title"/>
+          </p:nvPr>
+        </p:nvSpPr>
+        <p:spPr/>
+        <p:txBody>
+          <a:bodyPr>
+            <a:normAutofit/>
+          </a:bodyPr>
+          <a:p>
+            <a:r>
+              <a:rPr lang="zh-CN" altLang="en-US"/>
+              <a:t>继续深入</a:t>
+            </a:r>
+            <a:r>
+              <a:rPr lang="en-US" altLang="zh-CN"/>
+              <a:t>...</a:t>
+            </a:r>
+            <a:endParaRPr lang="en-US" altLang="zh-CN"/>
+          </a:p>
+        </p:txBody>
+      </p:sp>
+      <p:sp>
+        <p:nvSpPr>
+          <p:cNvPr id="3" name="内容占位符 2"/>
+          <p:cNvSpPr>
+            <a:spLocks noGrp="1"/>
+          </p:cNvSpPr>
+          <p:nvPr>
+            <p:ph idx="1"/>
+          </p:nvPr>
+        </p:nvSpPr>
+        <p:spPr/>
+        <p:txBody>
+          <a:bodyPr/>
+          <a:p>
+            <a:r>
+              <a:rPr lang="zh-CN" altLang="en-US"/>
+              <a:t>Authentication</a:t>
+            </a:r>
+            <a:endParaRPr lang="zh-CN" altLang="en-US"/>
+          </a:p>
+          <a:p>
+            <a:r>
+              <a:rPr lang="zh-CN" altLang="en-US"/>
+              <a:t>Error Handling</a:t>
+            </a:r>
+            <a:endParaRPr lang="zh-CN" altLang="en-US"/>
+          </a:p>
+          <a:p>
+            <a:r>
+              <a:rPr lang="zh-CN" altLang="en-US"/>
+              <a:t>Benchmarking</a:t>
+            </a:r>
+            <a:endParaRPr lang="zh-CN" altLang="en-US"/>
+          </a:p>
+          <a:p>
+            <a:r>
+              <a:rPr lang="en-US" altLang="zh-CN"/>
+              <a:t>...</a:t>
+            </a:r>
+            <a:endParaRPr lang="en-US" altLang="zh-CN"/>
+          </a:p>
+        </p:txBody>
+      </p:sp>
     </p:spTree>
   </p:cSld>
   <p:clrMapOvr>
@@ -3128,8 +3384,180 @@
           <a:p>
             <a:r>
               <a:rPr lang="zh-CN" altLang="en-US"/>
-              <a:t>什么是</a:t>
-            </a:r>
+              <a:t>protocol buffers</a:t>
+            </a:r>
+            <a:endParaRPr lang="zh-CN" altLang="en-US"/>
+          </a:p>
+        </p:txBody>
+      </p:sp>
+      <p:sp>
+        <p:nvSpPr>
+          <p:cNvPr id="3" name="内容占位符 2"/>
+          <p:cNvSpPr>
+            <a:spLocks noGrp="1"/>
+          </p:cNvSpPr>
+          <p:nvPr>
+            <p:ph idx="1"/>
+          </p:nvPr>
+        </p:nvSpPr>
+        <p:spPr/>
+        <p:txBody>
+          <a:bodyPr/>
+          <a:p>
+            <a:r>
+              <a:rPr lang="en-US" altLang="zh-CN"/>
+              <a:t>gRPC's</a:t>
+            </a:r>
+            <a:endParaRPr lang="en-US" altLang="zh-CN"/>
+          </a:p>
+          <a:p>
+            <a:pPr lvl="1"/>
+            <a:r>
+              <a:rPr lang="zh-CN" altLang="en-US">
+                <a:solidFill>
+                  <a:srgbClr val="FF0000"/>
+                </a:solidFill>
+              </a:rPr>
+              <a:t>IDL</a:t>
+            </a:r>
+            <a:r>
+              <a:rPr lang="en-US" altLang="zh-CN"/>
+              <a:t>(Interface Definition Language)</a:t>
+            </a:r>
+            <a:endParaRPr lang="en-US" altLang="zh-CN"/>
+          </a:p>
+          <a:p>
+            <a:pPr lvl="1"/>
+            <a:r>
+              <a:rPr lang="zh-CN" altLang="en-US"/>
+              <a:t>基础消息交换格式</a:t>
+            </a:r>
+            <a:endParaRPr lang="zh-CN" altLang="en-US"/>
+          </a:p>
+          <a:p>
+            <a:pPr lvl="1"/>
+            <a:r>
+              <a:rPr lang="zh-CN" altLang="en-US"/>
+              <a:t>分</a:t>
+            </a:r>
+            <a:r>
+              <a:rPr lang="en-US" altLang="zh-CN"/>
+              <a:t>3</a:t>
+            </a:r>
+            <a:r>
+              <a:rPr lang="zh-CN" altLang="en-US"/>
+              <a:t>步</a:t>
+            </a:r>
+            <a:endParaRPr lang="zh-CN" altLang="en-US"/>
+          </a:p>
+          <a:p>
+            <a:pPr lvl="2"/>
+            <a:r>
+              <a:rPr lang="en-US" altLang="zh-CN"/>
+              <a:t>1.</a:t>
+            </a:r>
+            <a:r>
+              <a:rPr lang="zh-CN" altLang="en-US"/>
+              <a:t> 定义 message</a:t>
+            </a:r>
+            <a:endParaRPr lang="zh-CN" altLang="en-US"/>
+          </a:p>
+          <a:p>
+            <a:pPr lvl="2"/>
+            <a:r>
+              <a:rPr lang="en-US" altLang="zh-CN"/>
+              <a:t>2.</a:t>
+            </a:r>
+            <a:r>
+              <a:rPr lang="zh-CN" altLang="en-US">
+                <a:sym typeface="+mn-ea"/>
+              </a:rPr>
+              <a:t>定义 </a:t>
+            </a:r>
+            <a:r>
+              <a:rPr lang="en-US" altLang="zh-CN"/>
+              <a:t>service</a:t>
+            </a:r>
+            <a:endParaRPr lang="en-US" altLang="zh-CN"/>
+          </a:p>
+          <a:p>
+            <a:pPr lvl="2"/>
+            <a:r>
+              <a:rPr lang="en-US" altLang="zh-CN"/>
+              <a:t>3. </a:t>
+            </a:r>
+            <a:r>
+              <a:rPr lang="zh-CN" altLang="en-US"/>
+              <a:t>生成对应语言代码</a:t>
+            </a:r>
+            <a:endParaRPr lang="zh-CN" altLang="en-US"/>
+          </a:p>
+          <a:p>
+            <a:pPr lvl="3"/>
+            <a:r>
+              <a:rPr lang="en-US" altLang="zh-CN"/>
+              <a:t>protoc</a:t>
+            </a:r>
+            <a:endParaRPr lang="en-US" altLang="zh-CN"/>
+          </a:p>
+          <a:p>
+            <a:pPr lvl="3"/>
+            <a:r>
+              <a:rPr lang="zh-CN" altLang="en-US"/>
+              <a:t>对应语言的gRPC plugin</a:t>
+            </a:r>
+            <a:endParaRPr lang="zh-CN" altLang="en-US"/>
+          </a:p>
+          <a:p>
+            <a:pPr lvl="1"/>
+            <a:r>
+              <a:rPr lang="zh-CN" altLang="en-US"/>
+              <a:t>推荐</a:t>
+            </a:r>
+            <a:r>
+              <a:rPr lang="zh-CN" altLang="en-US"/>
+              <a:t>用</a:t>
+            </a:r>
+            <a:r>
+              <a:rPr lang="en-US" altLang="zh-CN"/>
+              <a:t>proto3</a:t>
+            </a:r>
+            <a:endParaRPr lang="en-US" altLang="zh-CN"/>
+          </a:p>
+        </p:txBody>
+      </p:sp>
+    </p:spTree>
+  </p:cSld>
+  <p:clrMapOvr>
+    <a:masterClrMapping/>
+  </p:clrMapOvr>
+</p:sld>
+</file>
+
+<file path=ppt/slides/slide3.xml><?xml version="1.0" encoding="utf-8"?>
+<p:sld xmlns:a="http://schemas.openxmlformats.org/drawingml/2006/main" xmlns:r="http://schemas.openxmlformats.org/officeDocument/2006/relationships" xmlns:p="http://schemas.openxmlformats.org/presentationml/2006/main">
+  <p:cSld>
+    <p:spTree>
+      <p:nvGrpSpPr>
+        <p:cNvPr id="1" name=""/>
+        <p:cNvGrpSpPr/>
+        <p:nvPr/>
+      </p:nvGrpSpPr>
+      <p:grpSpPr/>
+      <p:sp>
+        <p:nvSpPr>
+          <p:cNvPr id="2" name="标题 1"/>
+          <p:cNvSpPr>
+            <a:spLocks noGrp="1"/>
+          </p:cNvSpPr>
+          <p:nvPr>
+            <p:ph type="title"/>
+          </p:nvPr>
+        </p:nvSpPr>
+        <p:spPr/>
+        <p:txBody>
+          <a:bodyPr/>
+          <a:p>
             <a:r>
               <a:rPr lang="en-US" altLang="zh-CN"/>
               <a:t>gRPC</a:t>
@@ -3196,132 +3624,6 @@
 </p:sld>
 </file>
 
-<file path=ppt/slides/slide3.xml><?xml version="1.0" encoding="utf-8"?>
-<p:sld xmlns:a="http://schemas.openxmlformats.org/drawingml/2006/main" xmlns:r="http://schemas.openxmlformats.org/officeDocument/2006/relationships" xmlns:p="http://schemas.openxmlformats.org/presentationml/2006/main">
-  <p:cSld>
-    <p:spTree>
-      <p:nvGrpSpPr>
-        <p:cNvPr id="1" name=""/>
-        <p:cNvGrpSpPr/>
-        <p:nvPr/>
-      </p:nvGrpSpPr>
-      <p:grpSpPr/>
-      <p:sp>
-        <p:nvSpPr>
-          <p:cNvPr id="3" name="内容占位符 2"/>
-          <p:cNvSpPr>
-            <a:spLocks noGrp="1"/>
-          </p:cNvSpPr>
-          <p:nvPr>
-            <p:ph idx="1"/>
-          </p:nvPr>
-        </p:nvSpPr>
-        <p:spPr/>
-        <p:txBody>
-          <a:bodyPr/>
-          <a:p>
-            <a:r>
-              <a:rPr lang="en-US" altLang="zh-CN"/>
-              <a:t>4</a:t>
-            </a:r>
-            <a:r>
-              <a:rPr lang="zh-CN" altLang="en-US"/>
-              <a:t>种service method</a:t>
-            </a:r>
-            <a:endParaRPr lang="zh-CN" altLang="en-US"/>
-          </a:p>
-          <a:p>
-            <a:pPr lvl="1" algn="l">
-              <a:spcBef>
-                <a:spcPts val="1000"/>
-              </a:spcBef>
-              <a:buClrTx/>
-              <a:buSzTx/>
-            </a:pPr>
-            <a:r>
-              <a:rPr lang="en-US" altLang="zh-CN"/>
-              <a:t>Unary RPC</a:t>
-            </a:r>
-            <a:endParaRPr lang="en-US" altLang="zh-CN"/>
-          </a:p>
-          <a:p>
-            <a:pPr lvl="1" algn="l">
-              <a:spcBef>
-                <a:spcPts val="1000"/>
-              </a:spcBef>
-              <a:buClrTx/>
-              <a:buSzTx/>
-            </a:pPr>
-            <a:r>
-              <a:rPr lang="en-US" altLang="zh-CN"/>
-              <a:t>Server streaming RPC</a:t>
-            </a:r>
-            <a:endParaRPr lang="en-US" altLang="zh-CN"/>
-          </a:p>
-          <a:p>
-            <a:pPr lvl="1" algn="l">
-              <a:spcBef>
-                <a:spcPts val="1000"/>
-              </a:spcBef>
-              <a:buClrTx/>
-              <a:buSzTx/>
-            </a:pPr>
-            <a:r>
-              <a:rPr lang="en-US" altLang="zh-CN"/>
-              <a:t>Client streaming RPC</a:t>
-            </a:r>
-            <a:endParaRPr lang="en-US" altLang="zh-CN"/>
-          </a:p>
-          <a:p>
-            <a:pPr lvl="1" algn="l">
-              <a:spcBef>
-                <a:spcPts val="1000"/>
-              </a:spcBef>
-              <a:buClrTx/>
-              <a:buSzTx/>
-            </a:pPr>
-            <a:r>
-              <a:rPr lang="en-US" altLang="zh-CN"/>
-              <a:t>Bidirectional streaming RPC</a:t>
-            </a:r>
-            <a:endParaRPr lang="en-US" altLang="zh-CN"/>
-          </a:p>
-        </p:txBody>
-      </p:sp>
-      <p:sp>
-        <p:nvSpPr>
-          <p:cNvPr id="5" name="标题 4"/>
-          <p:cNvSpPr>
-            <a:spLocks noGrp="1"/>
-          </p:cNvSpPr>
-          <p:nvPr>
-            <p:ph type="title"/>
-          </p:nvPr>
-        </p:nvSpPr>
-        <p:spPr/>
-        <p:txBody>
-          <a:bodyPr/>
-          <a:p>
-            <a:r>
-              <a:rPr lang="zh-CN" altLang="en-US"/>
-              <a:t>什么是</a:t>
-            </a:r>
-            <a:r>
-              <a:rPr lang="en-US" altLang="zh-CN"/>
-              <a:t>gRPC</a:t>
-            </a:r>
-            <a:endParaRPr lang="en-US" altLang="zh-CN"/>
-          </a:p>
-        </p:txBody>
-      </p:sp>
-    </p:spTree>
-  </p:cSld>
-  <p:clrMapOvr>
-    <a:masterClrMapping/>
-  </p:clrMapOvr>
-</p:sld>
-</file>
-
 <file path=ppt/slides/slide4.xml><?xml version="1.0" encoding="utf-8"?>
 <p:sld xmlns:a="http://schemas.openxmlformats.org/drawingml/2006/main" xmlns:r="http://schemas.openxmlformats.org/officeDocument/2006/relationships" xmlns:p="http://schemas.openxmlformats.org/presentationml/2006/main">
   <p:cSld>
@@ -3334,60 +3636,226 @@
       <p:grpSpPr/>
       <p:sp>
         <p:nvSpPr>
-          <p:cNvPr id="2" name="标题 1"/>
-          <p:cNvSpPr>
-            <a:spLocks noGrp="1"/>
-          </p:cNvSpPr>
-          <p:nvPr>
-            <p:ph type="title"/>
-          </p:nvPr>
-        </p:nvSpPr>
-        <p:spPr/>
-        <p:txBody>
-          <a:bodyPr/>
-          <a:p>
+          <p:cNvPr id="3" name="内容占位符 2"/>
+          <p:cNvSpPr>
+            <a:spLocks noGrp="1"/>
+          </p:cNvSpPr>
+          <p:nvPr>
+            <p:ph idx="1"/>
+          </p:nvPr>
+        </p:nvSpPr>
+        <p:spPr/>
+        <p:txBody>
+          <a:bodyPr>
+            <a:normAutofit/>
+          </a:bodyPr>
+          <a:p>
+            <a:pPr lvl="0" algn="l">
+              <a:spcBef>
+                <a:spcPts val="1000"/>
+              </a:spcBef>
+              <a:buClrTx/>
+              <a:buSzTx/>
+            </a:pPr>
+            <a:r>
+              <a:rPr lang="en-US" altLang="zh-CN" b="1"/>
+              <a:t>Unary RPC</a:t>
+            </a:r>
+            <a:endParaRPr lang="en-US" altLang="zh-CN" b="1"/>
+          </a:p>
+          <a:p>
+            <a:pPr lvl="1" algn="l">
+              <a:spcBef>
+                <a:spcPts val="1000"/>
+              </a:spcBef>
+              <a:buClrTx/>
+              <a:buSzTx/>
+            </a:pPr>
             <a:r>
               <a:rPr lang="en-US" altLang="zh-CN"/>
-              <a:t>gRPC-server</a:t>
+              <a:t>single request, single response</a:t>
             </a:r>
             <a:endParaRPr lang="en-US" altLang="zh-CN"/>
           </a:p>
-        </p:txBody>
-      </p:sp>
-      <p:sp>
-        <p:nvSpPr>
-          <p:cNvPr id="3" name="内容占位符 2"/>
-          <p:cNvSpPr>
-            <a:spLocks noGrp="1"/>
-          </p:cNvSpPr>
-          <p:nvPr>
-            <p:ph idx="1"/>
-          </p:nvPr>
-        </p:nvSpPr>
-        <p:spPr/>
-        <p:txBody>
-          <a:bodyPr/>
-          <a:p>
-            <a:pPr lvl="0"/>
-            <a:r>
-              <a:rPr lang="zh-CN" altLang="en-US"/>
-              <a:t>打开 </a:t>
-            </a:r>
+          <a:p>
+            <a:pPr lvl="0" algn="l">
+              <a:spcBef>
+                <a:spcPts val="1000"/>
+              </a:spcBef>
+              <a:buClrTx/>
+              <a:buSzTx/>
+            </a:pPr>
+            <a:r>
+              <a:rPr lang="en-US" altLang="zh-CN" b="1"/>
+              <a:t>Server streaming RPC</a:t>
+            </a:r>
+            <a:endParaRPr lang="en-US" altLang="zh-CN" b="1"/>
+          </a:p>
+          <a:p>
+            <a:pPr lvl="1" algn="l">
+              <a:spcBef>
+                <a:spcPts val="1000"/>
+              </a:spcBef>
+              <a:buClrTx/>
+              <a:buSzTx/>
+            </a:pPr>
             <a:r>
               <a:rPr lang="en-US" altLang="zh-CN">
+                <a:sym typeface="+mn-ea"/>
+              </a:rPr>
+              <a:t>single request, steam </a:t>
+            </a:r>
+            <a:r>
+              <a:rPr lang="en-US" altLang="zh-CN">
+                <a:sym typeface="+mn-ea"/>
+              </a:rPr>
+              <a:t>response</a:t>
+            </a:r>
+            <a:endParaRPr lang="en-US" altLang="zh-CN"/>
+          </a:p>
+          <a:p>
+            <a:pPr lvl="1" algn="l">
+              <a:spcBef>
+                <a:spcPts val="1000"/>
+              </a:spcBef>
+              <a:buClrTx/>
+              <a:buSzTx/>
+            </a:pPr>
+            <a:r>
+              <a:rPr lang="en-US" altLang="zh-CN" sz="2400"/>
+              <a:t>steam: </a:t>
+            </a:r>
+            <a:r>
+              <a:rPr lang="en-US" altLang="zh-CN" sz="2400">
                 <a:solidFill>
                   <a:srgbClr val="FF0000"/>
                 </a:solidFill>
               </a:rPr>
-              <a:t>grpc.io/docs/languages/go/quickstart</a:t>
-            </a:r>
+              <a:t>a sequence of messages</a:t>
+            </a:r>
+            <a:endParaRPr lang="en-US" altLang="zh-CN" sz="2400"/>
+          </a:p>
+          <a:p>
+            <a:pPr lvl="0" algn="l">
+              <a:spcBef>
+                <a:spcPts val="1000"/>
+              </a:spcBef>
+              <a:buClrTx/>
+              <a:buSzTx/>
+            </a:pPr>
+            <a:r>
+              <a:rPr lang="en-US" altLang="zh-CN" b="1"/>
+              <a:t>Client streaming RPC</a:t>
+            </a:r>
+            <a:endParaRPr lang="en-US" altLang="zh-CN" b="1"/>
+          </a:p>
+          <a:p>
+            <a:pPr lvl="1" algn="l">
+              <a:spcBef>
+                <a:spcPts val="1000"/>
+              </a:spcBef>
+              <a:buClrTx/>
+              <a:buSzTx/>
+            </a:pPr>
+            <a:r>
+              <a:rPr lang="en-US" altLang="zh-CN">
+                <a:sym typeface="+mn-ea"/>
+              </a:rPr>
+              <a:t>steam </a:t>
+            </a:r>
+            <a:r>
+              <a:rPr lang="en-US" altLang="zh-CN" sz="2400">
+                <a:sym typeface="+mn-ea"/>
+              </a:rPr>
+              <a:t>request, </a:t>
+            </a:r>
+            <a:r>
+              <a:rPr lang="en-US" altLang="zh-CN">
+                <a:sym typeface="+mn-ea"/>
+              </a:rPr>
+              <a:t>single </a:t>
+            </a:r>
+            <a:r>
+              <a:rPr lang="en-US" altLang="zh-CN" sz="2400">
+                <a:sym typeface="+mn-ea"/>
+              </a:rPr>
+              <a:t>response</a:t>
+            </a:r>
+            <a:endParaRPr lang="en-US" altLang="zh-CN" sz="2400"/>
+          </a:p>
+          <a:p>
+            <a:pPr lvl="0" algn="l">
+              <a:spcBef>
+                <a:spcPts val="1000"/>
+              </a:spcBef>
+              <a:buClrTx/>
+              <a:buSzTx/>
+            </a:pPr>
+            <a:r>
+              <a:rPr lang="en-US" altLang="zh-CN" b="1"/>
+              <a:t>Bidirectional streaming RPC</a:t>
+            </a:r>
+            <a:endParaRPr lang="en-US" altLang="zh-CN" b="1"/>
+          </a:p>
+          <a:p>
+            <a:pPr lvl="1" algn="l">
+              <a:spcBef>
+                <a:spcPts val="1000"/>
+              </a:spcBef>
+              <a:buClrTx/>
+              <a:buSzTx/>
+            </a:pPr>
+            <a:r>
+              <a:rPr lang="en-US" altLang="zh-CN">
+                <a:sym typeface="+mn-ea"/>
+              </a:rPr>
+              <a:t>steam request, steam </a:t>
+            </a:r>
+            <a:r>
+              <a:rPr lang="en-US" altLang="zh-CN">
+                <a:sym typeface="+mn-ea"/>
+              </a:rPr>
+              <a:t>response</a:t>
+            </a:r>
+            <a:endParaRPr lang="en-US" altLang="zh-CN" b="1"/>
+          </a:p>
+        </p:txBody>
+      </p:sp>
+      <p:sp>
+        <p:nvSpPr>
+          <p:cNvPr id="5" name="标题 4"/>
+          <p:cNvSpPr>
+            <a:spLocks noGrp="1"/>
+          </p:cNvSpPr>
+          <p:nvPr>
+            <p:ph type="title"/>
+          </p:nvPr>
+        </p:nvSpPr>
+        <p:spPr/>
+        <p:txBody>
+          <a:bodyPr>
+            <a:normAutofit/>
+          </a:bodyPr>
+          <a:p>
             <a:r>
               <a:rPr lang="en-US" altLang="zh-CN"/>
-              <a:t> </a:t>
+              <a:t>gRPC </a:t>
             </a:r>
             <a:r>
               <a:rPr lang="zh-CN" altLang="en-US"/>
-              <a:t>一步步执行</a:t>
+              <a:t>的 </a:t>
+            </a:r>
+            <a:r>
+              <a:rPr lang="en-US" altLang="zh-CN">
+                <a:sym typeface="+mn-ea"/>
+              </a:rPr>
+              <a:t>4</a:t>
+            </a:r>
+            <a:r>
+              <a:rPr lang="zh-CN" altLang="en-US">
+                <a:sym typeface="+mn-ea"/>
+              </a:rPr>
+              <a:t>种service method</a:t>
             </a:r>
             <a:endParaRPr lang="zh-CN" altLang="en-US"/>
           </a:p>
@@ -3413,7 +3881,34 @@
       <p:grpSpPr/>
       <p:sp>
         <p:nvSpPr>
-          <p:cNvPr id="2" name="标题 1"/>
+          <p:cNvPr id="3" name="内容占位符 2"/>
+          <p:cNvSpPr>
+            <a:spLocks noGrp="1"/>
+          </p:cNvSpPr>
+          <p:nvPr>
+            <p:ph idx="1"/>
+          </p:nvPr>
+        </p:nvSpPr>
+        <p:spPr/>
+        <p:txBody>
+          <a:bodyPr>
+            <a:normAutofit/>
+          </a:bodyPr>
+          <a:p>
+            <a:pPr lvl="0" algn="l">
+              <a:spcBef>
+                <a:spcPts val="1000"/>
+              </a:spcBef>
+              <a:buClrTx/>
+              <a:buSzTx/>
+            </a:pPr>
+            <a:endParaRPr lang="en-US" altLang="zh-CN" b="1"/>
+          </a:p>
+        </p:txBody>
+      </p:sp>
+      <p:sp>
+        <p:nvSpPr>
+          <p:cNvPr id="5" name="标题 4"/>
           <p:cNvSpPr>
             <a:spLocks noGrp="1"/>
           </p:cNvSpPr>
@@ -3423,36 +3918,325 @@
         </p:nvSpPr>
         <p:spPr/>
         <p:txBody>
-          <a:bodyPr/>
+          <a:bodyPr>
+            <a:normAutofit/>
+          </a:bodyPr>
           <a:p>
             <a:r>
               <a:rPr lang="en-US" altLang="zh-CN"/>
-              <a:t>gRPC-client</a:t>
-            </a:r>
-            <a:endParaRPr lang="en-US" altLang="zh-CN"/>
-          </a:p>
-        </p:txBody>
-      </p:sp>
-      <p:sp>
-        <p:nvSpPr>
-          <p:cNvPr id="3" name="内容占位符 2"/>
-          <p:cNvSpPr>
-            <a:spLocks noGrp="1"/>
-          </p:cNvSpPr>
-          <p:nvPr>
-            <p:ph idx="1"/>
-          </p:nvPr>
-        </p:nvSpPr>
-        <p:spPr/>
-        <p:txBody>
-          <a:bodyPr/>
-          <a:p>
-            <a:r>
-              <a:rPr lang="zh-CN" altLang="en-US">
+              <a:t>gRPC </a:t>
+            </a:r>
+            <a:r>
+              <a:rPr lang="zh-CN" altLang="en-US"/>
+              <a:t>的 </a:t>
+            </a:r>
+            <a:r>
+              <a:rPr lang="en-US" altLang="zh-CN"/>
+              <a:t>l</a:t>
+            </a:r>
+            <a:r>
+              <a:rPr>
                 <a:sym typeface="+mn-ea"/>
               </a:rPr>
-              <a:t>打开 </a:t>
-            </a:r>
+              <a:t>ife cycle</a:t>
+            </a:r>
+            <a:endParaRPr>
+              <a:sym typeface="+mn-ea"/>
+            </a:endParaRPr>
+          </a:p>
+        </p:txBody>
+      </p:sp>
+    </p:spTree>
+  </p:cSld>
+  <p:clrMapOvr>
+    <a:masterClrMapping/>
+  </p:clrMapOvr>
+</p:sld>
+</file>
+
+<file path=ppt/slides/slide6.xml><?xml version="1.0" encoding="utf-8"?>
+<p:sld xmlns:a="http://schemas.openxmlformats.org/drawingml/2006/main" xmlns:r="http://schemas.openxmlformats.org/officeDocument/2006/relationships" xmlns:p="http://schemas.openxmlformats.org/presentationml/2006/main">
+  <p:cSld>
+    <p:spTree>
+      <p:nvGrpSpPr>
+        <p:cNvPr id="1" name=""/>
+        <p:cNvGrpSpPr/>
+        <p:nvPr/>
+      </p:nvGrpSpPr>
+      <p:grpSpPr/>
+      <p:sp>
+        <p:nvSpPr>
+          <p:cNvPr id="2" name="标题 1"/>
+          <p:cNvSpPr>
+            <a:spLocks noGrp="1"/>
+          </p:cNvSpPr>
+          <p:nvPr>
+            <p:ph type="title"/>
+          </p:nvPr>
+        </p:nvSpPr>
+        <p:spPr>
+          <a:xfrm>
+            <a:off x="838200" y="2766060"/>
+            <a:ext cx="10515600" cy="1325563"/>
+          </a:xfrm>
+        </p:spPr>
+        <p:txBody>
+          <a:bodyPr/>
+          <a:p>
+            <a:pPr algn="ctr"/>
+            <a:r>
+              <a:rPr lang="en-US" altLang="zh-CN"/>
+              <a:t>gRPC server </a:t>
+            </a:r>
+            <a:r>
+              <a:rPr lang="zh-CN" altLang="en-US"/>
+              <a:t>的实现</a:t>
+            </a:r>
+            <a:endParaRPr lang="zh-CN" altLang="en-US"/>
+          </a:p>
+        </p:txBody>
+      </p:sp>
+    </p:spTree>
+  </p:cSld>
+  <p:clrMapOvr>
+    <a:masterClrMapping/>
+  </p:clrMapOvr>
+</p:sld>
+</file>
+
+<file path=ppt/slides/slide7.xml><?xml version="1.0" encoding="utf-8"?>
+<p:sld xmlns:a="http://schemas.openxmlformats.org/drawingml/2006/main" xmlns:r="http://schemas.openxmlformats.org/officeDocument/2006/relationships" xmlns:p="http://schemas.openxmlformats.org/presentationml/2006/main">
+  <p:cSld>
+    <p:spTree>
+      <p:nvGrpSpPr>
+        <p:cNvPr id="1" name=""/>
+        <p:cNvGrpSpPr/>
+        <p:nvPr/>
+      </p:nvGrpSpPr>
+      <p:grpSpPr/>
+      <p:sp>
+        <p:nvSpPr>
+          <p:cNvPr id="2" name="标题 1"/>
+          <p:cNvSpPr>
+            <a:spLocks noGrp="1"/>
+          </p:cNvSpPr>
+          <p:nvPr>
+            <p:ph type="title"/>
+          </p:nvPr>
+        </p:nvSpPr>
+        <p:spPr/>
+        <p:txBody>
+          <a:bodyPr/>
+          <a:p>
+            <a:r>
+              <a:rPr lang="en-US" altLang="zh-CN"/>
+              <a:t>gRPC server</a:t>
+            </a:r>
+            <a:endParaRPr lang="en-US" altLang="zh-CN"/>
+          </a:p>
+        </p:txBody>
+      </p:sp>
+      <p:sp>
+        <p:nvSpPr>
+          <p:cNvPr id="3" name="内容占位符 2"/>
+          <p:cNvSpPr>
+            <a:spLocks noGrp="1"/>
+          </p:cNvSpPr>
+          <p:nvPr>
+            <p:ph idx="1"/>
+          </p:nvPr>
+        </p:nvSpPr>
+        <p:spPr/>
+        <p:txBody>
+          <a:bodyPr/>
+          <a:p>
+            <a:pPr lvl="0"/>
+            <a:r>
+              <a:rPr lang="en-US" altLang="zh-CN">
+                <a:solidFill>
+                  <a:srgbClr val="FF0000"/>
+                </a:solidFill>
+              </a:rPr>
+              <a:t>grpc.io/docs/languages/go/quickstart</a:t>
+            </a:r>
+            <a:endParaRPr lang="zh-CN" altLang="en-US" sz="1800"/>
+          </a:p>
+          <a:p>
+            <a:pPr lvl="1"/>
+            <a:r>
+              <a:rPr lang="zh-CN" altLang="en-US" sz="1800"/>
+              <a:t>部署代码生成工具</a:t>
+            </a:r>
+            <a:endParaRPr lang="zh-CN" altLang="en-US" sz="1800"/>
+          </a:p>
+          <a:p>
+            <a:pPr lvl="1"/>
+            <a:r>
+              <a:rPr lang="zh-CN" altLang="en-US" sz="1800"/>
+              <a:t>定义</a:t>
+            </a:r>
+            <a:r>
+              <a:rPr lang="en-US" altLang="zh-CN" sz="1800"/>
+              <a:t>proto</a:t>
+            </a:r>
+            <a:endParaRPr lang="zh-CN" altLang="en-US" sz="1800"/>
+          </a:p>
+          <a:p>
+            <a:pPr lvl="1"/>
+            <a:r>
+              <a:rPr lang="zh-CN" altLang="en-US" sz="1800"/>
+              <a:t>编写代码</a:t>
+            </a:r>
+            <a:endParaRPr lang="zh-CN" altLang="en-US" sz="1800"/>
+          </a:p>
+        </p:txBody>
+      </p:sp>
+      <p:pic>
+        <p:nvPicPr>
+          <p:cNvPr id="4" name="图片 3"/>
+          <p:cNvPicPr>
+            <a:picLocks noChangeAspect="1"/>
+          </p:cNvPicPr>
+          <p:nvPr/>
+        </p:nvPicPr>
+        <p:blipFill>
+          <a:blip r:embed="rId1">
+            <a:clrChange>
+              <a:clrFrom>
+                <a:srgbClr val="000000">
+                  <a:alpha val="100000"/>
+                </a:srgbClr>
+              </a:clrFrom>
+              <a:clrTo>
+                <a:srgbClr val="000000">
+                  <a:alpha val="100000"/>
+                  <a:alpha val="0"/>
+                </a:srgbClr>
+              </a:clrTo>
+            </a:clrChange>
+          </a:blip>
+          <a:stretch>
+            <a:fillRect/>
+          </a:stretch>
+        </p:blipFill>
+        <p:spPr>
+          <a:xfrm>
+            <a:off x="9382125" y="5434330"/>
+            <a:ext cx="1971675" cy="742950"/>
+          </a:xfrm>
+          <a:prstGeom prst="rect">
+            <a:avLst/>
+          </a:prstGeom>
+        </p:spPr>
+      </p:pic>
+    </p:spTree>
+  </p:cSld>
+  <p:clrMapOvr>
+    <a:masterClrMapping/>
+  </p:clrMapOvr>
+</p:sld>
+</file>
+
+<file path=ppt/slides/slide8.xml><?xml version="1.0" encoding="utf-8"?>
+<p:sld xmlns:a="http://schemas.openxmlformats.org/drawingml/2006/main" xmlns:r="http://schemas.openxmlformats.org/officeDocument/2006/relationships" xmlns:p="http://schemas.openxmlformats.org/presentationml/2006/main">
+  <p:cSld>
+    <p:spTree>
+      <p:nvGrpSpPr>
+        <p:cNvPr id="1" name=""/>
+        <p:cNvGrpSpPr/>
+        <p:nvPr/>
+      </p:nvGrpSpPr>
+      <p:grpSpPr/>
+      <p:sp>
+        <p:nvSpPr>
+          <p:cNvPr id="2" name="标题 1"/>
+          <p:cNvSpPr>
+            <a:spLocks noGrp="1"/>
+          </p:cNvSpPr>
+          <p:nvPr>
+            <p:ph type="title"/>
+          </p:nvPr>
+        </p:nvSpPr>
+        <p:spPr>
+          <a:xfrm>
+            <a:off x="838200" y="2766060"/>
+            <a:ext cx="10515600" cy="1325563"/>
+          </a:xfrm>
+        </p:spPr>
+        <p:txBody>
+          <a:bodyPr/>
+          <a:p>
+            <a:pPr algn="ctr"/>
+            <a:r>
+              <a:rPr lang="en-US" altLang="zh-CN"/>
+              <a:t>gRPC client</a:t>
+            </a:r>
+            <a:r>
+              <a:rPr lang="en-US" altLang="zh-CN"/>
+              <a:t> </a:t>
+            </a:r>
+            <a:r>
+              <a:rPr lang="zh-CN" altLang="en-US"/>
+              <a:t>的实现</a:t>
+            </a:r>
+            <a:endParaRPr lang="zh-CN" altLang="en-US"/>
+          </a:p>
+        </p:txBody>
+      </p:sp>
+    </p:spTree>
+  </p:cSld>
+  <p:clrMapOvr>
+    <a:masterClrMapping/>
+  </p:clrMapOvr>
+</p:sld>
+</file>
+
+<file path=ppt/slides/slide9.xml><?xml version="1.0" encoding="utf-8"?>
+<p:sld xmlns:a="http://schemas.openxmlformats.org/drawingml/2006/main" xmlns:r="http://schemas.openxmlformats.org/officeDocument/2006/relationships" xmlns:p="http://schemas.openxmlformats.org/presentationml/2006/main">
+  <p:cSld>
+    <p:spTree>
+      <p:nvGrpSpPr>
+        <p:cNvPr id="1" name=""/>
+        <p:cNvGrpSpPr/>
+        <p:nvPr/>
+      </p:nvGrpSpPr>
+      <p:grpSpPr/>
+      <p:sp>
+        <p:nvSpPr>
+          <p:cNvPr id="2" name="标题 1"/>
+          <p:cNvSpPr>
+            <a:spLocks noGrp="1"/>
+          </p:cNvSpPr>
+          <p:nvPr>
+            <p:ph type="title"/>
+          </p:nvPr>
+        </p:nvSpPr>
+        <p:spPr/>
+        <p:txBody>
+          <a:bodyPr/>
+          <a:p>
+            <a:r>
+              <a:rPr lang="en-US" altLang="zh-CN"/>
+              <a:t>gRPC client</a:t>
+            </a:r>
+            <a:endParaRPr lang="en-US" altLang="zh-CN"/>
+          </a:p>
+        </p:txBody>
+      </p:sp>
+      <p:sp>
+        <p:nvSpPr>
+          <p:cNvPr id="3" name="内容占位符 2"/>
+          <p:cNvSpPr>
+            <a:spLocks noGrp="1"/>
+          </p:cNvSpPr>
+          <p:nvPr>
+            <p:ph idx="1"/>
+          </p:nvPr>
+        </p:nvSpPr>
+        <p:spPr/>
+        <p:txBody>
+          <a:bodyPr/>
+          <a:p>
             <a:r>
               <a:rPr lang="en-US" altLang="zh-CN">
                 <a:solidFill>
@@ -3460,64 +4244,72 @@
                 </a:solidFill>
                 <a:sym typeface="+mn-ea"/>
               </a:rPr>
-              <a:t>grpc.io/docs/languages/php/quickstart </a:t>
-            </a:r>
-            <a:r>
-              <a:rPr lang="zh-CN" altLang="en-US">
+              <a:t>grpc.io/docs/languages/php/quickstart</a:t>
+            </a:r>
+            <a:endParaRPr lang="zh-CN" altLang="en-US"/>
+          </a:p>
+          <a:p>
+            <a:pPr lvl="1"/>
+            <a:r>
+              <a:rPr lang="zh-CN" altLang="en-US" sz="1800">
                 <a:solidFill>
-                  <a:schemeClr val="tx1"/>
+                  <a:schemeClr val="accent1">
+                    <a:lumMod val="75000"/>
+                  </a:schemeClr>
                 </a:solidFill>
-                <a:sym typeface="+mn-ea"/>
               </a:rPr>
-              <a:t>一步步执行</a:t>
-            </a:r>
-            <a:endParaRPr lang="zh-CN" altLang="en-US">
+              <a:t>安装扩展</a:t>
+            </a:r>
+            <a:endParaRPr lang="zh-CN" altLang="en-US" sz="1800">
               <a:solidFill>
-                <a:schemeClr val="tx1"/>
+                <a:schemeClr val="accent1">
+                  <a:lumMod val="75000"/>
+                </a:schemeClr>
               </a:solidFill>
-              <a:sym typeface="+mn-ea"/>
             </a:endParaRPr>
           </a:p>
           <a:p>
-            <a:endParaRPr lang="zh-CN" altLang="en-US"/>
-          </a:p>
-          <a:p>
-            <a:r>
-              <a:rPr lang="zh-CN" altLang="en-US"/>
-              <a:t>注意几个点</a:t>
-            </a:r>
-            <a:endParaRPr lang="zh-CN" altLang="en-US"/>
-          </a:p>
-          <a:p>
             <a:pPr lvl="1"/>
             <a:r>
-              <a:rPr lang="en-US" altLang="zh-CN"/>
-              <a:t>llaoj/php-grpc-gen</a:t>
-            </a:r>
-            <a:endParaRPr lang="en-US" altLang="zh-CN"/>
+              <a:rPr lang="zh-CN" altLang="en-US" sz="1800"/>
+              <a:t>安装代码生成工具</a:t>
+            </a:r>
+            <a:endParaRPr lang="zh-CN" altLang="en-US" sz="1800"/>
           </a:p>
           <a:p>
             <a:pPr lvl="1"/>
             <a:r>
-              <a:rPr lang="en-US" altLang="zh-CN"/>
-              <a:t>llaoj/php-fpm-nginx</a:t>
-            </a:r>
-            <a:endParaRPr lang="en-US" altLang="zh-CN"/>
-          </a:p>
-          <a:p>
-            <a:pPr lvl="1"/>
-            <a:r>
-              <a:rPr lang="zh-CN" altLang="en-US"/>
-              <a:t>版本</a:t>
-            </a:r>
-            <a:endParaRPr lang="zh-CN" altLang="en-US"/>
-          </a:p>
-          <a:p>
-            <a:pPr lvl="1"/>
-            <a:endParaRPr lang="zh-CN" altLang="en-US"/>
-          </a:p>
-        </p:txBody>
-      </p:sp>
+              <a:rPr lang="zh-CN" altLang="en-US" sz="1800"/>
+              <a:t>编写代码</a:t>
+            </a:r>
+            <a:endParaRPr lang="zh-CN" altLang="en-US" sz="1800"/>
+          </a:p>
+        </p:txBody>
+      </p:sp>
+      <p:pic>
+        <p:nvPicPr>
+          <p:cNvPr id="5" name="图片 4"/>
+          <p:cNvPicPr>
+            <a:picLocks noChangeAspect="1"/>
+          </p:cNvPicPr>
+          <p:nvPr/>
+        </p:nvPicPr>
+        <p:blipFill>
+          <a:blip r:embed="rId1"/>
+          <a:stretch>
+            <a:fillRect/>
+          </a:stretch>
+        </p:blipFill>
+        <p:spPr>
+          <a:xfrm>
+            <a:off x="9533890" y="5194300"/>
+            <a:ext cx="1819910" cy="982980"/>
+          </a:xfrm>
+          <a:prstGeom prst="rect">
+            <a:avLst/>
+          </a:prstGeom>
+        </p:spPr>
+      </p:pic>
     </p:spTree>
   </p:cSld>
   <p:clrMapOvr>

--- a/grpc/index.pptx
+++ b/grpc/index.pptx
@@ -11,11 +11,13 @@
     <p:sldId id="258" r:id="rId6"/>
     <p:sldId id="272" r:id="rId7"/>
     <p:sldId id="261" r:id="rId8"/>
-    <p:sldId id="259" r:id="rId9"/>
-    <p:sldId id="262" r:id="rId10"/>
-    <p:sldId id="260" r:id="rId11"/>
-    <p:sldId id="263" r:id="rId12"/>
-    <p:sldId id="271" r:id="rId13"/>
+    <p:sldId id="281" r:id="rId9"/>
+    <p:sldId id="279" r:id="rId10"/>
+    <p:sldId id="259" r:id="rId11"/>
+    <p:sldId id="262" r:id="rId12"/>
+    <p:sldId id="260" r:id="rId13"/>
+    <p:sldId id="263" r:id="rId14"/>
+    <p:sldId id="271" r:id="rId15"/>
   </p:sldIdLst>
   <p:sldSz cx="12192000" cy="6858000"/>
   <p:notesSz cx="6858000" cy="9144000"/>
@@ -3109,155 +3111,29 @@
             <p:ph type="title"/>
           </p:nvPr>
         </p:nvSpPr>
-        <p:spPr/>
-        <p:txBody>
-          <a:bodyPr/>
-          <a:p>
+        <p:spPr>
+          <a:xfrm>
+            <a:off x="838200" y="2766060"/>
+            <a:ext cx="10515600" cy="1325563"/>
+          </a:xfrm>
+        </p:spPr>
+        <p:txBody>
+          <a:bodyPr/>
+          <a:p>
+            <a:pPr algn="ctr"/>
             <a:r>
               <a:rPr lang="en-US" altLang="zh-CN"/>
               <a:t>gRPC client</a:t>
             </a:r>
-            <a:endParaRPr lang="zh-CN" altLang="en-US"/>
-          </a:p>
-        </p:txBody>
-      </p:sp>
-      <p:sp>
-        <p:nvSpPr>
-          <p:cNvPr id="3" name="内容占位符 2"/>
-          <p:cNvSpPr>
-            <a:spLocks noGrp="1"/>
-          </p:cNvSpPr>
-          <p:nvPr>
-            <p:ph idx="1"/>
-          </p:nvPr>
-        </p:nvSpPr>
-        <p:spPr/>
-        <p:txBody>
-          <a:bodyPr/>
-          <a:p>
-            <a:pPr algn="l">
-              <a:buClrTx/>
-              <a:buSzTx/>
-            </a:pPr>
-            <a:r>
-              <a:rPr lang="zh-CN" altLang="en-US" sz="2330"/>
-              <a:t>代码生成工具</a:t>
-            </a:r>
-            <a:endParaRPr lang="zh-CN" altLang="en-US" sz="2330"/>
-          </a:p>
-          <a:p>
-            <a:pPr lvl="1"/>
-            <a:r>
-              <a:rPr lang="zh-CN" altLang="en-US" sz="1600"/>
-              <a:t>推荐 </a:t>
-            </a:r>
-            <a:r>
-              <a:rPr lang="en-US" altLang="zh-CN" sz="1600" b="1">
-                <a:solidFill>
-                  <a:srgbClr val="FF0000"/>
-                </a:solidFill>
-              </a:rPr>
-              <a:t>llaoj/php-grpc-gen</a:t>
-            </a:r>
-            <a:endParaRPr lang="en-US" altLang="zh-CN" b="1"/>
-          </a:p>
-          <a:p>
-            <a:pPr lvl="0"/>
-            <a:r>
-              <a:rPr lang="zh-CN" altLang="en-US" sz="2330"/>
-              <a:t>安装</a:t>
-            </a:r>
-            <a:r>
-              <a:rPr lang="en-US" altLang="zh-CN" sz="2330"/>
-              <a:t>php </a:t>
-            </a:r>
-            <a:r>
-              <a:rPr lang="zh-CN" altLang="en-US" sz="2330"/>
-              <a:t>的扩展</a:t>
-            </a:r>
-            <a:endParaRPr lang="zh-CN" altLang="en-US" sz="2330"/>
-          </a:p>
-          <a:p>
-            <a:pPr lvl="1"/>
-            <a:r>
-              <a:rPr lang="zh-CN" altLang="en-US" sz="1600"/>
-              <a:t>推荐 </a:t>
-            </a:r>
-            <a:r>
-              <a:rPr lang="en-US" altLang="zh-CN" sz="1600" b="1">
-                <a:solidFill>
-                  <a:srgbClr val="FF0000"/>
-                </a:solidFill>
-              </a:rPr>
-              <a:t>llaoj/php-fpm-nginx</a:t>
-            </a:r>
-            <a:endParaRPr lang="en-US" altLang="zh-CN"/>
-          </a:p>
-          <a:p>
-            <a:pPr lvl="0"/>
-            <a:r>
-              <a:rPr lang="en-US" altLang="zh-CN" sz="2330"/>
-              <a:t>grpc &amp; protoc </a:t>
-            </a:r>
-            <a:r>
-              <a:rPr lang="zh-CN" altLang="en-US" sz="2330"/>
-              <a:t>版本</a:t>
-            </a:r>
-            <a:endParaRPr lang="zh-CN" altLang="en-US" sz="2330"/>
-          </a:p>
-          <a:p>
-            <a:pPr lvl="1"/>
-            <a:r>
-              <a:rPr lang="en-US" altLang="zh-CN" sz="2160"/>
-              <a:t>grpc:</a:t>
-            </a:r>
-            <a:endParaRPr lang="en-US" altLang="zh-CN" sz="2160"/>
-          </a:p>
-          <a:p>
-            <a:pPr lvl="2"/>
-            <a:r>
-              <a:rPr lang="en-US" altLang="zh-CN" sz="1775"/>
-              <a:t>grpc php ext</a:t>
-            </a:r>
-            <a:endParaRPr lang="en-US" altLang="zh-CN" sz="1775"/>
-          </a:p>
-          <a:p>
-            <a:pPr lvl="2"/>
-            <a:r>
-              <a:rPr lang="en-US" altLang="zh-CN" sz="1775"/>
-              <a:t>grpc php composer pkg</a:t>
-            </a:r>
-            <a:endParaRPr lang="en-US" altLang="zh-CN" sz="1775"/>
-          </a:p>
-          <a:p>
-            <a:pPr lvl="2"/>
-            <a:r>
-              <a:rPr lang="en-US" altLang="zh-CN" sz="1775"/>
-              <a:t>grpc_php_plugin</a:t>
-            </a:r>
-            <a:endParaRPr lang="en-US" altLang="zh-CN" sz="1775"/>
-          </a:p>
-          <a:p>
-            <a:pPr lvl="1"/>
-            <a:r>
-              <a:rPr lang="en-US" altLang="zh-CN" sz="2160"/>
-              <a:t>protoc </a:t>
-            </a:r>
-            <a:r>
-              <a:rPr lang="zh-CN" altLang="en-US" sz="1680"/>
-              <a:t>建议使用最新</a:t>
-            </a:r>
-            <a:r>
-              <a:rPr lang="zh-CN" altLang="en-US" sz="1680">
-                <a:sym typeface="+mn-ea"/>
-              </a:rPr>
-              <a:t>稳定</a:t>
-            </a:r>
-            <a:endParaRPr lang="en-US" altLang="zh-CN" sz="2160"/>
-          </a:p>
-          <a:p>
-            <a:pPr lvl="1"/>
-            <a:endParaRPr lang="en-US" altLang="zh-CN" sz="1800"/>
+            <a:r>
+              <a:rPr lang="en-US" altLang="zh-CN"/>
+              <a:t> </a:t>
+            </a:r>
+            <a:r>
+              <a:rPr lang="zh-CN" altLang="en-US"/>
+              <a:t>的实现</a:t>
+            </a:r>
+            <a:endParaRPr lang="zh-CN" altLang="en-US"/>
           </a:p>
         </p:txBody>
       </p:sp>
@@ -3291,6 +3167,313 @@
         </p:nvSpPr>
         <p:spPr/>
         <p:txBody>
+          <a:bodyPr/>
+          <a:p>
+            <a:r>
+              <a:rPr lang="en-US" altLang="zh-CN"/>
+              <a:t>gRPC client</a:t>
+            </a:r>
+            <a:endParaRPr lang="en-US" altLang="zh-CN"/>
+          </a:p>
+        </p:txBody>
+      </p:sp>
+      <p:sp>
+        <p:nvSpPr>
+          <p:cNvPr id="3" name="内容占位符 2"/>
+          <p:cNvSpPr>
+            <a:spLocks noGrp="1"/>
+          </p:cNvSpPr>
+          <p:nvPr>
+            <p:ph idx="1"/>
+          </p:nvPr>
+        </p:nvSpPr>
+        <p:spPr/>
+        <p:txBody>
+          <a:bodyPr/>
+          <a:p>
+            <a:r>
+              <a:rPr lang="en-US" altLang="zh-CN">
+                <a:solidFill>
+                  <a:srgbClr val="FF0000"/>
+                </a:solidFill>
+                <a:sym typeface="+mn-ea"/>
+              </a:rPr>
+              <a:t>grpc.io/docs/languages/php/quickstart</a:t>
+            </a:r>
+            <a:endParaRPr lang="zh-CN" altLang="en-US"/>
+          </a:p>
+          <a:p>
+            <a:pPr lvl="1"/>
+            <a:r>
+              <a:rPr lang="zh-CN" altLang="en-US" sz="1800">
+                <a:solidFill>
+                  <a:schemeClr val="accent1">
+                    <a:lumMod val="75000"/>
+                  </a:schemeClr>
+                </a:solidFill>
+              </a:rPr>
+              <a:t>安装扩展</a:t>
+            </a:r>
+            <a:endParaRPr lang="zh-CN" altLang="en-US" sz="1800">
+              <a:solidFill>
+                <a:schemeClr val="accent1">
+                  <a:lumMod val="75000"/>
+                </a:schemeClr>
+              </a:solidFill>
+            </a:endParaRPr>
+          </a:p>
+          <a:p>
+            <a:pPr lvl="1"/>
+            <a:r>
+              <a:rPr lang="zh-CN" altLang="en-US" sz="1800"/>
+              <a:t>安装代码生成工具</a:t>
+            </a:r>
+            <a:endParaRPr lang="zh-CN" altLang="en-US" sz="1800"/>
+          </a:p>
+          <a:p>
+            <a:pPr lvl="1"/>
+            <a:r>
+              <a:rPr lang="zh-CN" altLang="en-US" sz="1800"/>
+              <a:t>编写代码</a:t>
+            </a:r>
+            <a:endParaRPr lang="zh-CN" altLang="en-US" sz="1800"/>
+          </a:p>
+        </p:txBody>
+      </p:sp>
+      <p:pic>
+        <p:nvPicPr>
+          <p:cNvPr id="5" name="图片 4"/>
+          <p:cNvPicPr>
+            <a:picLocks noChangeAspect="1"/>
+          </p:cNvPicPr>
+          <p:nvPr/>
+        </p:nvPicPr>
+        <p:blipFill>
+          <a:blip r:embed="rId1"/>
+          <a:stretch>
+            <a:fillRect/>
+          </a:stretch>
+        </p:blipFill>
+        <p:spPr>
+          <a:xfrm>
+            <a:off x="9533890" y="5194300"/>
+            <a:ext cx="1819910" cy="982980"/>
+          </a:xfrm>
+          <a:prstGeom prst="rect">
+            <a:avLst/>
+          </a:prstGeom>
+        </p:spPr>
+      </p:pic>
+    </p:spTree>
+  </p:cSld>
+  <p:clrMapOvr>
+    <a:masterClrMapping/>
+  </p:clrMapOvr>
+</p:sld>
+</file>
+
+<file path=ppt/slides/slide12.xml><?xml version="1.0" encoding="utf-8"?>
+<p:sld xmlns:a="http://schemas.openxmlformats.org/drawingml/2006/main" xmlns:r="http://schemas.openxmlformats.org/officeDocument/2006/relationships" xmlns:p="http://schemas.openxmlformats.org/presentationml/2006/main">
+  <p:cSld>
+    <p:spTree>
+      <p:nvGrpSpPr>
+        <p:cNvPr id="1" name=""/>
+        <p:cNvGrpSpPr/>
+        <p:nvPr/>
+      </p:nvGrpSpPr>
+      <p:grpSpPr/>
+      <p:sp>
+        <p:nvSpPr>
+          <p:cNvPr id="2" name="标题 1"/>
+          <p:cNvSpPr>
+            <a:spLocks noGrp="1"/>
+          </p:cNvSpPr>
+          <p:nvPr>
+            <p:ph type="title"/>
+          </p:nvPr>
+        </p:nvSpPr>
+        <p:spPr/>
+        <p:txBody>
+          <a:bodyPr/>
+          <a:p>
+            <a:r>
+              <a:rPr lang="en-US" altLang="zh-CN"/>
+              <a:t>gRPC client</a:t>
+            </a:r>
+            <a:endParaRPr lang="zh-CN" altLang="en-US"/>
+          </a:p>
+        </p:txBody>
+      </p:sp>
+      <p:sp>
+        <p:nvSpPr>
+          <p:cNvPr id="3" name="内容占位符 2"/>
+          <p:cNvSpPr>
+            <a:spLocks noGrp="1"/>
+          </p:cNvSpPr>
+          <p:nvPr>
+            <p:ph idx="1"/>
+          </p:nvPr>
+        </p:nvSpPr>
+        <p:spPr/>
+        <p:txBody>
+          <a:bodyPr/>
+          <a:p>
+            <a:pPr algn="l">
+              <a:buClrTx/>
+              <a:buSzTx/>
+            </a:pPr>
+            <a:r>
+              <a:rPr lang="zh-CN" altLang="en-US" sz="2330"/>
+              <a:t>代码生成工具</a:t>
+            </a:r>
+            <a:endParaRPr lang="zh-CN" altLang="en-US" sz="2330"/>
+          </a:p>
+          <a:p>
+            <a:pPr lvl="1"/>
+            <a:r>
+              <a:rPr lang="zh-CN" altLang="en-US" sz="1600"/>
+              <a:t>推荐 </a:t>
+            </a:r>
+            <a:r>
+              <a:rPr lang="en-US" altLang="zh-CN" sz="1600" b="1">
+                <a:solidFill>
+                  <a:srgbClr val="FF0000"/>
+                </a:solidFill>
+              </a:rPr>
+              <a:t>llaoj/php-grpc-gen</a:t>
+            </a:r>
+            <a:endParaRPr lang="en-US" altLang="zh-CN" b="1"/>
+          </a:p>
+          <a:p>
+            <a:pPr lvl="0"/>
+            <a:r>
+              <a:rPr lang="zh-CN" altLang="en-US" sz="2330"/>
+              <a:t>安装</a:t>
+            </a:r>
+            <a:r>
+              <a:rPr lang="en-US" altLang="zh-CN" sz="2330"/>
+              <a:t>php </a:t>
+            </a:r>
+            <a:r>
+              <a:rPr lang="zh-CN" altLang="en-US" sz="2330"/>
+              <a:t>的扩展</a:t>
+            </a:r>
+            <a:endParaRPr lang="zh-CN" altLang="en-US" sz="2330"/>
+          </a:p>
+          <a:p>
+            <a:pPr lvl="1"/>
+            <a:r>
+              <a:rPr lang="zh-CN" altLang="en-US" sz="1600"/>
+              <a:t>推荐 </a:t>
+            </a:r>
+            <a:r>
+              <a:rPr lang="en-US" altLang="zh-CN" sz="1600" b="1">
+                <a:solidFill>
+                  <a:srgbClr val="FF0000"/>
+                </a:solidFill>
+              </a:rPr>
+              <a:t>llaoj/php-fpm-nginx</a:t>
+            </a:r>
+            <a:endParaRPr lang="en-US" altLang="zh-CN"/>
+          </a:p>
+          <a:p>
+            <a:pPr lvl="0"/>
+            <a:r>
+              <a:rPr lang="en-US" altLang="zh-CN" sz="2330"/>
+              <a:t>grpc &amp; protoc </a:t>
+            </a:r>
+            <a:r>
+              <a:rPr lang="zh-CN" altLang="en-US" sz="2330"/>
+              <a:t>版本</a:t>
+            </a:r>
+            <a:endParaRPr lang="zh-CN" altLang="en-US" sz="2330"/>
+          </a:p>
+          <a:p>
+            <a:pPr lvl="1"/>
+            <a:r>
+              <a:rPr lang="en-US" altLang="zh-CN" sz="2160"/>
+              <a:t>grpc:</a:t>
+            </a:r>
+            <a:endParaRPr lang="en-US" altLang="zh-CN" sz="2160"/>
+          </a:p>
+          <a:p>
+            <a:pPr lvl="2"/>
+            <a:r>
+              <a:rPr lang="en-US" altLang="zh-CN" sz="1775"/>
+              <a:t>grpc php ext</a:t>
+            </a:r>
+            <a:endParaRPr lang="en-US" altLang="zh-CN" sz="1775"/>
+          </a:p>
+          <a:p>
+            <a:pPr lvl="2"/>
+            <a:r>
+              <a:rPr lang="en-US" altLang="zh-CN" sz="1775"/>
+              <a:t>grpc php composer pkg</a:t>
+            </a:r>
+            <a:endParaRPr lang="en-US" altLang="zh-CN" sz="1775"/>
+          </a:p>
+          <a:p>
+            <a:pPr lvl="2"/>
+            <a:r>
+              <a:rPr lang="en-US" altLang="zh-CN" sz="1775"/>
+              <a:t>grpc_php_plugin</a:t>
+            </a:r>
+            <a:endParaRPr lang="en-US" altLang="zh-CN" sz="1775"/>
+          </a:p>
+          <a:p>
+            <a:pPr lvl="1"/>
+            <a:r>
+              <a:rPr lang="en-US" altLang="zh-CN" sz="2160"/>
+              <a:t>protoc </a:t>
+            </a:r>
+            <a:r>
+              <a:rPr lang="zh-CN" altLang="en-US" sz="1680"/>
+              <a:t>建议使用最新</a:t>
+            </a:r>
+            <a:r>
+              <a:rPr lang="zh-CN" altLang="en-US" sz="1680">
+                <a:sym typeface="+mn-ea"/>
+              </a:rPr>
+              <a:t>稳定</a:t>
+            </a:r>
+            <a:endParaRPr lang="en-US" altLang="zh-CN" sz="2160"/>
+          </a:p>
+          <a:p>
+            <a:pPr lvl="1"/>
+            <a:endParaRPr lang="en-US" altLang="zh-CN" sz="1800"/>
+          </a:p>
+        </p:txBody>
+      </p:sp>
+    </p:spTree>
+  </p:cSld>
+  <p:clrMapOvr>
+    <a:masterClrMapping/>
+  </p:clrMapOvr>
+</p:sld>
+</file>
+
+<file path=ppt/slides/slide13.xml><?xml version="1.0" encoding="utf-8"?>
+<p:sld xmlns:a="http://schemas.openxmlformats.org/drawingml/2006/main" xmlns:r="http://schemas.openxmlformats.org/officeDocument/2006/relationships" xmlns:p="http://schemas.openxmlformats.org/presentationml/2006/main">
+  <p:cSld>
+    <p:spTree>
+      <p:nvGrpSpPr>
+        <p:cNvPr id="1" name=""/>
+        <p:cNvGrpSpPr/>
+        <p:nvPr/>
+      </p:nvGrpSpPr>
+      <p:grpSpPr/>
+      <p:sp>
+        <p:nvSpPr>
+          <p:cNvPr id="2" name="标题 1"/>
+          <p:cNvSpPr>
+            <a:spLocks noGrp="1"/>
+          </p:cNvSpPr>
+          <p:nvPr>
+            <p:ph type="title"/>
+          </p:nvPr>
+        </p:nvSpPr>
+        <p:spPr/>
+        <p:txBody>
           <a:bodyPr>
             <a:normAutofit/>
           </a:bodyPr>
@@ -3431,80 +3614,6 @@
             <a:r>
               <a:rPr lang="zh-CN" altLang="en-US"/>
               <a:t>基础消息交换格式</a:t>
-            </a:r>
-            <a:endParaRPr lang="zh-CN" altLang="en-US"/>
-          </a:p>
-          <a:p>
-            <a:pPr lvl="1"/>
-            <a:r>
-              <a:rPr lang="zh-CN" altLang="en-US"/>
-              <a:t>分</a:t>
-            </a:r>
-            <a:r>
-              <a:rPr lang="en-US" altLang="zh-CN"/>
-              <a:t>3</a:t>
-            </a:r>
-            <a:r>
-              <a:rPr lang="zh-CN" altLang="en-US"/>
-              <a:t>步</a:t>
-            </a:r>
-            <a:endParaRPr lang="zh-CN" altLang="en-US"/>
-          </a:p>
-          <a:p>
-            <a:pPr lvl="2"/>
-            <a:r>
-              <a:rPr lang="en-US" altLang="zh-CN"/>
-              <a:t>1.</a:t>
-            </a:r>
-            <a:r>
-              <a:rPr lang="zh-CN" altLang="en-US"/>
-              <a:t> 定义 message</a:t>
-            </a:r>
-            <a:endParaRPr lang="zh-CN" altLang="en-US"/>
-          </a:p>
-          <a:p>
-            <a:pPr lvl="2"/>
-            <a:r>
-              <a:rPr lang="en-US" altLang="zh-CN"/>
-              <a:t>2.</a:t>
-            </a:r>
-            <a:r>
-              <a:rPr lang="zh-CN" altLang="en-US">
-                <a:sym typeface="+mn-ea"/>
-              </a:rPr>
-              <a:t>定义 </a:t>
-            </a:r>
-            <a:r>
-              <a:rPr lang="en-US" altLang="zh-CN"/>
-              <a:t>service</a:t>
-            </a:r>
-            <a:endParaRPr lang="en-US" altLang="zh-CN"/>
-          </a:p>
-          <a:p>
-            <a:pPr lvl="2"/>
-            <a:r>
-              <a:rPr lang="en-US" altLang="zh-CN"/>
-              <a:t>3. </a:t>
-            </a:r>
-            <a:r>
-              <a:rPr lang="zh-CN" altLang="en-US"/>
-              <a:t>生成对应语言代码</a:t>
-            </a:r>
-            <a:endParaRPr lang="zh-CN" altLang="en-US"/>
-          </a:p>
-          <a:p>
-            <a:pPr lvl="3"/>
-            <a:r>
-              <a:rPr lang="en-US" altLang="zh-CN"/>
-              <a:t>protoc</a:t>
-            </a:r>
-            <a:endParaRPr lang="en-US" altLang="zh-CN"/>
-          </a:p>
-          <a:p>
-            <a:pPr lvl="3"/>
-            <a:r>
-              <a:rPr lang="zh-CN" altLang="en-US"/>
-              <a:t>对应语言的gRPC plugin</a:t>
             </a:r>
             <a:endParaRPr lang="zh-CN" altLang="en-US"/>
           </a:p>
@@ -3838,26 +3947,26 @@
           </a:bodyPr>
           <a:p>
             <a:r>
-              <a:rPr lang="en-US" altLang="zh-CN"/>
-              <a:t>gRPC </a:t>
-            </a:r>
-            <a:r>
-              <a:rPr lang="zh-CN" altLang="en-US"/>
-              <a:t>的 </a:t>
+              <a:rPr lang="en-US">
+                <a:sym typeface="+mn-ea"/>
+              </a:rPr>
+              <a:t>4 </a:t>
+            </a:r>
+            <a:r>
+              <a:rPr lang="zh-CN" altLang="en-US">
+                <a:sym typeface="+mn-ea"/>
+              </a:rPr>
+              <a:t>种 </a:t>
             </a:r>
             <a:r>
               <a:rPr lang="en-US" altLang="zh-CN">
                 <a:sym typeface="+mn-ea"/>
               </a:rPr>
-              <a:t>4</a:t>
-            </a:r>
-            <a:r>
-              <a:rPr lang="zh-CN" altLang="en-US">
-                <a:sym typeface="+mn-ea"/>
-              </a:rPr>
-              <a:t>种service method</a:t>
-            </a:r>
-            <a:endParaRPr lang="zh-CN" altLang="en-US"/>
+              <a:t>service method</a:t>
+            </a:r>
+            <a:endParaRPr lang="en-US" altLang="zh-CN">
+              <a:sym typeface="+mn-ea"/>
+            </a:endParaRPr>
           </a:p>
         </p:txBody>
       </p:sp>
@@ -3902,7 +4011,79 @@
               <a:buClrTx/>
               <a:buSzTx/>
             </a:pPr>
-            <a:endParaRPr lang="en-US" altLang="zh-CN" b="1"/>
+            <a:r>
+              <a:rPr lang="en-US" altLang="zh-CN">
+                <a:sym typeface="+mn-ea"/>
+              </a:rPr>
+              <a:t>grpc.io/docs/what-is-grpc/core-concepts</a:t>
+            </a:r>
+            <a:endParaRPr lang="zh-CN" altLang="en-US"/>
+          </a:p>
+          <a:p>
+            <a:pPr lvl="1" algn="l">
+              <a:spcBef>
+                <a:spcPts val="1000"/>
+              </a:spcBef>
+              <a:buClrTx/>
+              <a:buSzTx/>
+            </a:pPr>
+            <a:r>
+              <a:rPr lang="zh-CN" altLang="en-US"/>
+              <a:t>每一种方法的执行过程</a:t>
+            </a:r>
+            <a:r>
+              <a:rPr lang="en-US" altLang="zh-CN"/>
+              <a:t>(</a:t>
+            </a:r>
+            <a:r>
+              <a:rPr lang="zh-CN" altLang="en-US" sz="2055">
+                <a:solidFill>
+                  <a:schemeClr val="bg1">
+                    <a:lumMod val="50000"/>
+                  </a:schemeClr>
+                </a:solidFill>
+              </a:rPr>
+              <a:t>看下文档</a:t>
+            </a:r>
+            <a:r>
+              <a:rPr lang="en-US" altLang="zh-CN"/>
+              <a:t>)</a:t>
+            </a:r>
+            <a:endParaRPr lang="en-US" altLang="zh-CN"/>
+          </a:p>
+          <a:p>
+            <a:pPr lvl="1" algn="l">
+              <a:spcBef>
+                <a:spcPts val="1000"/>
+              </a:spcBef>
+              <a:buClrTx/>
+              <a:buSzTx/>
+            </a:pPr>
+            <a:r>
+              <a:rPr lang="en-US" altLang="zh-CN"/>
+              <a:t>Deadlines/Timeouts</a:t>
+            </a:r>
+            <a:endParaRPr lang="en-US" altLang="zh-CN"/>
+          </a:p>
+          <a:p>
+            <a:pPr lvl="0" algn="l">
+              <a:spcBef>
+                <a:spcPts val="1000"/>
+              </a:spcBef>
+              <a:buClrTx/>
+              <a:buSzTx/>
+            </a:pPr>
+            <a:endParaRPr lang="en-US" altLang="zh-CN"/>
+          </a:p>
+          <a:p>
+            <a:pPr lvl="0" algn="l">
+              <a:spcBef>
+                <a:spcPts val="1000"/>
+              </a:spcBef>
+              <a:buClrTx/>
+              <a:buSzTx/>
+            </a:pPr>
+            <a:endParaRPr lang="en-US" altLang="zh-CN"/>
           </a:p>
         </p:txBody>
       </p:sp>
@@ -3986,11 +4167,11 @@
             <a:pPr algn="ctr"/>
             <a:r>
               <a:rPr lang="en-US" altLang="zh-CN"/>
-              <a:t>gRPC server </a:t>
+              <a:t>proto </a:t>
             </a:r>
             <a:r>
               <a:rPr lang="zh-CN" altLang="en-US"/>
-              <a:t>的实现</a:t>
+              <a:t>文件定义</a:t>
             </a:r>
             <a:endParaRPr lang="zh-CN" altLang="en-US"/>
           </a:p>
@@ -4005,6 +4186,139 @@
 </file>
 
 <file path=ppt/slides/slide7.xml><?xml version="1.0" encoding="utf-8"?>
+<p:sld xmlns:a="http://schemas.openxmlformats.org/drawingml/2006/main" xmlns:r="http://schemas.openxmlformats.org/officeDocument/2006/relationships" xmlns:p="http://schemas.openxmlformats.org/presentationml/2006/main">
+  <p:cSld>
+    <p:spTree>
+      <p:nvGrpSpPr>
+        <p:cNvPr id="1" name=""/>
+        <p:cNvGrpSpPr/>
+        <p:nvPr/>
+      </p:nvGrpSpPr>
+      <p:grpSpPr/>
+      <p:sp>
+        <p:nvSpPr>
+          <p:cNvPr id="2" name="标题 1"/>
+          <p:cNvSpPr>
+            <a:spLocks noGrp="1"/>
+          </p:cNvSpPr>
+          <p:nvPr>
+            <p:ph type="title"/>
+          </p:nvPr>
+        </p:nvSpPr>
+        <p:spPr/>
+        <p:txBody>
+          <a:bodyPr/>
+          <a:p>
+            <a:r>
+              <a:rPr lang="zh-CN" altLang="en-US"/>
+              <a:t>定义分三步</a:t>
+            </a:r>
+            <a:endParaRPr lang="zh-CN" altLang="en-US"/>
+          </a:p>
+        </p:txBody>
+      </p:sp>
+      <p:sp>
+        <p:nvSpPr>
+          <p:cNvPr id="3" name="内容占位符 2"/>
+          <p:cNvSpPr>
+            <a:spLocks noGrp="1"/>
+          </p:cNvSpPr>
+          <p:nvPr>
+            <p:ph idx="1"/>
+          </p:nvPr>
+        </p:nvSpPr>
+        <p:spPr/>
+        <p:txBody>
+          <a:bodyPr/>
+          <a:p>
+            <a:r>
+              <a:rPr lang="zh-CN" altLang="en-US"/>
+              <a:t>定义</a:t>
+            </a:r>
+            <a:r>
+              <a:rPr lang="en-US" altLang="zh-CN"/>
+              <a:t>message</a:t>
+            </a:r>
+            <a:endParaRPr lang="en-US" altLang="zh-CN"/>
+          </a:p>
+          <a:p>
+            <a:r>
+              <a:rPr lang="zh-CN" altLang="en-US"/>
+              <a:t>定义</a:t>
+            </a:r>
+            <a:r>
+              <a:rPr lang="en-US" altLang="zh-CN"/>
+              <a:t>service -&gt; method</a:t>
+            </a:r>
+            <a:endParaRPr lang="en-US" altLang="zh-CN"/>
+          </a:p>
+          <a:p>
+            <a:pPr marL="0" indent="0">
+              <a:buNone/>
+            </a:pPr>
+            <a:endParaRPr lang="en-US" altLang="zh-CN"/>
+          </a:p>
+        </p:txBody>
+      </p:sp>
+    </p:spTree>
+  </p:cSld>
+  <p:clrMapOvr>
+    <a:masterClrMapping/>
+  </p:clrMapOvr>
+</p:sld>
+</file>
+
+<file path=ppt/slides/slide8.xml><?xml version="1.0" encoding="utf-8"?>
+<p:sld xmlns:a="http://schemas.openxmlformats.org/drawingml/2006/main" xmlns:r="http://schemas.openxmlformats.org/officeDocument/2006/relationships" xmlns:p="http://schemas.openxmlformats.org/presentationml/2006/main">
+  <p:cSld>
+    <p:spTree>
+      <p:nvGrpSpPr>
+        <p:cNvPr id="1" name=""/>
+        <p:cNvGrpSpPr/>
+        <p:nvPr/>
+      </p:nvGrpSpPr>
+      <p:grpSpPr/>
+      <p:sp>
+        <p:nvSpPr>
+          <p:cNvPr id="2" name="标题 1"/>
+          <p:cNvSpPr>
+            <a:spLocks noGrp="1"/>
+          </p:cNvSpPr>
+          <p:nvPr>
+            <p:ph type="title"/>
+          </p:nvPr>
+        </p:nvSpPr>
+        <p:spPr>
+          <a:xfrm>
+            <a:off x="838200" y="2766060"/>
+            <a:ext cx="10515600" cy="1325563"/>
+          </a:xfrm>
+        </p:spPr>
+        <p:txBody>
+          <a:bodyPr/>
+          <a:p>
+            <a:pPr algn="ctr"/>
+            <a:r>
+              <a:rPr lang="en-US" altLang="zh-CN"/>
+              <a:t>gRPC server </a:t>
+            </a:r>
+            <a:r>
+              <a:rPr lang="zh-CN" altLang="en-US"/>
+              <a:t>的实现</a:t>
+            </a:r>
+            <a:endParaRPr lang="zh-CN" altLang="en-US"/>
+          </a:p>
+        </p:txBody>
+      </p:sp>
+    </p:spTree>
+  </p:cSld>
+  <p:clrMapOvr>
+    <a:masterClrMapping/>
+  </p:clrMapOvr>
+</p:sld>
+</file>
+
+<file path=ppt/slides/slide9.xml><?xml version="1.0" encoding="utf-8"?>
 <p:sld xmlns:a="http://schemas.openxmlformats.org/drawingml/2006/main" xmlns:r="http://schemas.openxmlformats.org/officeDocument/2006/relationships" xmlns:p="http://schemas.openxmlformats.org/presentationml/2006/main">
   <p:cSld>
     <p:spTree>
@@ -4123,187 +4437,6 @@
           <a:xfrm>
             <a:off x="9382125" y="5434330"/>
             <a:ext cx="1971675" cy="742950"/>
-          </a:xfrm>
-          <a:prstGeom prst="rect">
-            <a:avLst/>
-          </a:prstGeom>
-        </p:spPr>
-      </p:pic>
-    </p:spTree>
-  </p:cSld>
-  <p:clrMapOvr>
-    <a:masterClrMapping/>
-  </p:clrMapOvr>
-</p:sld>
-</file>
-
-<file path=ppt/slides/slide8.xml><?xml version="1.0" encoding="utf-8"?>
-<p:sld xmlns:a="http://schemas.openxmlformats.org/drawingml/2006/main" xmlns:r="http://schemas.openxmlformats.org/officeDocument/2006/relationships" xmlns:p="http://schemas.openxmlformats.org/presentationml/2006/main">
-  <p:cSld>
-    <p:spTree>
-      <p:nvGrpSpPr>
-        <p:cNvPr id="1" name=""/>
-        <p:cNvGrpSpPr/>
-        <p:nvPr/>
-      </p:nvGrpSpPr>
-      <p:grpSpPr/>
-      <p:sp>
-        <p:nvSpPr>
-          <p:cNvPr id="2" name="标题 1"/>
-          <p:cNvSpPr>
-            <a:spLocks noGrp="1"/>
-          </p:cNvSpPr>
-          <p:nvPr>
-            <p:ph type="title"/>
-          </p:nvPr>
-        </p:nvSpPr>
-        <p:spPr>
-          <a:xfrm>
-            <a:off x="838200" y="2766060"/>
-            <a:ext cx="10515600" cy="1325563"/>
-          </a:xfrm>
-        </p:spPr>
-        <p:txBody>
-          <a:bodyPr/>
-          <a:p>
-            <a:pPr algn="ctr"/>
-            <a:r>
-              <a:rPr lang="en-US" altLang="zh-CN"/>
-              <a:t>gRPC client</a:t>
-            </a:r>
-            <a:r>
-              <a:rPr lang="en-US" altLang="zh-CN"/>
-              <a:t> </a:t>
-            </a:r>
-            <a:r>
-              <a:rPr lang="zh-CN" altLang="en-US"/>
-              <a:t>的实现</a:t>
-            </a:r>
-            <a:endParaRPr lang="zh-CN" altLang="en-US"/>
-          </a:p>
-        </p:txBody>
-      </p:sp>
-    </p:spTree>
-  </p:cSld>
-  <p:clrMapOvr>
-    <a:masterClrMapping/>
-  </p:clrMapOvr>
-</p:sld>
-</file>
-
-<file path=ppt/slides/slide9.xml><?xml version="1.0" encoding="utf-8"?>
-<p:sld xmlns:a="http://schemas.openxmlformats.org/drawingml/2006/main" xmlns:r="http://schemas.openxmlformats.org/officeDocument/2006/relationships" xmlns:p="http://schemas.openxmlformats.org/presentationml/2006/main">
-  <p:cSld>
-    <p:spTree>
-      <p:nvGrpSpPr>
-        <p:cNvPr id="1" name=""/>
-        <p:cNvGrpSpPr/>
-        <p:nvPr/>
-      </p:nvGrpSpPr>
-      <p:grpSpPr/>
-      <p:sp>
-        <p:nvSpPr>
-          <p:cNvPr id="2" name="标题 1"/>
-          <p:cNvSpPr>
-            <a:spLocks noGrp="1"/>
-          </p:cNvSpPr>
-          <p:nvPr>
-            <p:ph type="title"/>
-          </p:nvPr>
-        </p:nvSpPr>
-        <p:spPr/>
-        <p:txBody>
-          <a:bodyPr/>
-          <a:p>
-            <a:r>
-              <a:rPr lang="en-US" altLang="zh-CN"/>
-              <a:t>gRPC client</a:t>
-            </a:r>
-            <a:endParaRPr lang="en-US" altLang="zh-CN"/>
-          </a:p>
-        </p:txBody>
-      </p:sp>
-      <p:sp>
-        <p:nvSpPr>
-          <p:cNvPr id="3" name="内容占位符 2"/>
-          <p:cNvSpPr>
-            <a:spLocks noGrp="1"/>
-          </p:cNvSpPr>
-          <p:nvPr>
-            <p:ph idx="1"/>
-          </p:nvPr>
-        </p:nvSpPr>
-        <p:spPr/>
-        <p:txBody>
-          <a:bodyPr/>
-          <a:p>
-            <a:r>
-              <a:rPr lang="en-US" altLang="zh-CN">
-                <a:solidFill>
-                  <a:srgbClr val="FF0000"/>
-                </a:solidFill>
-                <a:sym typeface="+mn-ea"/>
-              </a:rPr>
-              <a:t>grpc.io/docs/languages/php/quickstart</a:t>
-            </a:r>
-            <a:endParaRPr lang="zh-CN" altLang="en-US"/>
-          </a:p>
-          <a:p>
-            <a:pPr lvl="1"/>
-            <a:r>
-              <a:rPr lang="zh-CN" altLang="en-US" sz="1800">
-                <a:solidFill>
-                  <a:schemeClr val="accent1">
-                    <a:lumMod val="75000"/>
-                  </a:schemeClr>
-                </a:solidFill>
-              </a:rPr>
-              <a:t>安装扩展</a:t>
-            </a:r>
-            <a:endParaRPr lang="zh-CN" altLang="en-US" sz="1800">
-              <a:solidFill>
-                <a:schemeClr val="accent1">
-                  <a:lumMod val="75000"/>
-                </a:schemeClr>
-              </a:solidFill>
-            </a:endParaRPr>
-          </a:p>
-          <a:p>
-            <a:pPr lvl="1"/>
-            <a:r>
-              <a:rPr lang="zh-CN" altLang="en-US" sz="1800"/>
-              <a:t>安装代码生成工具</a:t>
-            </a:r>
-            <a:endParaRPr lang="zh-CN" altLang="en-US" sz="1800"/>
-          </a:p>
-          <a:p>
-            <a:pPr lvl="1"/>
-            <a:r>
-              <a:rPr lang="zh-CN" altLang="en-US" sz="1800"/>
-              <a:t>编写代码</a:t>
-            </a:r>
-            <a:endParaRPr lang="zh-CN" altLang="en-US" sz="1800"/>
-          </a:p>
-        </p:txBody>
-      </p:sp>
-      <p:pic>
-        <p:nvPicPr>
-          <p:cNvPr id="5" name="图片 4"/>
-          <p:cNvPicPr>
-            <a:picLocks noChangeAspect="1"/>
-          </p:cNvPicPr>
-          <p:nvPr/>
-        </p:nvPicPr>
-        <p:blipFill>
-          <a:blip r:embed="rId1"/>
-          <a:stretch>
-            <a:fillRect/>
-          </a:stretch>
-        </p:blipFill>
-        <p:spPr>
-          <a:xfrm>
-            <a:off x="9533890" y="5194300"/>
-            <a:ext cx="1819910" cy="982980"/>
           </a:xfrm>
           <a:prstGeom prst="rect">
             <a:avLst/>

--- a/grpc/index.pptx
+++ b/grpc/index.pptx
@@ -6,18 +6,19 @@
   </p:sldMasterIdLst>
   <p:sldIdLst>
     <p:sldId id="256" r:id="rId3"/>
-    <p:sldId id="264" r:id="rId4"/>
-    <p:sldId id="257" r:id="rId5"/>
-    <p:sldId id="258" r:id="rId6"/>
-    <p:sldId id="272" r:id="rId7"/>
-    <p:sldId id="261" r:id="rId8"/>
-    <p:sldId id="281" r:id="rId9"/>
-    <p:sldId id="279" r:id="rId10"/>
-    <p:sldId id="259" r:id="rId11"/>
-    <p:sldId id="262" r:id="rId12"/>
-    <p:sldId id="260" r:id="rId13"/>
-    <p:sldId id="263" r:id="rId14"/>
-    <p:sldId id="271" r:id="rId15"/>
+    <p:sldId id="288" r:id="rId4"/>
+    <p:sldId id="264" r:id="rId5"/>
+    <p:sldId id="257" r:id="rId6"/>
+    <p:sldId id="258" r:id="rId7"/>
+    <p:sldId id="272" r:id="rId8"/>
+    <p:sldId id="261" r:id="rId9"/>
+    <p:sldId id="281" r:id="rId10"/>
+    <p:sldId id="279" r:id="rId11"/>
+    <p:sldId id="259" r:id="rId12"/>
+    <p:sldId id="262" r:id="rId13"/>
+    <p:sldId id="260" r:id="rId14"/>
+    <p:sldId id="263" r:id="rId15"/>
+    <p:sldId id="271" r:id="rId16"/>
   </p:sldIdLst>
   <p:sldSz cx="12192000" cy="6858000"/>
   <p:notesSz cx="6858000" cy="9144000"/>
@@ -3111,1233 +3112,6 @@
             <p:ph type="title"/>
           </p:nvPr>
         </p:nvSpPr>
-        <p:spPr>
-          <a:xfrm>
-            <a:off x="838200" y="2766060"/>
-            <a:ext cx="10515600" cy="1325563"/>
-          </a:xfrm>
-        </p:spPr>
-        <p:txBody>
-          <a:bodyPr/>
-          <a:p>
-            <a:pPr algn="ctr"/>
-            <a:r>
-              <a:rPr lang="en-US" altLang="zh-CN"/>
-              <a:t>gRPC client</a:t>
-            </a:r>
-            <a:r>
-              <a:rPr lang="en-US" altLang="zh-CN"/>
-              <a:t> </a:t>
-            </a:r>
-            <a:r>
-              <a:rPr lang="zh-CN" altLang="en-US"/>
-              <a:t>的实现</a:t>
-            </a:r>
-            <a:endParaRPr lang="zh-CN" altLang="en-US"/>
-          </a:p>
-        </p:txBody>
-      </p:sp>
-    </p:spTree>
-  </p:cSld>
-  <p:clrMapOvr>
-    <a:masterClrMapping/>
-  </p:clrMapOvr>
-</p:sld>
-</file>
-
-<file path=ppt/slides/slide11.xml><?xml version="1.0" encoding="utf-8"?>
-<p:sld xmlns:a="http://schemas.openxmlformats.org/drawingml/2006/main" xmlns:r="http://schemas.openxmlformats.org/officeDocument/2006/relationships" xmlns:p="http://schemas.openxmlformats.org/presentationml/2006/main">
-  <p:cSld>
-    <p:spTree>
-      <p:nvGrpSpPr>
-        <p:cNvPr id="1" name=""/>
-        <p:cNvGrpSpPr/>
-        <p:nvPr/>
-      </p:nvGrpSpPr>
-      <p:grpSpPr/>
-      <p:sp>
-        <p:nvSpPr>
-          <p:cNvPr id="2" name="标题 1"/>
-          <p:cNvSpPr>
-            <a:spLocks noGrp="1"/>
-          </p:cNvSpPr>
-          <p:nvPr>
-            <p:ph type="title"/>
-          </p:nvPr>
-        </p:nvSpPr>
-        <p:spPr/>
-        <p:txBody>
-          <a:bodyPr/>
-          <a:p>
-            <a:r>
-              <a:rPr lang="en-US" altLang="zh-CN"/>
-              <a:t>gRPC client</a:t>
-            </a:r>
-            <a:endParaRPr lang="en-US" altLang="zh-CN"/>
-          </a:p>
-        </p:txBody>
-      </p:sp>
-      <p:sp>
-        <p:nvSpPr>
-          <p:cNvPr id="3" name="内容占位符 2"/>
-          <p:cNvSpPr>
-            <a:spLocks noGrp="1"/>
-          </p:cNvSpPr>
-          <p:nvPr>
-            <p:ph idx="1"/>
-          </p:nvPr>
-        </p:nvSpPr>
-        <p:spPr/>
-        <p:txBody>
-          <a:bodyPr/>
-          <a:p>
-            <a:r>
-              <a:rPr lang="en-US" altLang="zh-CN">
-                <a:solidFill>
-                  <a:srgbClr val="FF0000"/>
-                </a:solidFill>
-                <a:sym typeface="+mn-ea"/>
-              </a:rPr>
-              <a:t>grpc.io/docs/languages/php/quickstart</a:t>
-            </a:r>
-            <a:endParaRPr lang="zh-CN" altLang="en-US"/>
-          </a:p>
-          <a:p>
-            <a:pPr lvl="1"/>
-            <a:r>
-              <a:rPr lang="zh-CN" altLang="en-US" sz="1800">
-                <a:solidFill>
-                  <a:schemeClr val="accent1">
-                    <a:lumMod val="75000"/>
-                  </a:schemeClr>
-                </a:solidFill>
-              </a:rPr>
-              <a:t>安装扩展</a:t>
-            </a:r>
-            <a:endParaRPr lang="zh-CN" altLang="en-US" sz="1800">
-              <a:solidFill>
-                <a:schemeClr val="accent1">
-                  <a:lumMod val="75000"/>
-                </a:schemeClr>
-              </a:solidFill>
-            </a:endParaRPr>
-          </a:p>
-          <a:p>
-            <a:pPr lvl="1"/>
-            <a:r>
-              <a:rPr lang="zh-CN" altLang="en-US" sz="1800"/>
-              <a:t>安装代码生成工具</a:t>
-            </a:r>
-            <a:endParaRPr lang="zh-CN" altLang="en-US" sz="1800"/>
-          </a:p>
-          <a:p>
-            <a:pPr lvl="1"/>
-            <a:r>
-              <a:rPr lang="zh-CN" altLang="en-US" sz="1800"/>
-              <a:t>编写代码</a:t>
-            </a:r>
-            <a:endParaRPr lang="zh-CN" altLang="en-US" sz="1800"/>
-          </a:p>
-        </p:txBody>
-      </p:sp>
-      <p:pic>
-        <p:nvPicPr>
-          <p:cNvPr id="5" name="图片 4"/>
-          <p:cNvPicPr>
-            <a:picLocks noChangeAspect="1"/>
-          </p:cNvPicPr>
-          <p:nvPr/>
-        </p:nvPicPr>
-        <p:blipFill>
-          <a:blip r:embed="rId1"/>
-          <a:stretch>
-            <a:fillRect/>
-          </a:stretch>
-        </p:blipFill>
-        <p:spPr>
-          <a:xfrm>
-            <a:off x="9533890" y="5194300"/>
-            <a:ext cx="1819910" cy="982980"/>
-          </a:xfrm>
-          <a:prstGeom prst="rect">
-            <a:avLst/>
-          </a:prstGeom>
-        </p:spPr>
-      </p:pic>
-    </p:spTree>
-  </p:cSld>
-  <p:clrMapOvr>
-    <a:masterClrMapping/>
-  </p:clrMapOvr>
-</p:sld>
-</file>
-
-<file path=ppt/slides/slide12.xml><?xml version="1.0" encoding="utf-8"?>
-<p:sld xmlns:a="http://schemas.openxmlformats.org/drawingml/2006/main" xmlns:r="http://schemas.openxmlformats.org/officeDocument/2006/relationships" xmlns:p="http://schemas.openxmlformats.org/presentationml/2006/main">
-  <p:cSld>
-    <p:spTree>
-      <p:nvGrpSpPr>
-        <p:cNvPr id="1" name=""/>
-        <p:cNvGrpSpPr/>
-        <p:nvPr/>
-      </p:nvGrpSpPr>
-      <p:grpSpPr/>
-      <p:sp>
-        <p:nvSpPr>
-          <p:cNvPr id="2" name="标题 1"/>
-          <p:cNvSpPr>
-            <a:spLocks noGrp="1"/>
-          </p:cNvSpPr>
-          <p:nvPr>
-            <p:ph type="title"/>
-          </p:nvPr>
-        </p:nvSpPr>
-        <p:spPr/>
-        <p:txBody>
-          <a:bodyPr/>
-          <a:p>
-            <a:r>
-              <a:rPr lang="en-US" altLang="zh-CN"/>
-              <a:t>gRPC client</a:t>
-            </a:r>
-            <a:endParaRPr lang="zh-CN" altLang="en-US"/>
-          </a:p>
-        </p:txBody>
-      </p:sp>
-      <p:sp>
-        <p:nvSpPr>
-          <p:cNvPr id="3" name="内容占位符 2"/>
-          <p:cNvSpPr>
-            <a:spLocks noGrp="1"/>
-          </p:cNvSpPr>
-          <p:nvPr>
-            <p:ph idx="1"/>
-          </p:nvPr>
-        </p:nvSpPr>
-        <p:spPr/>
-        <p:txBody>
-          <a:bodyPr/>
-          <a:p>
-            <a:pPr algn="l">
-              <a:buClrTx/>
-              <a:buSzTx/>
-            </a:pPr>
-            <a:r>
-              <a:rPr lang="zh-CN" altLang="en-US" sz="2330"/>
-              <a:t>代码生成工具</a:t>
-            </a:r>
-            <a:endParaRPr lang="zh-CN" altLang="en-US" sz="2330"/>
-          </a:p>
-          <a:p>
-            <a:pPr lvl="1"/>
-            <a:r>
-              <a:rPr lang="zh-CN" altLang="en-US" sz="1600"/>
-              <a:t>推荐 </a:t>
-            </a:r>
-            <a:r>
-              <a:rPr lang="en-US" altLang="zh-CN" sz="1600" b="1">
-                <a:solidFill>
-                  <a:srgbClr val="FF0000"/>
-                </a:solidFill>
-              </a:rPr>
-              <a:t>llaoj/php-grpc-gen</a:t>
-            </a:r>
-            <a:endParaRPr lang="en-US" altLang="zh-CN" b="1"/>
-          </a:p>
-          <a:p>
-            <a:pPr lvl="0"/>
-            <a:r>
-              <a:rPr lang="zh-CN" altLang="en-US" sz="2330"/>
-              <a:t>安装</a:t>
-            </a:r>
-            <a:r>
-              <a:rPr lang="en-US" altLang="zh-CN" sz="2330"/>
-              <a:t>php </a:t>
-            </a:r>
-            <a:r>
-              <a:rPr lang="zh-CN" altLang="en-US" sz="2330"/>
-              <a:t>的扩展</a:t>
-            </a:r>
-            <a:endParaRPr lang="zh-CN" altLang="en-US" sz="2330"/>
-          </a:p>
-          <a:p>
-            <a:pPr lvl="1"/>
-            <a:r>
-              <a:rPr lang="zh-CN" altLang="en-US" sz="1600"/>
-              <a:t>推荐 </a:t>
-            </a:r>
-            <a:r>
-              <a:rPr lang="en-US" altLang="zh-CN" sz="1600" b="1">
-                <a:solidFill>
-                  <a:srgbClr val="FF0000"/>
-                </a:solidFill>
-              </a:rPr>
-              <a:t>llaoj/php-fpm-nginx</a:t>
-            </a:r>
-            <a:endParaRPr lang="en-US" altLang="zh-CN"/>
-          </a:p>
-          <a:p>
-            <a:pPr lvl="0"/>
-            <a:r>
-              <a:rPr lang="en-US" altLang="zh-CN" sz="2330"/>
-              <a:t>grpc &amp; protoc </a:t>
-            </a:r>
-            <a:r>
-              <a:rPr lang="zh-CN" altLang="en-US" sz="2330"/>
-              <a:t>版本</a:t>
-            </a:r>
-            <a:endParaRPr lang="zh-CN" altLang="en-US" sz="2330"/>
-          </a:p>
-          <a:p>
-            <a:pPr lvl="1"/>
-            <a:r>
-              <a:rPr lang="en-US" altLang="zh-CN" sz="2160"/>
-              <a:t>grpc:</a:t>
-            </a:r>
-            <a:endParaRPr lang="en-US" altLang="zh-CN" sz="2160"/>
-          </a:p>
-          <a:p>
-            <a:pPr lvl="2"/>
-            <a:r>
-              <a:rPr lang="en-US" altLang="zh-CN" sz="1775"/>
-              <a:t>grpc php ext</a:t>
-            </a:r>
-            <a:endParaRPr lang="en-US" altLang="zh-CN" sz="1775"/>
-          </a:p>
-          <a:p>
-            <a:pPr lvl="2"/>
-            <a:r>
-              <a:rPr lang="en-US" altLang="zh-CN" sz="1775"/>
-              <a:t>grpc php composer pkg</a:t>
-            </a:r>
-            <a:endParaRPr lang="en-US" altLang="zh-CN" sz="1775"/>
-          </a:p>
-          <a:p>
-            <a:pPr lvl="2"/>
-            <a:r>
-              <a:rPr lang="en-US" altLang="zh-CN" sz="1775"/>
-              <a:t>grpc_php_plugin</a:t>
-            </a:r>
-            <a:endParaRPr lang="en-US" altLang="zh-CN" sz="1775"/>
-          </a:p>
-          <a:p>
-            <a:pPr lvl="1"/>
-            <a:r>
-              <a:rPr lang="en-US" altLang="zh-CN" sz="2160"/>
-              <a:t>protoc </a:t>
-            </a:r>
-            <a:r>
-              <a:rPr lang="zh-CN" altLang="en-US" sz="1680"/>
-              <a:t>建议使用最新</a:t>
-            </a:r>
-            <a:r>
-              <a:rPr lang="zh-CN" altLang="en-US" sz="1680">
-                <a:sym typeface="+mn-ea"/>
-              </a:rPr>
-              <a:t>稳定</a:t>
-            </a:r>
-            <a:endParaRPr lang="en-US" altLang="zh-CN" sz="2160"/>
-          </a:p>
-          <a:p>
-            <a:pPr lvl="1"/>
-            <a:endParaRPr lang="en-US" altLang="zh-CN" sz="1800"/>
-          </a:p>
-        </p:txBody>
-      </p:sp>
-    </p:spTree>
-  </p:cSld>
-  <p:clrMapOvr>
-    <a:masterClrMapping/>
-  </p:clrMapOvr>
-</p:sld>
-</file>
-
-<file path=ppt/slides/slide13.xml><?xml version="1.0" encoding="utf-8"?>
-<p:sld xmlns:a="http://schemas.openxmlformats.org/drawingml/2006/main" xmlns:r="http://schemas.openxmlformats.org/officeDocument/2006/relationships" xmlns:p="http://schemas.openxmlformats.org/presentationml/2006/main">
-  <p:cSld>
-    <p:spTree>
-      <p:nvGrpSpPr>
-        <p:cNvPr id="1" name=""/>
-        <p:cNvGrpSpPr/>
-        <p:nvPr/>
-      </p:nvGrpSpPr>
-      <p:grpSpPr/>
-      <p:sp>
-        <p:nvSpPr>
-          <p:cNvPr id="2" name="标题 1"/>
-          <p:cNvSpPr>
-            <a:spLocks noGrp="1"/>
-          </p:cNvSpPr>
-          <p:nvPr>
-            <p:ph type="title"/>
-          </p:nvPr>
-        </p:nvSpPr>
-        <p:spPr/>
-        <p:txBody>
-          <a:bodyPr>
-            <a:normAutofit/>
-          </a:bodyPr>
-          <a:p>
-            <a:r>
-              <a:rPr lang="zh-CN" altLang="en-US"/>
-              <a:t>继续深入</a:t>
-            </a:r>
-            <a:r>
-              <a:rPr lang="en-US" altLang="zh-CN"/>
-              <a:t>...</a:t>
-            </a:r>
-            <a:endParaRPr lang="en-US" altLang="zh-CN"/>
-          </a:p>
-        </p:txBody>
-      </p:sp>
-      <p:sp>
-        <p:nvSpPr>
-          <p:cNvPr id="3" name="内容占位符 2"/>
-          <p:cNvSpPr>
-            <a:spLocks noGrp="1"/>
-          </p:cNvSpPr>
-          <p:nvPr>
-            <p:ph idx="1"/>
-          </p:nvPr>
-        </p:nvSpPr>
-        <p:spPr/>
-        <p:txBody>
-          <a:bodyPr/>
-          <a:p>
-            <a:r>
-              <a:rPr lang="zh-CN" altLang="en-US"/>
-              <a:t>Authentication</a:t>
-            </a:r>
-            <a:endParaRPr lang="zh-CN" altLang="en-US"/>
-          </a:p>
-          <a:p>
-            <a:r>
-              <a:rPr lang="zh-CN" altLang="en-US"/>
-              <a:t>Error Handling</a:t>
-            </a:r>
-            <a:endParaRPr lang="zh-CN" altLang="en-US"/>
-          </a:p>
-          <a:p>
-            <a:r>
-              <a:rPr lang="zh-CN" altLang="en-US"/>
-              <a:t>Benchmarking</a:t>
-            </a:r>
-            <a:endParaRPr lang="zh-CN" altLang="en-US"/>
-          </a:p>
-          <a:p>
-            <a:r>
-              <a:rPr lang="en-US" altLang="zh-CN"/>
-              <a:t>...</a:t>
-            </a:r>
-            <a:endParaRPr lang="en-US" altLang="zh-CN"/>
-          </a:p>
-        </p:txBody>
-      </p:sp>
-    </p:spTree>
-  </p:cSld>
-  <p:clrMapOvr>
-    <a:masterClrMapping/>
-  </p:clrMapOvr>
-</p:sld>
-</file>
-
-<file path=ppt/slides/slide2.xml><?xml version="1.0" encoding="utf-8"?>
-<p:sld xmlns:a="http://schemas.openxmlformats.org/drawingml/2006/main" xmlns:r="http://schemas.openxmlformats.org/officeDocument/2006/relationships" xmlns:p="http://schemas.openxmlformats.org/presentationml/2006/main">
-  <p:cSld>
-    <p:spTree>
-      <p:nvGrpSpPr>
-        <p:cNvPr id="1" name=""/>
-        <p:cNvGrpSpPr/>
-        <p:nvPr/>
-      </p:nvGrpSpPr>
-      <p:grpSpPr/>
-      <p:sp>
-        <p:nvSpPr>
-          <p:cNvPr id="2" name="标题 1"/>
-          <p:cNvSpPr>
-            <a:spLocks noGrp="1"/>
-          </p:cNvSpPr>
-          <p:nvPr>
-            <p:ph type="title"/>
-          </p:nvPr>
-        </p:nvSpPr>
-        <p:spPr/>
-        <p:txBody>
-          <a:bodyPr/>
-          <a:p>
-            <a:r>
-              <a:rPr lang="zh-CN" altLang="en-US"/>
-              <a:t>protocol buffers</a:t>
-            </a:r>
-            <a:endParaRPr lang="zh-CN" altLang="en-US"/>
-          </a:p>
-        </p:txBody>
-      </p:sp>
-      <p:sp>
-        <p:nvSpPr>
-          <p:cNvPr id="3" name="内容占位符 2"/>
-          <p:cNvSpPr>
-            <a:spLocks noGrp="1"/>
-          </p:cNvSpPr>
-          <p:nvPr>
-            <p:ph idx="1"/>
-          </p:nvPr>
-        </p:nvSpPr>
-        <p:spPr/>
-        <p:txBody>
-          <a:bodyPr/>
-          <a:p>
-            <a:r>
-              <a:rPr lang="en-US" altLang="zh-CN"/>
-              <a:t>gRPC's</a:t>
-            </a:r>
-            <a:endParaRPr lang="en-US" altLang="zh-CN"/>
-          </a:p>
-          <a:p>
-            <a:pPr lvl="1"/>
-            <a:r>
-              <a:rPr lang="zh-CN" altLang="en-US">
-                <a:solidFill>
-                  <a:srgbClr val="FF0000"/>
-                </a:solidFill>
-              </a:rPr>
-              <a:t>IDL</a:t>
-            </a:r>
-            <a:r>
-              <a:rPr lang="en-US" altLang="zh-CN"/>
-              <a:t>(Interface Definition Language)</a:t>
-            </a:r>
-            <a:endParaRPr lang="en-US" altLang="zh-CN"/>
-          </a:p>
-          <a:p>
-            <a:pPr lvl="1"/>
-            <a:r>
-              <a:rPr lang="zh-CN" altLang="en-US"/>
-              <a:t>基础消息交换格式</a:t>
-            </a:r>
-            <a:endParaRPr lang="zh-CN" altLang="en-US"/>
-          </a:p>
-          <a:p>
-            <a:pPr lvl="1"/>
-            <a:r>
-              <a:rPr lang="zh-CN" altLang="en-US"/>
-              <a:t>推荐</a:t>
-            </a:r>
-            <a:r>
-              <a:rPr lang="zh-CN" altLang="en-US"/>
-              <a:t>用</a:t>
-            </a:r>
-            <a:r>
-              <a:rPr lang="en-US" altLang="zh-CN"/>
-              <a:t>proto3</a:t>
-            </a:r>
-            <a:endParaRPr lang="en-US" altLang="zh-CN"/>
-          </a:p>
-        </p:txBody>
-      </p:sp>
-    </p:spTree>
-  </p:cSld>
-  <p:clrMapOvr>
-    <a:masterClrMapping/>
-  </p:clrMapOvr>
-</p:sld>
-</file>
-
-<file path=ppt/slides/slide3.xml><?xml version="1.0" encoding="utf-8"?>
-<p:sld xmlns:a="http://schemas.openxmlformats.org/drawingml/2006/main" xmlns:r="http://schemas.openxmlformats.org/officeDocument/2006/relationships" xmlns:p="http://schemas.openxmlformats.org/presentationml/2006/main">
-  <p:cSld>
-    <p:spTree>
-      <p:nvGrpSpPr>
-        <p:cNvPr id="1" name=""/>
-        <p:cNvGrpSpPr/>
-        <p:nvPr/>
-      </p:nvGrpSpPr>
-      <p:grpSpPr/>
-      <p:sp>
-        <p:nvSpPr>
-          <p:cNvPr id="2" name="标题 1"/>
-          <p:cNvSpPr>
-            <a:spLocks noGrp="1"/>
-          </p:cNvSpPr>
-          <p:nvPr>
-            <p:ph type="title"/>
-          </p:nvPr>
-        </p:nvSpPr>
-        <p:spPr/>
-        <p:txBody>
-          <a:bodyPr/>
-          <a:p>
-            <a:r>
-              <a:rPr lang="en-US" altLang="zh-CN"/>
-              <a:t>gRPC</a:t>
-            </a:r>
-            <a:endParaRPr lang="en-US" altLang="zh-CN"/>
-          </a:p>
-        </p:txBody>
-      </p:sp>
-      <p:sp>
-        <p:nvSpPr>
-          <p:cNvPr id="3" name="内容占位符 2"/>
-          <p:cNvSpPr>
-            <a:spLocks noGrp="1"/>
-          </p:cNvSpPr>
-          <p:nvPr>
-            <p:ph idx="1"/>
-          </p:nvPr>
-        </p:nvSpPr>
-        <p:spPr/>
-        <p:txBody>
-          <a:bodyPr/>
-          <a:p>
-            <a:r>
-              <a:rPr lang="en-US" altLang="zh-CN"/>
-              <a:t>grpc.io</a:t>
-            </a:r>
-            <a:endParaRPr lang="en-US" altLang="zh-CN"/>
-          </a:p>
-          <a:p>
-            <a:pPr lvl="1"/>
-            <a:endParaRPr lang="zh-CN" altLang="en-US"/>
-          </a:p>
-        </p:txBody>
-      </p:sp>
-      <p:pic>
-        <p:nvPicPr>
-          <p:cNvPr id="5" name="图片 4"/>
-          <p:cNvPicPr>
-            <a:picLocks noChangeAspect="1"/>
-          </p:cNvPicPr>
-          <p:nvPr/>
-        </p:nvPicPr>
-        <p:blipFill>
-          <a:blip r:embed="rId1"/>
-          <a:stretch>
-            <a:fillRect/>
-          </a:stretch>
-        </p:blipFill>
-        <p:spPr>
-          <a:xfrm>
-            <a:off x="3025140" y="1825625"/>
-            <a:ext cx="6294120" cy="4066540"/>
-          </a:xfrm>
-          <a:prstGeom prst="rect">
-            <a:avLst/>
-          </a:prstGeom>
-        </p:spPr>
-      </p:pic>
-    </p:spTree>
-  </p:cSld>
-  <p:clrMapOvr>
-    <a:masterClrMapping/>
-  </p:clrMapOvr>
-</p:sld>
-</file>
-
-<file path=ppt/slides/slide4.xml><?xml version="1.0" encoding="utf-8"?>
-<p:sld xmlns:a="http://schemas.openxmlformats.org/drawingml/2006/main" xmlns:r="http://schemas.openxmlformats.org/officeDocument/2006/relationships" xmlns:p="http://schemas.openxmlformats.org/presentationml/2006/main">
-  <p:cSld>
-    <p:spTree>
-      <p:nvGrpSpPr>
-        <p:cNvPr id="1" name=""/>
-        <p:cNvGrpSpPr/>
-        <p:nvPr/>
-      </p:nvGrpSpPr>
-      <p:grpSpPr/>
-      <p:sp>
-        <p:nvSpPr>
-          <p:cNvPr id="3" name="内容占位符 2"/>
-          <p:cNvSpPr>
-            <a:spLocks noGrp="1"/>
-          </p:cNvSpPr>
-          <p:nvPr>
-            <p:ph idx="1"/>
-          </p:nvPr>
-        </p:nvSpPr>
-        <p:spPr/>
-        <p:txBody>
-          <a:bodyPr>
-            <a:normAutofit/>
-          </a:bodyPr>
-          <a:p>
-            <a:pPr lvl="0" algn="l">
-              <a:spcBef>
-                <a:spcPts val="1000"/>
-              </a:spcBef>
-              <a:buClrTx/>
-              <a:buSzTx/>
-            </a:pPr>
-            <a:r>
-              <a:rPr lang="en-US" altLang="zh-CN" b="1"/>
-              <a:t>Unary RPC</a:t>
-            </a:r>
-            <a:endParaRPr lang="en-US" altLang="zh-CN" b="1"/>
-          </a:p>
-          <a:p>
-            <a:pPr lvl="1" algn="l">
-              <a:spcBef>
-                <a:spcPts val="1000"/>
-              </a:spcBef>
-              <a:buClrTx/>
-              <a:buSzTx/>
-            </a:pPr>
-            <a:r>
-              <a:rPr lang="en-US" altLang="zh-CN"/>
-              <a:t>single request, single response</a:t>
-            </a:r>
-            <a:endParaRPr lang="en-US" altLang="zh-CN"/>
-          </a:p>
-          <a:p>
-            <a:pPr lvl="0" algn="l">
-              <a:spcBef>
-                <a:spcPts val="1000"/>
-              </a:spcBef>
-              <a:buClrTx/>
-              <a:buSzTx/>
-            </a:pPr>
-            <a:r>
-              <a:rPr lang="en-US" altLang="zh-CN" b="1"/>
-              <a:t>Server streaming RPC</a:t>
-            </a:r>
-            <a:endParaRPr lang="en-US" altLang="zh-CN" b="1"/>
-          </a:p>
-          <a:p>
-            <a:pPr lvl="1" algn="l">
-              <a:spcBef>
-                <a:spcPts val="1000"/>
-              </a:spcBef>
-              <a:buClrTx/>
-              <a:buSzTx/>
-            </a:pPr>
-            <a:r>
-              <a:rPr lang="en-US" altLang="zh-CN">
-                <a:sym typeface="+mn-ea"/>
-              </a:rPr>
-              <a:t>single request, steam </a:t>
-            </a:r>
-            <a:r>
-              <a:rPr lang="en-US" altLang="zh-CN">
-                <a:sym typeface="+mn-ea"/>
-              </a:rPr>
-              <a:t>response</a:t>
-            </a:r>
-            <a:endParaRPr lang="en-US" altLang="zh-CN"/>
-          </a:p>
-          <a:p>
-            <a:pPr lvl="1" algn="l">
-              <a:spcBef>
-                <a:spcPts val="1000"/>
-              </a:spcBef>
-              <a:buClrTx/>
-              <a:buSzTx/>
-            </a:pPr>
-            <a:r>
-              <a:rPr lang="en-US" altLang="zh-CN" sz="2400"/>
-              <a:t>steam: </a:t>
-            </a:r>
-            <a:r>
-              <a:rPr lang="en-US" altLang="zh-CN" sz="2400">
-                <a:solidFill>
-                  <a:srgbClr val="FF0000"/>
-                </a:solidFill>
-              </a:rPr>
-              <a:t>a sequence of messages</a:t>
-            </a:r>
-            <a:endParaRPr lang="en-US" altLang="zh-CN" sz="2400"/>
-          </a:p>
-          <a:p>
-            <a:pPr lvl="0" algn="l">
-              <a:spcBef>
-                <a:spcPts val="1000"/>
-              </a:spcBef>
-              <a:buClrTx/>
-              <a:buSzTx/>
-            </a:pPr>
-            <a:r>
-              <a:rPr lang="en-US" altLang="zh-CN" b="1"/>
-              <a:t>Client streaming RPC</a:t>
-            </a:r>
-            <a:endParaRPr lang="en-US" altLang="zh-CN" b="1"/>
-          </a:p>
-          <a:p>
-            <a:pPr lvl="1" algn="l">
-              <a:spcBef>
-                <a:spcPts val="1000"/>
-              </a:spcBef>
-              <a:buClrTx/>
-              <a:buSzTx/>
-            </a:pPr>
-            <a:r>
-              <a:rPr lang="en-US" altLang="zh-CN">
-                <a:sym typeface="+mn-ea"/>
-              </a:rPr>
-              <a:t>steam </a:t>
-            </a:r>
-            <a:r>
-              <a:rPr lang="en-US" altLang="zh-CN" sz="2400">
-                <a:sym typeface="+mn-ea"/>
-              </a:rPr>
-              <a:t>request, </a:t>
-            </a:r>
-            <a:r>
-              <a:rPr lang="en-US" altLang="zh-CN">
-                <a:sym typeface="+mn-ea"/>
-              </a:rPr>
-              <a:t>single </a:t>
-            </a:r>
-            <a:r>
-              <a:rPr lang="en-US" altLang="zh-CN" sz="2400">
-                <a:sym typeface="+mn-ea"/>
-              </a:rPr>
-              <a:t>response</a:t>
-            </a:r>
-            <a:endParaRPr lang="en-US" altLang="zh-CN" sz="2400"/>
-          </a:p>
-          <a:p>
-            <a:pPr lvl="0" algn="l">
-              <a:spcBef>
-                <a:spcPts val="1000"/>
-              </a:spcBef>
-              <a:buClrTx/>
-              <a:buSzTx/>
-            </a:pPr>
-            <a:r>
-              <a:rPr lang="en-US" altLang="zh-CN" b="1"/>
-              <a:t>Bidirectional streaming RPC</a:t>
-            </a:r>
-            <a:endParaRPr lang="en-US" altLang="zh-CN" b="1"/>
-          </a:p>
-          <a:p>
-            <a:pPr lvl="1" algn="l">
-              <a:spcBef>
-                <a:spcPts val="1000"/>
-              </a:spcBef>
-              <a:buClrTx/>
-              <a:buSzTx/>
-            </a:pPr>
-            <a:r>
-              <a:rPr lang="en-US" altLang="zh-CN">
-                <a:sym typeface="+mn-ea"/>
-              </a:rPr>
-              <a:t>steam request, steam </a:t>
-            </a:r>
-            <a:r>
-              <a:rPr lang="en-US" altLang="zh-CN">
-                <a:sym typeface="+mn-ea"/>
-              </a:rPr>
-              <a:t>response</a:t>
-            </a:r>
-            <a:endParaRPr lang="en-US" altLang="zh-CN" b="1"/>
-          </a:p>
-        </p:txBody>
-      </p:sp>
-      <p:sp>
-        <p:nvSpPr>
-          <p:cNvPr id="5" name="标题 4"/>
-          <p:cNvSpPr>
-            <a:spLocks noGrp="1"/>
-          </p:cNvSpPr>
-          <p:nvPr>
-            <p:ph type="title"/>
-          </p:nvPr>
-        </p:nvSpPr>
-        <p:spPr/>
-        <p:txBody>
-          <a:bodyPr>
-            <a:normAutofit/>
-          </a:bodyPr>
-          <a:p>
-            <a:r>
-              <a:rPr lang="en-US">
-                <a:sym typeface="+mn-ea"/>
-              </a:rPr>
-              <a:t>4 </a:t>
-            </a:r>
-            <a:r>
-              <a:rPr lang="zh-CN" altLang="en-US">
-                <a:sym typeface="+mn-ea"/>
-              </a:rPr>
-              <a:t>种 </a:t>
-            </a:r>
-            <a:r>
-              <a:rPr lang="en-US" altLang="zh-CN">
-                <a:sym typeface="+mn-ea"/>
-              </a:rPr>
-              <a:t>service method</a:t>
-            </a:r>
-            <a:endParaRPr lang="en-US" altLang="zh-CN">
-              <a:sym typeface="+mn-ea"/>
-            </a:endParaRPr>
-          </a:p>
-        </p:txBody>
-      </p:sp>
-    </p:spTree>
-  </p:cSld>
-  <p:clrMapOvr>
-    <a:masterClrMapping/>
-  </p:clrMapOvr>
-</p:sld>
-</file>
-
-<file path=ppt/slides/slide5.xml><?xml version="1.0" encoding="utf-8"?>
-<p:sld xmlns:a="http://schemas.openxmlformats.org/drawingml/2006/main" xmlns:r="http://schemas.openxmlformats.org/officeDocument/2006/relationships" xmlns:p="http://schemas.openxmlformats.org/presentationml/2006/main">
-  <p:cSld>
-    <p:spTree>
-      <p:nvGrpSpPr>
-        <p:cNvPr id="1" name=""/>
-        <p:cNvGrpSpPr/>
-        <p:nvPr/>
-      </p:nvGrpSpPr>
-      <p:grpSpPr/>
-      <p:sp>
-        <p:nvSpPr>
-          <p:cNvPr id="3" name="内容占位符 2"/>
-          <p:cNvSpPr>
-            <a:spLocks noGrp="1"/>
-          </p:cNvSpPr>
-          <p:nvPr>
-            <p:ph idx="1"/>
-          </p:nvPr>
-        </p:nvSpPr>
-        <p:spPr/>
-        <p:txBody>
-          <a:bodyPr>
-            <a:normAutofit/>
-          </a:bodyPr>
-          <a:p>
-            <a:pPr lvl="0" algn="l">
-              <a:spcBef>
-                <a:spcPts val="1000"/>
-              </a:spcBef>
-              <a:buClrTx/>
-              <a:buSzTx/>
-            </a:pPr>
-            <a:r>
-              <a:rPr lang="en-US" altLang="zh-CN">
-                <a:sym typeface="+mn-ea"/>
-              </a:rPr>
-              <a:t>grpc.io/docs/what-is-grpc/core-concepts</a:t>
-            </a:r>
-            <a:endParaRPr lang="zh-CN" altLang="en-US"/>
-          </a:p>
-          <a:p>
-            <a:pPr lvl="1" algn="l">
-              <a:spcBef>
-                <a:spcPts val="1000"/>
-              </a:spcBef>
-              <a:buClrTx/>
-              <a:buSzTx/>
-            </a:pPr>
-            <a:r>
-              <a:rPr lang="zh-CN" altLang="en-US"/>
-              <a:t>每一种方法的执行过程</a:t>
-            </a:r>
-            <a:r>
-              <a:rPr lang="en-US" altLang="zh-CN"/>
-              <a:t>(</a:t>
-            </a:r>
-            <a:r>
-              <a:rPr lang="zh-CN" altLang="en-US" sz="2055">
-                <a:solidFill>
-                  <a:schemeClr val="bg1">
-                    <a:lumMod val="50000"/>
-                  </a:schemeClr>
-                </a:solidFill>
-              </a:rPr>
-              <a:t>看下文档</a:t>
-            </a:r>
-            <a:r>
-              <a:rPr lang="en-US" altLang="zh-CN"/>
-              <a:t>)</a:t>
-            </a:r>
-            <a:endParaRPr lang="en-US" altLang="zh-CN"/>
-          </a:p>
-          <a:p>
-            <a:pPr lvl="1" algn="l">
-              <a:spcBef>
-                <a:spcPts val="1000"/>
-              </a:spcBef>
-              <a:buClrTx/>
-              <a:buSzTx/>
-            </a:pPr>
-            <a:r>
-              <a:rPr lang="en-US" altLang="zh-CN"/>
-              <a:t>Deadlines/Timeouts</a:t>
-            </a:r>
-            <a:endParaRPr lang="en-US" altLang="zh-CN"/>
-          </a:p>
-          <a:p>
-            <a:pPr lvl="0" algn="l">
-              <a:spcBef>
-                <a:spcPts val="1000"/>
-              </a:spcBef>
-              <a:buClrTx/>
-              <a:buSzTx/>
-            </a:pPr>
-            <a:endParaRPr lang="en-US" altLang="zh-CN"/>
-          </a:p>
-          <a:p>
-            <a:pPr lvl="0" algn="l">
-              <a:spcBef>
-                <a:spcPts val="1000"/>
-              </a:spcBef>
-              <a:buClrTx/>
-              <a:buSzTx/>
-            </a:pPr>
-            <a:endParaRPr lang="en-US" altLang="zh-CN"/>
-          </a:p>
-        </p:txBody>
-      </p:sp>
-      <p:sp>
-        <p:nvSpPr>
-          <p:cNvPr id="5" name="标题 4"/>
-          <p:cNvSpPr>
-            <a:spLocks noGrp="1"/>
-          </p:cNvSpPr>
-          <p:nvPr>
-            <p:ph type="title"/>
-          </p:nvPr>
-        </p:nvSpPr>
-        <p:spPr/>
-        <p:txBody>
-          <a:bodyPr>
-            <a:normAutofit/>
-          </a:bodyPr>
-          <a:p>
-            <a:r>
-              <a:rPr lang="en-US" altLang="zh-CN"/>
-              <a:t>gRPC </a:t>
-            </a:r>
-            <a:r>
-              <a:rPr lang="zh-CN" altLang="en-US"/>
-              <a:t>的 </a:t>
-            </a:r>
-            <a:r>
-              <a:rPr lang="en-US" altLang="zh-CN"/>
-              <a:t>l</a:t>
-            </a:r>
-            <a:r>
-              <a:rPr>
-                <a:sym typeface="+mn-ea"/>
-              </a:rPr>
-              <a:t>ife cycle</a:t>
-            </a:r>
-            <a:endParaRPr>
-              <a:sym typeface="+mn-ea"/>
-            </a:endParaRPr>
-          </a:p>
-        </p:txBody>
-      </p:sp>
-    </p:spTree>
-  </p:cSld>
-  <p:clrMapOvr>
-    <a:masterClrMapping/>
-  </p:clrMapOvr>
-</p:sld>
-</file>
-
-<file path=ppt/slides/slide6.xml><?xml version="1.0" encoding="utf-8"?>
-<p:sld xmlns:a="http://schemas.openxmlformats.org/drawingml/2006/main" xmlns:r="http://schemas.openxmlformats.org/officeDocument/2006/relationships" xmlns:p="http://schemas.openxmlformats.org/presentationml/2006/main">
-  <p:cSld>
-    <p:spTree>
-      <p:nvGrpSpPr>
-        <p:cNvPr id="1" name=""/>
-        <p:cNvGrpSpPr/>
-        <p:nvPr/>
-      </p:nvGrpSpPr>
-      <p:grpSpPr/>
-      <p:sp>
-        <p:nvSpPr>
-          <p:cNvPr id="2" name="标题 1"/>
-          <p:cNvSpPr>
-            <a:spLocks noGrp="1"/>
-          </p:cNvSpPr>
-          <p:nvPr>
-            <p:ph type="title"/>
-          </p:nvPr>
-        </p:nvSpPr>
-        <p:spPr>
-          <a:xfrm>
-            <a:off x="838200" y="2766060"/>
-            <a:ext cx="10515600" cy="1325563"/>
-          </a:xfrm>
-        </p:spPr>
-        <p:txBody>
-          <a:bodyPr/>
-          <a:p>
-            <a:pPr algn="ctr"/>
-            <a:r>
-              <a:rPr lang="en-US" altLang="zh-CN"/>
-              <a:t>proto </a:t>
-            </a:r>
-            <a:r>
-              <a:rPr lang="zh-CN" altLang="en-US"/>
-              <a:t>文件定义</a:t>
-            </a:r>
-            <a:endParaRPr lang="zh-CN" altLang="en-US"/>
-          </a:p>
-        </p:txBody>
-      </p:sp>
-    </p:spTree>
-  </p:cSld>
-  <p:clrMapOvr>
-    <a:masterClrMapping/>
-  </p:clrMapOvr>
-</p:sld>
-</file>
-
-<file path=ppt/slides/slide7.xml><?xml version="1.0" encoding="utf-8"?>
-<p:sld xmlns:a="http://schemas.openxmlformats.org/drawingml/2006/main" xmlns:r="http://schemas.openxmlformats.org/officeDocument/2006/relationships" xmlns:p="http://schemas.openxmlformats.org/presentationml/2006/main">
-  <p:cSld>
-    <p:spTree>
-      <p:nvGrpSpPr>
-        <p:cNvPr id="1" name=""/>
-        <p:cNvGrpSpPr/>
-        <p:nvPr/>
-      </p:nvGrpSpPr>
-      <p:grpSpPr/>
-      <p:sp>
-        <p:nvSpPr>
-          <p:cNvPr id="2" name="标题 1"/>
-          <p:cNvSpPr>
-            <a:spLocks noGrp="1"/>
-          </p:cNvSpPr>
-          <p:nvPr>
-            <p:ph type="title"/>
-          </p:nvPr>
-        </p:nvSpPr>
-        <p:spPr/>
-        <p:txBody>
-          <a:bodyPr/>
-          <a:p>
-            <a:r>
-              <a:rPr lang="zh-CN" altLang="en-US"/>
-              <a:t>定义分三步</a:t>
-            </a:r>
-            <a:endParaRPr lang="zh-CN" altLang="en-US"/>
-          </a:p>
-        </p:txBody>
-      </p:sp>
-      <p:sp>
-        <p:nvSpPr>
-          <p:cNvPr id="3" name="内容占位符 2"/>
-          <p:cNvSpPr>
-            <a:spLocks noGrp="1"/>
-          </p:cNvSpPr>
-          <p:nvPr>
-            <p:ph idx="1"/>
-          </p:nvPr>
-        </p:nvSpPr>
-        <p:spPr/>
-        <p:txBody>
-          <a:bodyPr/>
-          <a:p>
-            <a:r>
-              <a:rPr lang="zh-CN" altLang="en-US"/>
-              <a:t>定义</a:t>
-            </a:r>
-            <a:r>
-              <a:rPr lang="en-US" altLang="zh-CN"/>
-              <a:t>message</a:t>
-            </a:r>
-            <a:endParaRPr lang="en-US" altLang="zh-CN"/>
-          </a:p>
-          <a:p>
-            <a:r>
-              <a:rPr lang="zh-CN" altLang="en-US"/>
-              <a:t>定义</a:t>
-            </a:r>
-            <a:r>
-              <a:rPr lang="en-US" altLang="zh-CN"/>
-              <a:t>service -&gt; method</a:t>
-            </a:r>
-            <a:endParaRPr lang="en-US" altLang="zh-CN"/>
-          </a:p>
-          <a:p>
-            <a:pPr marL="0" indent="0">
-              <a:buNone/>
-            </a:pPr>
-            <a:endParaRPr lang="en-US" altLang="zh-CN"/>
-          </a:p>
-        </p:txBody>
-      </p:sp>
-    </p:spTree>
-  </p:cSld>
-  <p:clrMapOvr>
-    <a:masterClrMapping/>
-  </p:clrMapOvr>
-</p:sld>
-</file>
-
-<file path=ppt/slides/slide8.xml><?xml version="1.0" encoding="utf-8"?>
-<p:sld xmlns:a="http://schemas.openxmlformats.org/drawingml/2006/main" xmlns:r="http://schemas.openxmlformats.org/officeDocument/2006/relationships" xmlns:p="http://schemas.openxmlformats.org/presentationml/2006/main">
-  <p:cSld>
-    <p:spTree>
-      <p:nvGrpSpPr>
-        <p:cNvPr id="1" name=""/>
-        <p:cNvGrpSpPr/>
-        <p:nvPr/>
-      </p:nvGrpSpPr>
-      <p:grpSpPr/>
-      <p:sp>
-        <p:nvSpPr>
-          <p:cNvPr id="2" name="标题 1"/>
-          <p:cNvSpPr>
-            <a:spLocks noGrp="1"/>
-          </p:cNvSpPr>
-          <p:nvPr>
-            <p:ph type="title"/>
-          </p:nvPr>
-        </p:nvSpPr>
-        <p:spPr>
-          <a:xfrm>
-            <a:off x="838200" y="2766060"/>
-            <a:ext cx="10515600" cy="1325563"/>
-          </a:xfrm>
-        </p:spPr>
-        <p:txBody>
-          <a:bodyPr/>
-          <a:p>
-            <a:pPr algn="ctr"/>
-            <a:r>
-              <a:rPr lang="en-US" altLang="zh-CN"/>
-              <a:t>gRPC server </a:t>
-            </a:r>
-            <a:r>
-              <a:rPr lang="zh-CN" altLang="en-US"/>
-              <a:t>的实现</a:t>
-            </a:r>
-            <a:endParaRPr lang="zh-CN" altLang="en-US"/>
-          </a:p>
-        </p:txBody>
-      </p:sp>
-    </p:spTree>
-  </p:cSld>
-  <p:clrMapOvr>
-    <a:masterClrMapping/>
-  </p:clrMapOvr>
-</p:sld>
-</file>
-
-<file path=ppt/slides/slide9.xml><?xml version="1.0" encoding="utf-8"?>
-<p:sld xmlns:a="http://schemas.openxmlformats.org/drawingml/2006/main" xmlns:r="http://schemas.openxmlformats.org/officeDocument/2006/relationships" xmlns:p="http://schemas.openxmlformats.org/presentationml/2006/main">
-  <p:cSld>
-    <p:spTree>
-      <p:nvGrpSpPr>
-        <p:cNvPr id="1" name=""/>
-        <p:cNvGrpSpPr/>
-        <p:nvPr/>
-      </p:nvGrpSpPr>
-      <p:grpSpPr/>
-      <p:sp>
-        <p:nvSpPr>
-          <p:cNvPr id="2" name="标题 1"/>
-          <p:cNvSpPr>
-            <a:spLocks noGrp="1"/>
-          </p:cNvSpPr>
-          <p:nvPr>
-            <p:ph type="title"/>
-          </p:nvPr>
-        </p:nvSpPr>
         <p:spPr/>
         <p:txBody>
           <a:bodyPr/>
@@ -4384,22 +3158,69 @@
             <a:endParaRPr lang="zh-CN" altLang="en-US" sz="1800"/>
           </a:p>
           <a:p>
+            <a:pPr lvl="2"/>
+            <a:r>
+              <a:rPr lang="en-US" altLang="zh-CN" sz="1800"/>
+              <a:t>export GO111MODULE=on</a:t>
+            </a:r>
+            <a:endParaRPr lang="en-US" altLang="zh-CN" sz="1800"/>
+          </a:p>
+          <a:p>
+            <a:pPr lvl="2"/>
+            <a:r>
+              <a:rPr lang="zh-CN" altLang="en-US" sz="1600">
+                <a:solidFill>
+                  <a:schemeClr val="tx1"/>
+                </a:solidFill>
+              </a:rPr>
+              <a:t>设置环境变量 GOPATH</a:t>
+            </a:r>
+            <a:r>
+              <a:rPr lang="en-US" altLang="zh-CN" sz="1600">
+                <a:solidFill>
+                  <a:schemeClr val="tx1"/>
+                </a:solidFill>
+              </a:rPr>
+              <a:t>/bin</a:t>
+            </a:r>
+            <a:endParaRPr lang="en-US" altLang="zh-CN" sz="1600">
+              <a:solidFill>
+                <a:schemeClr val="tx1"/>
+              </a:solidFill>
+            </a:endParaRPr>
+          </a:p>
+          <a:p>
+            <a:pPr lvl="2" algn="l">
+              <a:buClrTx/>
+              <a:buSzTx/>
+            </a:pPr>
+            <a:r>
+              <a:rPr lang="zh-CN" altLang="en-US" sz="1600">
+                <a:sym typeface="+mn-ea"/>
+              </a:rPr>
+              <a:t>go get github.com/golang/protobuf/protoc-gen-go</a:t>
+            </a:r>
+            <a:endParaRPr lang="zh-CN" altLang="en-US" sz="1600"/>
+          </a:p>
+          <a:p>
+            <a:pPr lvl="2"/>
+            <a:r>
+              <a:rPr lang="en-US" altLang="zh-CN" sz="1800">
+                <a:sym typeface="+mn-ea"/>
+              </a:rPr>
+              <a:t>protoc</a:t>
+            </a:r>
+            <a:endParaRPr lang="en-US" altLang="zh-CN" sz="1800"/>
+          </a:p>
+          <a:p>
+            <a:pPr lvl="2"/>
+            <a:endParaRPr lang="zh-CN" altLang="en-US" sz="1500"/>
+          </a:p>
+          <a:p>
             <a:pPr lvl="1"/>
             <a:r>
               <a:rPr lang="zh-CN" altLang="en-US" sz="1800"/>
-              <a:t>定义</a:t>
-            </a:r>
-            <a:r>
-              <a:rPr lang="en-US" altLang="zh-CN" sz="1800"/>
-              <a:t>proto</a:t>
-            </a:r>
-            <a:endParaRPr lang="zh-CN" altLang="en-US" sz="1800"/>
-          </a:p>
-          <a:p>
-            <a:pPr lvl="1"/>
-            <a:r>
-              <a:rPr lang="zh-CN" altLang="en-US" sz="1800"/>
-              <a:t>编写代码</a:t>
+              <a:t>编写代码实现服务器接口</a:t>
             </a:r>
             <a:endParaRPr lang="zh-CN" altLang="en-US" sz="1800"/>
           </a:p>
@@ -4443,6 +3264,1555 @@
           </a:prstGeom>
         </p:spPr>
       </p:pic>
+    </p:spTree>
+  </p:cSld>
+  <p:clrMapOvr>
+    <a:masterClrMapping/>
+  </p:clrMapOvr>
+</p:sld>
+</file>
+
+<file path=ppt/slides/slide11.xml><?xml version="1.0" encoding="utf-8"?>
+<p:sld xmlns:a="http://schemas.openxmlformats.org/drawingml/2006/main" xmlns:r="http://schemas.openxmlformats.org/officeDocument/2006/relationships" xmlns:p="http://schemas.openxmlformats.org/presentationml/2006/main">
+  <p:cSld>
+    <p:spTree>
+      <p:nvGrpSpPr>
+        <p:cNvPr id="1" name=""/>
+        <p:cNvGrpSpPr/>
+        <p:nvPr/>
+      </p:nvGrpSpPr>
+      <p:grpSpPr/>
+      <p:sp>
+        <p:nvSpPr>
+          <p:cNvPr id="2" name="标题 1"/>
+          <p:cNvSpPr>
+            <a:spLocks noGrp="1"/>
+          </p:cNvSpPr>
+          <p:nvPr>
+            <p:ph type="title"/>
+          </p:nvPr>
+        </p:nvSpPr>
+        <p:spPr>
+          <a:xfrm>
+            <a:off x="838200" y="2766060"/>
+            <a:ext cx="10515600" cy="1325563"/>
+          </a:xfrm>
+        </p:spPr>
+        <p:txBody>
+          <a:bodyPr/>
+          <a:p>
+            <a:pPr algn="ctr"/>
+            <a:r>
+              <a:rPr lang="en-US" altLang="zh-CN"/>
+              <a:t>gRPC client</a:t>
+            </a:r>
+            <a:r>
+              <a:rPr lang="en-US" altLang="zh-CN"/>
+              <a:t> </a:t>
+            </a:r>
+            <a:r>
+              <a:rPr lang="zh-CN" altLang="en-US"/>
+              <a:t>的实现</a:t>
+            </a:r>
+            <a:endParaRPr lang="zh-CN" altLang="en-US"/>
+          </a:p>
+        </p:txBody>
+      </p:sp>
+    </p:spTree>
+  </p:cSld>
+  <p:clrMapOvr>
+    <a:masterClrMapping/>
+  </p:clrMapOvr>
+</p:sld>
+</file>
+
+<file path=ppt/slides/slide12.xml><?xml version="1.0" encoding="utf-8"?>
+<p:sld xmlns:a="http://schemas.openxmlformats.org/drawingml/2006/main" xmlns:r="http://schemas.openxmlformats.org/officeDocument/2006/relationships" xmlns:p="http://schemas.openxmlformats.org/presentationml/2006/main">
+  <p:cSld>
+    <p:spTree>
+      <p:nvGrpSpPr>
+        <p:cNvPr id="1" name=""/>
+        <p:cNvGrpSpPr/>
+        <p:nvPr/>
+      </p:nvGrpSpPr>
+      <p:grpSpPr/>
+      <p:sp>
+        <p:nvSpPr>
+          <p:cNvPr id="2" name="标题 1"/>
+          <p:cNvSpPr>
+            <a:spLocks noGrp="1"/>
+          </p:cNvSpPr>
+          <p:nvPr>
+            <p:ph type="title"/>
+          </p:nvPr>
+        </p:nvSpPr>
+        <p:spPr/>
+        <p:txBody>
+          <a:bodyPr/>
+          <a:p>
+            <a:r>
+              <a:rPr lang="en-US" altLang="zh-CN"/>
+              <a:t>gRPC client</a:t>
+            </a:r>
+            <a:endParaRPr lang="en-US" altLang="zh-CN"/>
+          </a:p>
+        </p:txBody>
+      </p:sp>
+      <p:sp>
+        <p:nvSpPr>
+          <p:cNvPr id="3" name="内容占位符 2"/>
+          <p:cNvSpPr>
+            <a:spLocks noGrp="1"/>
+          </p:cNvSpPr>
+          <p:nvPr>
+            <p:ph idx="1"/>
+          </p:nvPr>
+        </p:nvSpPr>
+        <p:spPr/>
+        <p:txBody>
+          <a:bodyPr/>
+          <a:p>
+            <a:r>
+              <a:rPr lang="en-US" altLang="zh-CN">
+                <a:solidFill>
+                  <a:srgbClr val="FF0000"/>
+                </a:solidFill>
+                <a:sym typeface="+mn-ea"/>
+              </a:rPr>
+              <a:t>grpc.io/docs/languages/php/quickstart</a:t>
+            </a:r>
+            <a:endParaRPr lang="zh-CN" altLang="en-US"/>
+          </a:p>
+          <a:p>
+            <a:pPr lvl="1"/>
+            <a:r>
+              <a:rPr lang="zh-CN" altLang="en-US" sz="1800">
+                <a:solidFill>
+                  <a:schemeClr val="accent1">
+                    <a:lumMod val="75000"/>
+                  </a:schemeClr>
+                </a:solidFill>
+              </a:rPr>
+              <a:t>安装扩展</a:t>
+            </a:r>
+            <a:endParaRPr lang="zh-CN" altLang="en-US" sz="1800">
+              <a:solidFill>
+                <a:schemeClr val="accent1">
+                  <a:lumMod val="75000"/>
+                </a:schemeClr>
+              </a:solidFill>
+            </a:endParaRPr>
+          </a:p>
+          <a:p>
+            <a:pPr lvl="2" algn="l">
+              <a:buClrTx/>
+              <a:buSzTx/>
+            </a:pPr>
+            <a:r>
+              <a:rPr lang="zh-CN" altLang="en-US" sz="2000">
+                <a:solidFill>
+                  <a:schemeClr val="accent1"/>
+                </a:solidFill>
+              </a:rPr>
+              <a:t>grpc</a:t>
+            </a:r>
+            <a:endParaRPr lang="zh-CN" altLang="en-US" sz="2000">
+              <a:solidFill>
+                <a:schemeClr val="accent1"/>
+              </a:solidFill>
+            </a:endParaRPr>
+          </a:p>
+          <a:p>
+            <a:pPr lvl="2" algn="l">
+              <a:buClrTx/>
+              <a:buSzTx/>
+            </a:pPr>
+            <a:r>
+              <a:rPr lang="zh-CN" altLang="en-US" sz="2000">
+                <a:solidFill>
+                  <a:schemeClr val="accent1"/>
+                </a:solidFill>
+              </a:rPr>
+              <a:t>protobuf</a:t>
+            </a:r>
+            <a:endParaRPr lang="zh-CN" altLang="en-US" sz="2000">
+              <a:solidFill>
+                <a:schemeClr val="accent1"/>
+              </a:solidFill>
+            </a:endParaRPr>
+          </a:p>
+          <a:p>
+            <a:pPr lvl="1"/>
+            <a:r>
+              <a:rPr lang="zh-CN" altLang="en-US" sz="1800"/>
+              <a:t>安装代码生成工具</a:t>
+            </a:r>
+            <a:endParaRPr lang="zh-CN" altLang="en-US" sz="1800"/>
+          </a:p>
+          <a:p>
+            <a:pPr lvl="2"/>
+            <a:r>
+              <a:rPr lang="en-US" altLang="zh-CN"/>
+              <a:t>protoc</a:t>
+            </a:r>
+            <a:endParaRPr lang="en-US" altLang="zh-CN"/>
+          </a:p>
+          <a:p>
+            <a:pPr lvl="2"/>
+            <a:r>
+              <a:rPr lang="zh-CN" altLang="en-US"/>
+              <a:t>grpc_php_plugin</a:t>
+            </a:r>
+            <a:endParaRPr lang="zh-CN" altLang="en-US"/>
+          </a:p>
+          <a:p>
+            <a:pPr lvl="1"/>
+            <a:r>
+              <a:rPr lang="zh-CN" altLang="en-US" sz="1800"/>
+              <a:t>编写代码 实现调用</a:t>
+            </a:r>
+            <a:endParaRPr lang="zh-CN" altLang="en-US" sz="1800"/>
+          </a:p>
+        </p:txBody>
+      </p:sp>
+      <p:pic>
+        <p:nvPicPr>
+          <p:cNvPr id="5" name="图片 4"/>
+          <p:cNvPicPr>
+            <a:picLocks noChangeAspect="1"/>
+          </p:cNvPicPr>
+          <p:nvPr/>
+        </p:nvPicPr>
+        <p:blipFill>
+          <a:blip r:embed="rId1"/>
+          <a:stretch>
+            <a:fillRect/>
+          </a:stretch>
+        </p:blipFill>
+        <p:spPr>
+          <a:xfrm>
+            <a:off x="9533890" y="5194300"/>
+            <a:ext cx="1819910" cy="982980"/>
+          </a:xfrm>
+          <a:prstGeom prst="rect">
+            <a:avLst/>
+          </a:prstGeom>
+        </p:spPr>
+      </p:pic>
+    </p:spTree>
+  </p:cSld>
+  <p:clrMapOvr>
+    <a:masterClrMapping/>
+  </p:clrMapOvr>
+</p:sld>
+</file>
+
+<file path=ppt/slides/slide13.xml><?xml version="1.0" encoding="utf-8"?>
+<p:sld xmlns:a="http://schemas.openxmlformats.org/drawingml/2006/main" xmlns:r="http://schemas.openxmlformats.org/officeDocument/2006/relationships" xmlns:p="http://schemas.openxmlformats.org/presentationml/2006/main">
+  <p:cSld>
+    <p:spTree>
+      <p:nvGrpSpPr>
+        <p:cNvPr id="1" name=""/>
+        <p:cNvGrpSpPr/>
+        <p:nvPr/>
+      </p:nvGrpSpPr>
+      <p:grpSpPr/>
+      <p:sp>
+        <p:nvSpPr>
+          <p:cNvPr id="2" name="标题 1"/>
+          <p:cNvSpPr>
+            <a:spLocks noGrp="1"/>
+          </p:cNvSpPr>
+          <p:nvPr>
+            <p:ph type="title"/>
+          </p:nvPr>
+        </p:nvSpPr>
+        <p:spPr/>
+        <p:txBody>
+          <a:bodyPr/>
+          <a:p>
+            <a:r>
+              <a:rPr lang="en-US" altLang="zh-CN"/>
+              <a:t>gRPC client</a:t>
+            </a:r>
+            <a:endParaRPr lang="zh-CN" altLang="en-US"/>
+          </a:p>
+        </p:txBody>
+      </p:sp>
+      <p:sp>
+        <p:nvSpPr>
+          <p:cNvPr id="3" name="内容占位符 2"/>
+          <p:cNvSpPr>
+            <a:spLocks noGrp="1"/>
+          </p:cNvSpPr>
+          <p:nvPr>
+            <p:ph idx="1"/>
+          </p:nvPr>
+        </p:nvSpPr>
+        <p:spPr/>
+        <p:txBody>
+          <a:bodyPr/>
+          <a:p>
+            <a:pPr algn="l">
+              <a:buClrTx/>
+              <a:buSzTx/>
+            </a:pPr>
+            <a:r>
+              <a:rPr lang="zh-CN" altLang="en-US" sz="2330"/>
+              <a:t>代码生成工具</a:t>
+            </a:r>
+            <a:endParaRPr lang="zh-CN" altLang="en-US" sz="2330"/>
+          </a:p>
+          <a:p>
+            <a:pPr lvl="1"/>
+            <a:r>
+              <a:rPr lang="zh-CN" altLang="en-US" sz="1600"/>
+              <a:t>推荐 </a:t>
+            </a:r>
+            <a:r>
+              <a:rPr lang="en-US" altLang="zh-CN" sz="1600" b="1">
+                <a:solidFill>
+                  <a:srgbClr val="FF0000"/>
+                </a:solidFill>
+              </a:rPr>
+              <a:t>llaoj/php-grpc-gen</a:t>
+            </a:r>
+            <a:endParaRPr lang="en-US" altLang="zh-CN" b="1"/>
+          </a:p>
+          <a:p>
+            <a:pPr lvl="0"/>
+            <a:r>
+              <a:rPr lang="zh-CN" altLang="en-US" sz="2330"/>
+              <a:t>安装</a:t>
+            </a:r>
+            <a:r>
+              <a:rPr lang="en-US" altLang="zh-CN" sz="2330"/>
+              <a:t>php </a:t>
+            </a:r>
+            <a:r>
+              <a:rPr lang="zh-CN" altLang="en-US" sz="2330"/>
+              <a:t>的扩展</a:t>
+            </a:r>
+            <a:endParaRPr lang="zh-CN" altLang="en-US" sz="2330"/>
+          </a:p>
+          <a:p>
+            <a:pPr lvl="1"/>
+            <a:r>
+              <a:rPr lang="zh-CN" altLang="en-US" sz="1600"/>
+              <a:t>推荐 </a:t>
+            </a:r>
+            <a:r>
+              <a:rPr lang="en-US" altLang="zh-CN" sz="1600" b="1">
+                <a:solidFill>
+                  <a:srgbClr val="FF0000"/>
+                </a:solidFill>
+              </a:rPr>
+              <a:t>llaoj/php-fpm-nginx</a:t>
+            </a:r>
+            <a:endParaRPr lang="en-US" altLang="zh-CN"/>
+          </a:p>
+          <a:p>
+            <a:pPr lvl="0"/>
+            <a:r>
+              <a:rPr lang="en-US" altLang="zh-CN" sz="2330"/>
+              <a:t>grpc &amp; protoc </a:t>
+            </a:r>
+            <a:r>
+              <a:rPr lang="zh-CN" altLang="en-US" sz="2330"/>
+              <a:t>版本</a:t>
+            </a:r>
+            <a:endParaRPr lang="zh-CN" altLang="en-US" sz="2330"/>
+          </a:p>
+          <a:p>
+            <a:pPr lvl="1"/>
+            <a:r>
+              <a:rPr lang="en-US" altLang="zh-CN" sz="2160"/>
+              <a:t>grpc:</a:t>
+            </a:r>
+            <a:endParaRPr lang="en-US" altLang="zh-CN" sz="2160"/>
+          </a:p>
+          <a:p>
+            <a:pPr lvl="2"/>
+            <a:r>
+              <a:rPr lang="en-US" altLang="zh-CN" sz="1775"/>
+              <a:t>grpc php ext</a:t>
+            </a:r>
+            <a:endParaRPr lang="en-US" altLang="zh-CN" sz="1775"/>
+          </a:p>
+          <a:p>
+            <a:pPr lvl="2"/>
+            <a:r>
+              <a:rPr lang="en-US" altLang="zh-CN" sz="1775"/>
+              <a:t>grpc php composer pkg</a:t>
+            </a:r>
+            <a:endParaRPr lang="en-US" altLang="zh-CN" sz="1775"/>
+          </a:p>
+          <a:p>
+            <a:pPr lvl="2"/>
+            <a:r>
+              <a:rPr lang="en-US" altLang="zh-CN" sz="1775"/>
+              <a:t>grpc_php_plugin</a:t>
+            </a:r>
+            <a:endParaRPr lang="en-US" altLang="zh-CN" sz="1775"/>
+          </a:p>
+          <a:p>
+            <a:pPr lvl="1"/>
+            <a:r>
+              <a:rPr lang="en-US" altLang="zh-CN" sz="2160"/>
+              <a:t>protoc </a:t>
+            </a:r>
+            <a:r>
+              <a:rPr lang="zh-CN" altLang="en-US" sz="1680"/>
+              <a:t>建议使用最新</a:t>
+            </a:r>
+            <a:r>
+              <a:rPr lang="zh-CN" altLang="en-US" sz="1680">
+                <a:sym typeface="+mn-ea"/>
+              </a:rPr>
+              <a:t>稳定</a:t>
+            </a:r>
+            <a:endParaRPr lang="en-US" altLang="zh-CN" sz="2160"/>
+          </a:p>
+          <a:p>
+            <a:pPr lvl="1"/>
+            <a:endParaRPr lang="en-US" altLang="zh-CN" sz="1800"/>
+          </a:p>
+        </p:txBody>
+      </p:sp>
+    </p:spTree>
+  </p:cSld>
+  <p:clrMapOvr>
+    <a:masterClrMapping/>
+  </p:clrMapOvr>
+</p:sld>
+</file>
+
+<file path=ppt/slides/slide14.xml><?xml version="1.0" encoding="utf-8"?>
+<p:sld xmlns:a="http://schemas.openxmlformats.org/drawingml/2006/main" xmlns:r="http://schemas.openxmlformats.org/officeDocument/2006/relationships" xmlns:p="http://schemas.openxmlformats.org/presentationml/2006/main">
+  <p:cSld>
+    <p:spTree>
+      <p:nvGrpSpPr>
+        <p:cNvPr id="1" name=""/>
+        <p:cNvGrpSpPr/>
+        <p:nvPr/>
+      </p:nvGrpSpPr>
+      <p:grpSpPr/>
+      <p:sp>
+        <p:nvSpPr>
+          <p:cNvPr id="2" name="标题 1"/>
+          <p:cNvSpPr>
+            <a:spLocks noGrp="1"/>
+          </p:cNvSpPr>
+          <p:nvPr>
+            <p:ph type="title"/>
+          </p:nvPr>
+        </p:nvSpPr>
+        <p:spPr/>
+        <p:txBody>
+          <a:bodyPr>
+            <a:normAutofit/>
+          </a:bodyPr>
+          <a:p>
+            <a:r>
+              <a:rPr lang="zh-CN" altLang="en-US"/>
+              <a:t>继续深入</a:t>
+            </a:r>
+            <a:r>
+              <a:rPr lang="en-US" altLang="zh-CN"/>
+              <a:t>...</a:t>
+            </a:r>
+            <a:endParaRPr lang="en-US" altLang="zh-CN"/>
+          </a:p>
+        </p:txBody>
+      </p:sp>
+      <p:sp>
+        <p:nvSpPr>
+          <p:cNvPr id="3" name="内容占位符 2"/>
+          <p:cNvSpPr>
+            <a:spLocks noGrp="1"/>
+          </p:cNvSpPr>
+          <p:nvPr>
+            <p:ph idx="1"/>
+          </p:nvPr>
+        </p:nvSpPr>
+        <p:spPr/>
+        <p:txBody>
+          <a:bodyPr/>
+          <a:p>
+            <a:r>
+              <a:rPr lang="zh-CN" altLang="en-US"/>
+              <a:t>Authentication</a:t>
+            </a:r>
+            <a:endParaRPr lang="zh-CN" altLang="en-US"/>
+          </a:p>
+          <a:p>
+            <a:r>
+              <a:rPr lang="zh-CN" altLang="en-US"/>
+              <a:t>Error Handling</a:t>
+            </a:r>
+            <a:endParaRPr lang="zh-CN" altLang="en-US"/>
+          </a:p>
+          <a:p>
+            <a:r>
+              <a:rPr lang="zh-CN" altLang="en-US"/>
+              <a:t>Benchmarking</a:t>
+            </a:r>
+            <a:endParaRPr lang="zh-CN" altLang="en-US"/>
+          </a:p>
+          <a:p>
+            <a:r>
+              <a:rPr lang="en-US" altLang="zh-CN"/>
+              <a:t>...</a:t>
+            </a:r>
+            <a:endParaRPr lang="en-US" altLang="zh-CN"/>
+          </a:p>
+        </p:txBody>
+      </p:sp>
+    </p:spTree>
+  </p:cSld>
+  <p:clrMapOvr>
+    <a:masterClrMapping/>
+  </p:clrMapOvr>
+</p:sld>
+</file>
+
+<file path=ppt/slides/slide2.xml><?xml version="1.0" encoding="utf-8"?>
+<p:sld xmlns:a="http://schemas.openxmlformats.org/drawingml/2006/main" xmlns:r="http://schemas.openxmlformats.org/officeDocument/2006/relationships" xmlns:p="http://schemas.openxmlformats.org/presentationml/2006/main">
+  <p:cSld>
+    <p:spTree>
+      <p:nvGrpSpPr>
+        <p:cNvPr id="1" name=""/>
+        <p:cNvGrpSpPr/>
+        <p:nvPr/>
+      </p:nvGrpSpPr>
+      <p:grpSpPr/>
+      <p:sp>
+        <p:nvSpPr>
+          <p:cNvPr id="2" name="标题 1"/>
+          <p:cNvSpPr>
+            <a:spLocks noGrp="1"/>
+          </p:cNvSpPr>
+          <p:nvPr>
+            <p:ph type="title"/>
+          </p:nvPr>
+        </p:nvSpPr>
+        <p:spPr/>
+        <p:txBody>
+          <a:bodyPr/>
+          <a:p>
+            <a:r>
+              <a:rPr lang="zh-CN" altLang="en-US"/>
+              <a:t>Why use gRPC? </a:t>
+            </a:r>
+            <a:endParaRPr lang="zh-CN" altLang="en-US"/>
+          </a:p>
+        </p:txBody>
+      </p:sp>
+      <p:sp>
+        <p:nvSpPr>
+          <p:cNvPr id="3" name="内容占位符 2"/>
+          <p:cNvSpPr>
+            <a:spLocks noGrp="1"/>
+          </p:cNvSpPr>
+          <p:nvPr>
+            <p:ph idx="1"/>
+          </p:nvPr>
+        </p:nvSpPr>
+        <p:spPr>
+          <a:xfrm>
+            <a:off x="1652905" y="1882775"/>
+            <a:ext cx="9700895" cy="4351655"/>
+          </a:xfrm>
+        </p:spPr>
+        <p:txBody>
+          <a:bodyPr>
+            <a:normAutofit lnSpcReduction="10000"/>
+          </a:bodyPr>
+          <a:p>
+            <a:r>
+              <a:rPr lang="zh-CN" altLang="en-US"/>
+              <a:t>简单的服务定义</a:t>
+            </a:r>
+            <a:endParaRPr lang="zh-CN" altLang="en-US"/>
+          </a:p>
+          <a:p>
+            <a:endParaRPr lang="zh-CN" altLang="en-US"/>
+          </a:p>
+          <a:p>
+            <a:r>
+              <a:rPr lang="zh-CN" altLang="en-US"/>
+              <a:t>快速开始 和 快速扩展</a:t>
+            </a:r>
+            <a:endParaRPr lang="zh-CN" altLang="en-US"/>
+          </a:p>
+          <a:p>
+            <a:endParaRPr lang="zh-CN" altLang="en-US"/>
+          </a:p>
+          <a:p>
+            <a:r>
+              <a:rPr lang="zh-CN" altLang="en-US"/>
+              <a:t>跨语 言跨平台</a:t>
+            </a:r>
+            <a:endParaRPr lang="zh-CN" altLang="en-US"/>
+          </a:p>
+          <a:p>
+            <a:endParaRPr lang="zh-CN" altLang="en-US"/>
+          </a:p>
+          <a:p>
+            <a:r>
+              <a:rPr lang="zh-CN" altLang="en-US"/>
+              <a:t> 双工数据通信 和 集成的身份</a:t>
+            </a:r>
+            <a:r>
+              <a:rPr lang="zh-CN" altLang="en-US"/>
+              <a:t>认证</a:t>
+            </a:r>
+            <a:endParaRPr lang="zh-CN" altLang="en-US"/>
+          </a:p>
+        </p:txBody>
+      </p:sp>
+      <p:pic>
+        <p:nvPicPr>
+          <p:cNvPr id="4" name="图片 3"/>
+          <p:cNvPicPr>
+            <a:picLocks noChangeAspect="1"/>
+          </p:cNvPicPr>
+          <p:nvPr/>
+        </p:nvPicPr>
+        <p:blipFill>
+          <a:blip r:embed="rId1">
+            <a:clrChange>
+              <a:clrFrom>
+                <a:srgbClr val="000000">
+                  <a:alpha val="100000"/>
+                </a:srgbClr>
+              </a:clrFrom>
+              <a:clrTo>
+                <a:srgbClr val="000000">
+                  <a:alpha val="100000"/>
+                  <a:alpha val="0"/>
+                </a:srgbClr>
+              </a:clrTo>
+            </a:clrChange>
+          </a:blip>
+          <a:stretch>
+            <a:fillRect/>
+          </a:stretch>
+        </p:blipFill>
+        <p:spPr>
+          <a:xfrm>
+            <a:off x="952500" y="1821180"/>
+            <a:ext cx="700405" cy="610870"/>
+          </a:xfrm>
+          <a:prstGeom prst="rect">
+            <a:avLst/>
+          </a:prstGeom>
+        </p:spPr>
+      </p:pic>
+      <p:pic>
+        <p:nvPicPr>
+          <p:cNvPr id="5" name="图片 4"/>
+          <p:cNvPicPr>
+            <a:picLocks noChangeAspect="1"/>
+          </p:cNvPicPr>
+          <p:nvPr/>
+        </p:nvPicPr>
+        <p:blipFill>
+          <a:blip r:embed="rId2">
+            <a:clrChange>
+              <a:clrFrom>
+                <a:srgbClr val="000000">
+                  <a:alpha val="100000"/>
+                </a:srgbClr>
+              </a:clrFrom>
+              <a:clrTo>
+                <a:srgbClr val="000000">
+                  <a:alpha val="100000"/>
+                  <a:alpha val="0"/>
+                </a:srgbClr>
+              </a:clrTo>
+            </a:clrChange>
+          </a:blip>
+          <a:stretch>
+            <a:fillRect/>
+          </a:stretch>
+        </p:blipFill>
+        <p:spPr>
+          <a:xfrm>
+            <a:off x="952500" y="2674620"/>
+            <a:ext cx="700405" cy="610870"/>
+          </a:xfrm>
+          <a:prstGeom prst="rect">
+            <a:avLst/>
+          </a:prstGeom>
+        </p:spPr>
+      </p:pic>
+      <p:pic>
+        <p:nvPicPr>
+          <p:cNvPr id="6" name="图片 5"/>
+          <p:cNvPicPr>
+            <a:picLocks noChangeAspect="1"/>
+          </p:cNvPicPr>
+          <p:nvPr/>
+        </p:nvPicPr>
+        <p:blipFill>
+          <a:blip r:embed="rId3">
+            <a:clrChange>
+              <a:clrFrom>
+                <a:srgbClr val="000000">
+                  <a:alpha val="100000"/>
+                </a:srgbClr>
+              </a:clrFrom>
+              <a:clrTo>
+                <a:srgbClr val="000000">
+                  <a:alpha val="100000"/>
+                  <a:alpha val="0"/>
+                </a:srgbClr>
+              </a:clrTo>
+            </a:clrChange>
+          </a:blip>
+          <a:stretch>
+            <a:fillRect/>
+          </a:stretch>
+        </p:blipFill>
+        <p:spPr>
+          <a:xfrm>
+            <a:off x="952500" y="3716655"/>
+            <a:ext cx="700405" cy="610870"/>
+          </a:xfrm>
+          <a:prstGeom prst="rect">
+            <a:avLst/>
+          </a:prstGeom>
+        </p:spPr>
+      </p:pic>
+      <p:pic>
+        <p:nvPicPr>
+          <p:cNvPr id="7" name="图片 6"/>
+          <p:cNvPicPr>
+            <a:picLocks noChangeAspect="1"/>
+          </p:cNvPicPr>
+          <p:nvPr/>
+        </p:nvPicPr>
+        <p:blipFill>
+          <a:blip r:embed="rId4">
+            <a:clrChange>
+              <a:clrFrom>
+                <a:srgbClr val="000000">
+                  <a:alpha val="100000"/>
+                </a:srgbClr>
+              </a:clrFrom>
+              <a:clrTo>
+                <a:srgbClr val="000000">
+                  <a:alpha val="100000"/>
+                  <a:alpha val="0"/>
+                </a:srgbClr>
+              </a:clrTo>
+            </a:clrChange>
+          </a:blip>
+          <a:stretch>
+            <a:fillRect/>
+          </a:stretch>
+        </p:blipFill>
+        <p:spPr>
+          <a:xfrm>
+            <a:off x="952500" y="4591685"/>
+            <a:ext cx="700405" cy="610870"/>
+          </a:xfrm>
+          <a:prstGeom prst="rect">
+            <a:avLst/>
+          </a:prstGeom>
+        </p:spPr>
+      </p:pic>
+    </p:spTree>
+  </p:cSld>
+  <p:clrMapOvr>
+    <a:masterClrMapping/>
+  </p:clrMapOvr>
+</p:sld>
+</file>
+
+<file path=ppt/slides/slide3.xml><?xml version="1.0" encoding="utf-8"?>
+<p:sld xmlns:a="http://schemas.openxmlformats.org/drawingml/2006/main" xmlns:r="http://schemas.openxmlformats.org/officeDocument/2006/relationships" xmlns:p="http://schemas.openxmlformats.org/presentationml/2006/main">
+  <p:cSld>
+    <p:spTree>
+      <p:nvGrpSpPr>
+        <p:cNvPr id="1" name=""/>
+        <p:cNvGrpSpPr/>
+        <p:nvPr/>
+      </p:nvGrpSpPr>
+      <p:grpSpPr/>
+      <p:sp>
+        <p:nvSpPr>
+          <p:cNvPr id="2" name="标题 1"/>
+          <p:cNvSpPr>
+            <a:spLocks noGrp="1"/>
+          </p:cNvSpPr>
+          <p:nvPr>
+            <p:ph type="title"/>
+          </p:nvPr>
+        </p:nvSpPr>
+        <p:spPr/>
+        <p:txBody>
+          <a:bodyPr/>
+          <a:p>
+            <a:r>
+              <a:rPr lang="zh-CN" altLang="en-US"/>
+              <a:t>protocol buffers</a:t>
+            </a:r>
+            <a:endParaRPr lang="zh-CN" altLang="en-US"/>
+          </a:p>
+        </p:txBody>
+      </p:sp>
+      <p:sp>
+        <p:nvSpPr>
+          <p:cNvPr id="3" name="内容占位符 2"/>
+          <p:cNvSpPr>
+            <a:spLocks noGrp="1"/>
+          </p:cNvSpPr>
+          <p:nvPr>
+            <p:ph idx="1"/>
+          </p:nvPr>
+        </p:nvSpPr>
+        <p:spPr/>
+        <p:txBody>
+          <a:bodyPr/>
+          <a:p>
+            <a:r>
+              <a:rPr lang="en-US" altLang="zh-CN"/>
+              <a:t>gRPC's</a:t>
+            </a:r>
+            <a:endParaRPr lang="en-US" altLang="zh-CN"/>
+          </a:p>
+          <a:p>
+            <a:pPr lvl="1"/>
+            <a:r>
+              <a:rPr lang="zh-CN" altLang="en-US">
+                <a:solidFill>
+                  <a:srgbClr val="FF0000"/>
+                </a:solidFill>
+              </a:rPr>
+              <a:t>IDL</a:t>
+            </a:r>
+            <a:r>
+              <a:rPr lang="en-US" altLang="zh-CN"/>
+              <a:t>(Interface Definition Language)</a:t>
+            </a:r>
+            <a:endParaRPr lang="en-US" altLang="zh-CN"/>
+          </a:p>
+          <a:p>
+            <a:pPr lvl="1"/>
+            <a:r>
+              <a:rPr lang="zh-CN" altLang="en-US"/>
+              <a:t>基础消息交换格式</a:t>
+            </a:r>
+            <a:endParaRPr lang="zh-CN" altLang="en-US"/>
+          </a:p>
+          <a:p>
+            <a:pPr lvl="1"/>
+            <a:r>
+              <a:rPr lang="zh-CN" altLang="en-US"/>
+              <a:t>推荐</a:t>
+            </a:r>
+            <a:r>
+              <a:rPr lang="zh-CN" altLang="en-US"/>
+              <a:t>用</a:t>
+            </a:r>
+            <a:r>
+              <a:rPr lang="en-US" altLang="zh-CN"/>
+              <a:t>proto3</a:t>
+            </a:r>
+            <a:endParaRPr lang="en-US" altLang="zh-CN"/>
+          </a:p>
+        </p:txBody>
+      </p:sp>
+    </p:spTree>
+  </p:cSld>
+  <p:clrMapOvr>
+    <a:masterClrMapping/>
+  </p:clrMapOvr>
+</p:sld>
+</file>
+
+<file path=ppt/slides/slide4.xml><?xml version="1.0" encoding="utf-8"?>
+<p:sld xmlns:a="http://schemas.openxmlformats.org/drawingml/2006/main" xmlns:r="http://schemas.openxmlformats.org/officeDocument/2006/relationships" xmlns:p="http://schemas.openxmlformats.org/presentationml/2006/main">
+  <p:cSld>
+    <p:spTree>
+      <p:nvGrpSpPr>
+        <p:cNvPr id="1" name=""/>
+        <p:cNvGrpSpPr/>
+        <p:nvPr/>
+      </p:nvGrpSpPr>
+      <p:grpSpPr/>
+      <p:sp>
+        <p:nvSpPr>
+          <p:cNvPr id="2" name="标题 1"/>
+          <p:cNvSpPr>
+            <a:spLocks noGrp="1"/>
+          </p:cNvSpPr>
+          <p:nvPr>
+            <p:ph type="title"/>
+          </p:nvPr>
+        </p:nvSpPr>
+        <p:spPr/>
+        <p:txBody>
+          <a:bodyPr/>
+          <a:p>
+            <a:r>
+              <a:rPr lang="en-US" altLang="zh-CN"/>
+              <a:t>gRPC</a:t>
+            </a:r>
+            <a:endParaRPr lang="en-US" altLang="zh-CN"/>
+          </a:p>
+        </p:txBody>
+      </p:sp>
+      <p:sp>
+        <p:nvSpPr>
+          <p:cNvPr id="3" name="内容占位符 2"/>
+          <p:cNvSpPr>
+            <a:spLocks noGrp="1"/>
+          </p:cNvSpPr>
+          <p:nvPr>
+            <p:ph idx="1"/>
+          </p:nvPr>
+        </p:nvSpPr>
+        <p:spPr/>
+        <p:txBody>
+          <a:bodyPr/>
+          <a:p>
+            <a:r>
+              <a:rPr lang="en-US" altLang="zh-CN"/>
+              <a:t>grpc.io</a:t>
+            </a:r>
+            <a:endParaRPr lang="en-US" altLang="zh-CN"/>
+          </a:p>
+          <a:p>
+            <a:pPr lvl="1"/>
+            <a:endParaRPr lang="zh-CN" altLang="en-US"/>
+          </a:p>
+        </p:txBody>
+      </p:sp>
+      <p:pic>
+        <p:nvPicPr>
+          <p:cNvPr id="5" name="图片 4"/>
+          <p:cNvPicPr>
+            <a:picLocks noChangeAspect="1"/>
+          </p:cNvPicPr>
+          <p:nvPr/>
+        </p:nvPicPr>
+        <p:blipFill>
+          <a:blip r:embed="rId1"/>
+          <a:stretch>
+            <a:fillRect/>
+          </a:stretch>
+        </p:blipFill>
+        <p:spPr>
+          <a:xfrm>
+            <a:off x="3025140" y="1825625"/>
+            <a:ext cx="6294120" cy="4066540"/>
+          </a:xfrm>
+          <a:prstGeom prst="rect">
+            <a:avLst/>
+          </a:prstGeom>
+        </p:spPr>
+      </p:pic>
+    </p:spTree>
+  </p:cSld>
+  <p:clrMapOvr>
+    <a:masterClrMapping/>
+  </p:clrMapOvr>
+</p:sld>
+</file>
+
+<file path=ppt/slides/slide5.xml><?xml version="1.0" encoding="utf-8"?>
+<p:sld xmlns:a="http://schemas.openxmlformats.org/drawingml/2006/main" xmlns:r="http://schemas.openxmlformats.org/officeDocument/2006/relationships" xmlns:p="http://schemas.openxmlformats.org/presentationml/2006/main">
+  <p:cSld>
+    <p:spTree>
+      <p:nvGrpSpPr>
+        <p:cNvPr id="1" name=""/>
+        <p:cNvGrpSpPr/>
+        <p:nvPr/>
+      </p:nvGrpSpPr>
+      <p:grpSpPr/>
+      <p:sp>
+        <p:nvSpPr>
+          <p:cNvPr id="3" name="内容占位符 2"/>
+          <p:cNvSpPr>
+            <a:spLocks noGrp="1"/>
+          </p:cNvSpPr>
+          <p:nvPr>
+            <p:ph idx="1"/>
+          </p:nvPr>
+        </p:nvSpPr>
+        <p:spPr/>
+        <p:txBody>
+          <a:bodyPr>
+            <a:normAutofit/>
+          </a:bodyPr>
+          <a:p>
+            <a:pPr lvl="0" algn="l">
+              <a:spcBef>
+                <a:spcPts val="1000"/>
+              </a:spcBef>
+              <a:buClrTx/>
+              <a:buSzTx/>
+            </a:pPr>
+            <a:r>
+              <a:rPr lang="en-US" altLang="zh-CN" b="1"/>
+              <a:t>Unary RPC</a:t>
+            </a:r>
+            <a:endParaRPr lang="en-US" altLang="zh-CN" b="1"/>
+          </a:p>
+          <a:p>
+            <a:pPr lvl="1" algn="l">
+              <a:spcBef>
+                <a:spcPts val="1000"/>
+              </a:spcBef>
+              <a:buClrTx/>
+              <a:buSzTx/>
+            </a:pPr>
+            <a:r>
+              <a:rPr lang="en-US" altLang="zh-CN"/>
+              <a:t>single request, single response</a:t>
+            </a:r>
+            <a:endParaRPr lang="en-US" altLang="zh-CN"/>
+          </a:p>
+          <a:p>
+            <a:pPr lvl="0" algn="l">
+              <a:spcBef>
+                <a:spcPts val="1000"/>
+              </a:spcBef>
+              <a:buClrTx/>
+              <a:buSzTx/>
+            </a:pPr>
+            <a:r>
+              <a:rPr lang="en-US" altLang="zh-CN" b="1"/>
+              <a:t>Server streaming RPC</a:t>
+            </a:r>
+            <a:endParaRPr lang="en-US" altLang="zh-CN" b="1"/>
+          </a:p>
+          <a:p>
+            <a:pPr lvl="1" algn="l">
+              <a:spcBef>
+                <a:spcPts val="1000"/>
+              </a:spcBef>
+              <a:buClrTx/>
+              <a:buSzTx/>
+            </a:pPr>
+            <a:r>
+              <a:rPr lang="en-US" altLang="zh-CN">
+                <a:sym typeface="+mn-ea"/>
+              </a:rPr>
+              <a:t>single request, steam </a:t>
+            </a:r>
+            <a:r>
+              <a:rPr lang="en-US" altLang="zh-CN">
+                <a:sym typeface="+mn-ea"/>
+              </a:rPr>
+              <a:t>response</a:t>
+            </a:r>
+            <a:endParaRPr lang="en-US" altLang="zh-CN"/>
+          </a:p>
+          <a:p>
+            <a:pPr lvl="1" algn="l">
+              <a:spcBef>
+                <a:spcPts val="1000"/>
+              </a:spcBef>
+              <a:buClrTx/>
+              <a:buSzTx/>
+            </a:pPr>
+            <a:r>
+              <a:rPr lang="en-US" altLang="zh-CN" sz="2400"/>
+              <a:t>steam: </a:t>
+            </a:r>
+            <a:r>
+              <a:rPr lang="en-US" altLang="zh-CN" sz="2400">
+                <a:solidFill>
+                  <a:srgbClr val="FF0000"/>
+                </a:solidFill>
+              </a:rPr>
+              <a:t>a sequence of messages</a:t>
+            </a:r>
+            <a:endParaRPr lang="en-US" altLang="zh-CN" sz="2400"/>
+          </a:p>
+          <a:p>
+            <a:pPr lvl="0" algn="l">
+              <a:spcBef>
+                <a:spcPts val="1000"/>
+              </a:spcBef>
+              <a:buClrTx/>
+              <a:buSzTx/>
+            </a:pPr>
+            <a:r>
+              <a:rPr lang="en-US" altLang="zh-CN" b="1"/>
+              <a:t>Client streaming RPC</a:t>
+            </a:r>
+            <a:endParaRPr lang="en-US" altLang="zh-CN" b="1"/>
+          </a:p>
+          <a:p>
+            <a:pPr lvl="1" algn="l">
+              <a:spcBef>
+                <a:spcPts val="1000"/>
+              </a:spcBef>
+              <a:buClrTx/>
+              <a:buSzTx/>
+            </a:pPr>
+            <a:r>
+              <a:rPr lang="en-US" altLang="zh-CN">
+                <a:sym typeface="+mn-ea"/>
+              </a:rPr>
+              <a:t>steam </a:t>
+            </a:r>
+            <a:r>
+              <a:rPr lang="en-US" altLang="zh-CN" sz="2400">
+                <a:sym typeface="+mn-ea"/>
+              </a:rPr>
+              <a:t>request, </a:t>
+            </a:r>
+            <a:r>
+              <a:rPr lang="en-US" altLang="zh-CN">
+                <a:sym typeface="+mn-ea"/>
+              </a:rPr>
+              <a:t>single </a:t>
+            </a:r>
+            <a:r>
+              <a:rPr lang="en-US" altLang="zh-CN" sz="2400">
+                <a:sym typeface="+mn-ea"/>
+              </a:rPr>
+              <a:t>response</a:t>
+            </a:r>
+            <a:endParaRPr lang="en-US" altLang="zh-CN" sz="2400"/>
+          </a:p>
+          <a:p>
+            <a:pPr lvl="0" algn="l">
+              <a:spcBef>
+                <a:spcPts val="1000"/>
+              </a:spcBef>
+              <a:buClrTx/>
+              <a:buSzTx/>
+            </a:pPr>
+            <a:r>
+              <a:rPr lang="en-US" altLang="zh-CN" b="1"/>
+              <a:t>Bidirectional streaming RPC</a:t>
+            </a:r>
+            <a:endParaRPr lang="en-US" altLang="zh-CN" b="1"/>
+          </a:p>
+          <a:p>
+            <a:pPr lvl="1" algn="l">
+              <a:spcBef>
+                <a:spcPts val="1000"/>
+              </a:spcBef>
+              <a:buClrTx/>
+              <a:buSzTx/>
+            </a:pPr>
+            <a:r>
+              <a:rPr lang="en-US" altLang="zh-CN">
+                <a:sym typeface="+mn-ea"/>
+              </a:rPr>
+              <a:t>steam request, steam </a:t>
+            </a:r>
+            <a:r>
+              <a:rPr lang="en-US" altLang="zh-CN">
+                <a:sym typeface="+mn-ea"/>
+              </a:rPr>
+              <a:t>response</a:t>
+            </a:r>
+            <a:endParaRPr lang="en-US" altLang="zh-CN" b="1"/>
+          </a:p>
+        </p:txBody>
+      </p:sp>
+      <p:sp>
+        <p:nvSpPr>
+          <p:cNvPr id="5" name="标题 4"/>
+          <p:cNvSpPr>
+            <a:spLocks noGrp="1"/>
+          </p:cNvSpPr>
+          <p:nvPr>
+            <p:ph type="title"/>
+          </p:nvPr>
+        </p:nvSpPr>
+        <p:spPr/>
+        <p:txBody>
+          <a:bodyPr>
+            <a:normAutofit/>
+          </a:bodyPr>
+          <a:p>
+            <a:r>
+              <a:rPr lang="en-US">
+                <a:sym typeface="+mn-ea"/>
+              </a:rPr>
+              <a:t>4 </a:t>
+            </a:r>
+            <a:r>
+              <a:rPr lang="zh-CN" altLang="en-US">
+                <a:sym typeface="+mn-ea"/>
+              </a:rPr>
+              <a:t>种 </a:t>
+            </a:r>
+            <a:r>
+              <a:rPr lang="en-US" altLang="zh-CN">
+                <a:sym typeface="+mn-ea"/>
+              </a:rPr>
+              <a:t>service method</a:t>
+            </a:r>
+            <a:endParaRPr lang="en-US" altLang="zh-CN">
+              <a:sym typeface="+mn-ea"/>
+            </a:endParaRPr>
+          </a:p>
+        </p:txBody>
+      </p:sp>
+    </p:spTree>
+  </p:cSld>
+  <p:clrMapOvr>
+    <a:masterClrMapping/>
+  </p:clrMapOvr>
+</p:sld>
+</file>
+
+<file path=ppt/slides/slide6.xml><?xml version="1.0" encoding="utf-8"?>
+<p:sld xmlns:a="http://schemas.openxmlformats.org/drawingml/2006/main" xmlns:r="http://schemas.openxmlformats.org/officeDocument/2006/relationships" xmlns:p="http://schemas.openxmlformats.org/presentationml/2006/main">
+  <p:cSld>
+    <p:spTree>
+      <p:nvGrpSpPr>
+        <p:cNvPr id="1" name=""/>
+        <p:cNvGrpSpPr/>
+        <p:nvPr/>
+      </p:nvGrpSpPr>
+      <p:grpSpPr/>
+      <p:sp>
+        <p:nvSpPr>
+          <p:cNvPr id="3" name="内容占位符 2"/>
+          <p:cNvSpPr>
+            <a:spLocks noGrp="1"/>
+          </p:cNvSpPr>
+          <p:nvPr>
+            <p:ph idx="1"/>
+          </p:nvPr>
+        </p:nvSpPr>
+        <p:spPr/>
+        <p:txBody>
+          <a:bodyPr>
+            <a:normAutofit/>
+          </a:bodyPr>
+          <a:p>
+            <a:pPr lvl="0" algn="l">
+              <a:spcBef>
+                <a:spcPts val="1000"/>
+              </a:spcBef>
+              <a:buClrTx/>
+              <a:buSzTx/>
+            </a:pPr>
+            <a:r>
+              <a:rPr lang="en-US" altLang="zh-CN">
+                <a:sym typeface="+mn-ea"/>
+              </a:rPr>
+              <a:t>grpc.io/docs/what-is-grpc/core-concepts</a:t>
+            </a:r>
+            <a:endParaRPr lang="zh-CN" altLang="en-US"/>
+          </a:p>
+          <a:p>
+            <a:pPr lvl="1" algn="l">
+              <a:spcBef>
+                <a:spcPts val="1000"/>
+              </a:spcBef>
+              <a:buClrTx/>
+              <a:buSzTx/>
+            </a:pPr>
+            <a:r>
+              <a:rPr lang="zh-CN" altLang="en-US"/>
+              <a:t>每一种方法的执行过程</a:t>
+            </a:r>
+            <a:r>
+              <a:rPr lang="en-US" altLang="zh-CN"/>
+              <a:t>(</a:t>
+            </a:r>
+            <a:r>
+              <a:rPr lang="zh-CN" altLang="en-US" sz="2055">
+                <a:solidFill>
+                  <a:schemeClr val="bg1">
+                    <a:lumMod val="50000"/>
+                  </a:schemeClr>
+                </a:solidFill>
+              </a:rPr>
+              <a:t>看下文档</a:t>
+            </a:r>
+            <a:r>
+              <a:rPr lang="en-US" altLang="zh-CN"/>
+              <a:t>)</a:t>
+            </a:r>
+            <a:endParaRPr lang="en-US" altLang="zh-CN"/>
+          </a:p>
+          <a:p>
+            <a:pPr lvl="1" algn="l">
+              <a:spcBef>
+                <a:spcPts val="1000"/>
+              </a:spcBef>
+              <a:buClrTx/>
+              <a:buSzTx/>
+            </a:pPr>
+            <a:r>
+              <a:rPr lang="en-US" altLang="zh-CN"/>
+              <a:t>Deadlines/Timeouts</a:t>
+            </a:r>
+            <a:endParaRPr lang="en-US" altLang="zh-CN"/>
+          </a:p>
+          <a:p>
+            <a:pPr lvl="0" algn="l">
+              <a:spcBef>
+                <a:spcPts val="1000"/>
+              </a:spcBef>
+              <a:buClrTx/>
+              <a:buSzTx/>
+            </a:pPr>
+            <a:endParaRPr lang="en-US" altLang="zh-CN"/>
+          </a:p>
+          <a:p>
+            <a:pPr lvl="0" algn="l">
+              <a:spcBef>
+                <a:spcPts val="1000"/>
+              </a:spcBef>
+              <a:buClrTx/>
+              <a:buSzTx/>
+            </a:pPr>
+            <a:endParaRPr lang="en-US" altLang="zh-CN"/>
+          </a:p>
+        </p:txBody>
+      </p:sp>
+      <p:sp>
+        <p:nvSpPr>
+          <p:cNvPr id="5" name="标题 4"/>
+          <p:cNvSpPr>
+            <a:spLocks noGrp="1"/>
+          </p:cNvSpPr>
+          <p:nvPr>
+            <p:ph type="title"/>
+          </p:nvPr>
+        </p:nvSpPr>
+        <p:spPr/>
+        <p:txBody>
+          <a:bodyPr>
+            <a:normAutofit/>
+          </a:bodyPr>
+          <a:p>
+            <a:r>
+              <a:rPr lang="en-US" altLang="zh-CN"/>
+              <a:t>gRPC </a:t>
+            </a:r>
+            <a:r>
+              <a:rPr lang="zh-CN" altLang="en-US"/>
+              <a:t>的 </a:t>
+            </a:r>
+            <a:r>
+              <a:rPr lang="en-US" altLang="zh-CN"/>
+              <a:t>l</a:t>
+            </a:r>
+            <a:r>
+              <a:rPr>
+                <a:sym typeface="+mn-ea"/>
+              </a:rPr>
+              <a:t>ife cycle</a:t>
+            </a:r>
+            <a:endParaRPr>
+              <a:sym typeface="+mn-ea"/>
+            </a:endParaRPr>
+          </a:p>
+        </p:txBody>
+      </p:sp>
+    </p:spTree>
+  </p:cSld>
+  <p:clrMapOvr>
+    <a:masterClrMapping/>
+  </p:clrMapOvr>
+</p:sld>
+</file>
+
+<file path=ppt/slides/slide7.xml><?xml version="1.0" encoding="utf-8"?>
+<p:sld xmlns:a="http://schemas.openxmlformats.org/drawingml/2006/main" xmlns:r="http://schemas.openxmlformats.org/officeDocument/2006/relationships" xmlns:p="http://schemas.openxmlformats.org/presentationml/2006/main">
+  <p:cSld>
+    <p:spTree>
+      <p:nvGrpSpPr>
+        <p:cNvPr id="1" name=""/>
+        <p:cNvGrpSpPr/>
+        <p:nvPr/>
+      </p:nvGrpSpPr>
+      <p:grpSpPr/>
+      <p:sp>
+        <p:nvSpPr>
+          <p:cNvPr id="2" name="标题 1"/>
+          <p:cNvSpPr>
+            <a:spLocks noGrp="1"/>
+          </p:cNvSpPr>
+          <p:nvPr>
+            <p:ph type="title"/>
+          </p:nvPr>
+        </p:nvSpPr>
+        <p:spPr>
+          <a:xfrm>
+            <a:off x="838200" y="2766060"/>
+            <a:ext cx="10515600" cy="1325563"/>
+          </a:xfrm>
+        </p:spPr>
+        <p:txBody>
+          <a:bodyPr/>
+          <a:p>
+            <a:pPr algn="ctr"/>
+            <a:r>
+              <a:rPr lang="en-US" altLang="zh-CN"/>
+              <a:t>proto </a:t>
+            </a:r>
+            <a:r>
+              <a:rPr lang="zh-CN" altLang="en-US"/>
+              <a:t>文件定义</a:t>
+            </a:r>
+            <a:endParaRPr lang="zh-CN" altLang="en-US"/>
+          </a:p>
+        </p:txBody>
+      </p:sp>
+    </p:spTree>
+  </p:cSld>
+  <p:clrMapOvr>
+    <a:masterClrMapping/>
+  </p:clrMapOvr>
+</p:sld>
+</file>
+
+<file path=ppt/slides/slide8.xml><?xml version="1.0" encoding="utf-8"?>
+<p:sld xmlns:a="http://schemas.openxmlformats.org/drawingml/2006/main" xmlns:r="http://schemas.openxmlformats.org/officeDocument/2006/relationships" xmlns:p="http://schemas.openxmlformats.org/presentationml/2006/main">
+  <p:cSld>
+    <p:spTree>
+      <p:nvGrpSpPr>
+        <p:cNvPr id="1" name=""/>
+        <p:cNvGrpSpPr/>
+        <p:nvPr/>
+      </p:nvGrpSpPr>
+      <p:grpSpPr/>
+      <p:sp>
+        <p:nvSpPr>
+          <p:cNvPr id="2" name="标题 1"/>
+          <p:cNvSpPr>
+            <a:spLocks noGrp="1"/>
+          </p:cNvSpPr>
+          <p:nvPr>
+            <p:ph type="title"/>
+          </p:nvPr>
+        </p:nvSpPr>
+        <p:spPr/>
+        <p:txBody>
+          <a:bodyPr/>
+          <a:p>
+            <a:r>
+              <a:rPr lang="zh-CN" altLang="en-US"/>
+              <a:t>服务</a:t>
+            </a:r>
+            <a:r>
+              <a:rPr lang="zh-CN" altLang="en-US"/>
+              <a:t>定义</a:t>
+            </a:r>
+            <a:endParaRPr lang="zh-CN" altLang="en-US"/>
+          </a:p>
+        </p:txBody>
+      </p:sp>
+      <p:sp>
+        <p:nvSpPr>
+          <p:cNvPr id="3" name="内容占位符 2"/>
+          <p:cNvSpPr>
+            <a:spLocks noGrp="1"/>
+          </p:cNvSpPr>
+          <p:nvPr>
+            <p:ph idx="1"/>
+          </p:nvPr>
+        </p:nvSpPr>
+        <p:spPr/>
+        <p:txBody>
+          <a:bodyPr/>
+          <a:p>
+            <a:r>
+              <a:rPr lang="zh-CN" altLang="en-US"/>
+              <a:t>https://developers.google.com/protocol-buffers/docs/overview</a:t>
+            </a:r>
+            <a:endParaRPr lang="zh-CN" altLang="en-US"/>
+          </a:p>
+          <a:p>
+            <a:pPr lvl="1"/>
+            <a:r>
+              <a:rPr lang="zh-CN" altLang="en-US"/>
+              <a:t>定义 </a:t>
+            </a:r>
+            <a:r>
+              <a:rPr lang="en-US" altLang="zh-CN"/>
+              <a:t>message</a:t>
+            </a:r>
+            <a:endParaRPr lang="en-US" altLang="zh-CN"/>
+          </a:p>
+          <a:p>
+            <a:pPr lvl="1"/>
+            <a:r>
+              <a:rPr lang="zh-CN" altLang="en-US"/>
+              <a:t>定义 </a:t>
+            </a:r>
+            <a:r>
+              <a:rPr lang="en-US" altLang="zh-CN"/>
+              <a:t>service -&gt; method</a:t>
+            </a:r>
+            <a:endParaRPr lang="en-US" altLang="zh-CN"/>
+          </a:p>
+          <a:p>
+            <a:pPr marL="0" indent="0">
+              <a:buNone/>
+            </a:pPr>
+            <a:endParaRPr lang="en-US" altLang="zh-CN"/>
+          </a:p>
+        </p:txBody>
+      </p:sp>
+    </p:spTree>
+  </p:cSld>
+  <p:clrMapOvr>
+    <a:masterClrMapping/>
+  </p:clrMapOvr>
+</p:sld>
+</file>
+
+<file path=ppt/slides/slide9.xml><?xml version="1.0" encoding="utf-8"?>
+<p:sld xmlns:a="http://schemas.openxmlformats.org/drawingml/2006/main" xmlns:r="http://schemas.openxmlformats.org/officeDocument/2006/relationships" xmlns:p="http://schemas.openxmlformats.org/presentationml/2006/main">
+  <p:cSld>
+    <p:spTree>
+      <p:nvGrpSpPr>
+        <p:cNvPr id="1" name=""/>
+        <p:cNvGrpSpPr/>
+        <p:nvPr/>
+      </p:nvGrpSpPr>
+      <p:grpSpPr/>
+      <p:sp>
+        <p:nvSpPr>
+          <p:cNvPr id="2" name="标题 1"/>
+          <p:cNvSpPr>
+            <a:spLocks noGrp="1"/>
+          </p:cNvSpPr>
+          <p:nvPr>
+            <p:ph type="title"/>
+          </p:nvPr>
+        </p:nvSpPr>
+        <p:spPr>
+          <a:xfrm>
+            <a:off x="838200" y="2766060"/>
+            <a:ext cx="10515600" cy="1325563"/>
+          </a:xfrm>
+        </p:spPr>
+        <p:txBody>
+          <a:bodyPr/>
+          <a:p>
+            <a:pPr algn="ctr"/>
+            <a:r>
+              <a:rPr lang="en-US" altLang="zh-CN"/>
+              <a:t>gRPC server </a:t>
+            </a:r>
+            <a:r>
+              <a:rPr lang="zh-CN" altLang="en-US"/>
+              <a:t>的实现</a:t>
+            </a:r>
+            <a:endParaRPr lang="zh-CN" altLang="en-US"/>
+          </a:p>
+        </p:txBody>
+      </p:sp>
     </p:spTree>
   </p:cSld>
   <p:clrMapOvr>

--- a/grpc/index.pptx
+++ b/grpc/index.pptx
@@ -7,18 +7,20 @@
   <p:sldIdLst>
     <p:sldId id="256" r:id="rId3"/>
     <p:sldId id="288" r:id="rId4"/>
-    <p:sldId id="264" r:id="rId5"/>
-    <p:sldId id="257" r:id="rId6"/>
+    <p:sldId id="257" r:id="rId5"/>
+    <p:sldId id="264" r:id="rId6"/>
     <p:sldId id="258" r:id="rId7"/>
     <p:sldId id="272" r:id="rId8"/>
-    <p:sldId id="261" r:id="rId9"/>
-    <p:sldId id="281" r:id="rId10"/>
-    <p:sldId id="279" r:id="rId11"/>
-    <p:sldId id="259" r:id="rId12"/>
-    <p:sldId id="262" r:id="rId13"/>
-    <p:sldId id="260" r:id="rId14"/>
-    <p:sldId id="263" r:id="rId15"/>
-    <p:sldId id="271" r:id="rId16"/>
+    <p:sldId id="301" r:id="rId9"/>
+    <p:sldId id="261" r:id="rId10"/>
+    <p:sldId id="281" r:id="rId11"/>
+    <p:sldId id="279" r:id="rId12"/>
+    <p:sldId id="259" r:id="rId13"/>
+    <p:sldId id="262" r:id="rId14"/>
+    <p:sldId id="260" r:id="rId15"/>
+    <p:sldId id="263" r:id="rId16"/>
+    <p:sldId id="271" r:id="rId17"/>
+    <p:sldId id="302" r:id="rId18"/>
   </p:sldIdLst>
   <p:sldSz cx="12192000" cy="6858000"/>
   <p:notesSz cx="6858000" cy="9144000"/>
@@ -3112,6 +3114,56 @@
             <p:ph type="title"/>
           </p:nvPr>
         </p:nvSpPr>
+        <p:spPr>
+          <a:xfrm>
+            <a:off x="838200" y="2766060"/>
+            <a:ext cx="10515600" cy="1325563"/>
+          </a:xfrm>
+        </p:spPr>
+        <p:txBody>
+          <a:bodyPr/>
+          <a:p>
+            <a:pPr algn="ctr"/>
+            <a:r>
+              <a:rPr lang="en-US" altLang="zh-CN"/>
+              <a:t>gRPC server </a:t>
+            </a:r>
+            <a:r>
+              <a:rPr lang="zh-CN" altLang="en-US"/>
+              <a:t>的实现</a:t>
+            </a:r>
+            <a:endParaRPr lang="zh-CN" altLang="en-US"/>
+          </a:p>
+        </p:txBody>
+      </p:sp>
+    </p:spTree>
+  </p:cSld>
+  <p:clrMapOvr>
+    <a:masterClrMapping/>
+  </p:clrMapOvr>
+</p:sld>
+</file>
+
+<file path=ppt/slides/slide11.xml><?xml version="1.0" encoding="utf-8"?>
+<p:sld xmlns:a="http://schemas.openxmlformats.org/drawingml/2006/main" xmlns:r="http://schemas.openxmlformats.org/officeDocument/2006/relationships" xmlns:p="http://schemas.openxmlformats.org/presentationml/2006/main">
+  <p:cSld>
+    <p:spTree>
+      <p:nvGrpSpPr>
+        <p:cNvPr id="1" name=""/>
+        <p:cNvGrpSpPr/>
+        <p:nvPr/>
+      </p:nvGrpSpPr>
+      <p:grpSpPr/>
+      <p:sp>
+        <p:nvSpPr>
+          <p:cNvPr id="2" name="标题 1"/>
+          <p:cNvSpPr>
+            <a:spLocks noGrp="1"/>
+          </p:cNvSpPr>
+          <p:nvPr>
+            <p:ph type="title"/>
+          </p:nvPr>
+        </p:nvSpPr>
         <p:spPr/>
         <p:txBody>
           <a:bodyPr/>
@@ -3160,17 +3212,31 @@
           <a:p>
             <a:pPr lvl="2"/>
             <a:r>
-              <a:rPr lang="en-US" altLang="zh-CN" sz="1800"/>
+              <a:rPr lang="en-US" altLang="zh-CN" sz="1600">
+                <a:solidFill>
+                  <a:schemeClr val="bg1">
+                    <a:lumMod val="50000"/>
+                  </a:schemeClr>
+                </a:solidFill>
+              </a:rPr>
               <a:t>export GO111MODULE=on</a:t>
             </a:r>
-            <a:endParaRPr lang="en-US" altLang="zh-CN" sz="1800"/>
+            <a:endParaRPr lang="en-US" altLang="zh-CN" sz="1600">
+              <a:solidFill>
+                <a:schemeClr val="bg1">
+                  <a:lumMod val="50000"/>
+                </a:schemeClr>
+              </a:solidFill>
+            </a:endParaRPr>
           </a:p>
           <a:p>
             <a:pPr lvl="2"/>
             <a:r>
               <a:rPr lang="zh-CN" altLang="en-US" sz="1600">
                 <a:solidFill>
-                  <a:schemeClr val="tx1"/>
+                  <a:schemeClr val="bg1">
+                    <a:lumMod val="50000"/>
+                  </a:schemeClr>
                 </a:solidFill>
               </a:rPr>
               <a:t>设置环境变量 GOPATH</a:t>
@@ -3178,14 +3244,18 @@
             <a:r>
               <a:rPr lang="en-US" altLang="zh-CN" sz="1600">
                 <a:solidFill>
-                  <a:schemeClr val="tx1"/>
+                  <a:schemeClr val="bg1">
+                    <a:lumMod val="50000"/>
+                  </a:schemeClr>
                 </a:solidFill>
               </a:rPr>
               <a:t>/bin</a:t>
             </a:r>
             <a:endParaRPr lang="en-US" altLang="zh-CN" sz="1600">
               <a:solidFill>
-                <a:schemeClr val="tx1"/>
+                <a:schemeClr val="bg1">
+                  <a:lumMod val="50000"/>
+                </a:schemeClr>
               </a:solidFill>
             </a:endParaRPr>
           </a:p>
@@ -3195,22 +3265,22 @@
               <a:buSzTx/>
             </a:pPr>
             <a:r>
-              <a:rPr lang="zh-CN" altLang="en-US" sz="1600">
+              <a:rPr lang="zh-CN" altLang="en-US" sz="1600" b="1">
                 <a:sym typeface="+mn-ea"/>
               </a:rPr>
               <a:t>go get github.com/golang/protobuf/protoc-gen-go</a:t>
             </a:r>
-            <a:endParaRPr lang="zh-CN" altLang="en-US" sz="1600"/>
+            <a:endParaRPr lang="zh-CN" altLang="en-US" sz="1600" b="1"/>
           </a:p>
           <a:p>
             <a:pPr lvl="2"/>
             <a:r>
-              <a:rPr lang="en-US" altLang="zh-CN" sz="1800">
+              <a:rPr lang="en-US" altLang="zh-CN" sz="1800" b="1">
                 <a:sym typeface="+mn-ea"/>
               </a:rPr>
               <a:t>protoc</a:t>
             </a:r>
-            <a:endParaRPr lang="en-US" altLang="zh-CN" sz="1800"/>
+            <a:endParaRPr lang="en-US" altLang="zh-CN" sz="1800" b="1"/>
           </a:p>
           <a:p>
             <a:pPr lvl="2"/>
@@ -3272,7 +3342,7 @@
 </p:sld>
 </file>
 
-<file path=ppt/slides/slide11.xml><?xml version="1.0" encoding="utf-8"?>
+<file path=ppt/slides/slide12.xml><?xml version="1.0" encoding="utf-8"?>
 <p:sld xmlns:a="http://schemas.openxmlformats.org/drawingml/2006/main" xmlns:r="http://schemas.openxmlformats.org/officeDocument/2006/relationships" xmlns:p="http://schemas.openxmlformats.org/presentationml/2006/main">
   <p:cSld>
     <p:spTree>
@@ -3326,7 +3396,7 @@
 </p:sld>
 </file>
 
-<file path=ppt/slides/slide12.xml><?xml version="1.0" encoding="utf-8"?>
+<file path=ppt/slides/slide13.xml><?xml version="1.0" encoding="utf-8"?>
 <p:sld xmlns:a="http://schemas.openxmlformats.org/drawingml/2006/main" xmlns:r="http://schemas.openxmlformats.org/officeDocument/2006/relationships" xmlns:p="http://schemas.openxmlformats.org/presentationml/2006/main">
   <p:cSld>
     <p:spTree>
@@ -3507,186 +3577,6 @@
 </p:sld>
 </file>
 
-<file path=ppt/slides/slide13.xml><?xml version="1.0" encoding="utf-8"?>
-<p:sld xmlns:a="http://schemas.openxmlformats.org/drawingml/2006/main" xmlns:r="http://schemas.openxmlformats.org/officeDocument/2006/relationships" xmlns:p="http://schemas.openxmlformats.org/presentationml/2006/main">
-  <p:cSld>
-    <p:spTree>
-      <p:nvGrpSpPr>
-        <p:cNvPr id="1" name=""/>
-        <p:cNvGrpSpPr/>
-        <p:nvPr/>
-      </p:nvGrpSpPr>
-      <p:grpSpPr/>
-      <p:sp>
-        <p:nvSpPr>
-          <p:cNvPr id="2" name="标题 1"/>
-          <p:cNvSpPr>
-            <a:spLocks noGrp="1"/>
-          </p:cNvSpPr>
-          <p:nvPr>
-            <p:ph type="title"/>
-          </p:nvPr>
-        </p:nvSpPr>
-        <p:spPr/>
-        <p:txBody>
-          <a:bodyPr/>
-          <a:p>
-            <a:r>
-              <a:rPr lang="en-US" altLang="zh-CN"/>
-              <a:t>gRPC client</a:t>
-            </a:r>
-            <a:endParaRPr lang="zh-CN" altLang="en-US"/>
-          </a:p>
-        </p:txBody>
-      </p:sp>
-      <p:sp>
-        <p:nvSpPr>
-          <p:cNvPr id="3" name="内容占位符 2"/>
-          <p:cNvSpPr>
-            <a:spLocks noGrp="1"/>
-          </p:cNvSpPr>
-          <p:nvPr>
-            <p:ph idx="1"/>
-          </p:nvPr>
-        </p:nvSpPr>
-        <p:spPr/>
-        <p:txBody>
-          <a:bodyPr/>
-          <a:p>
-            <a:pPr algn="l">
-              <a:buClrTx/>
-              <a:buSzTx/>
-            </a:pPr>
-            <a:r>
-              <a:rPr lang="zh-CN" altLang="en-US" sz="2330"/>
-              <a:t>代码生成工具</a:t>
-            </a:r>
-            <a:endParaRPr lang="zh-CN" altLang="en-US" sz="2330"/>
-          </a:p>
-          <a:p>
-            <a:pPr lvl="1"/>
-            <a:r>
-              <a:rPr lang="zh-CN" altLang="en-US" sz="1600"/>
-              <a:t>推荐 </a:t>
-            </a:r>
-            <a:r>
-              <a:rPr lang="en-US" altLang="zh-CN" sz="1600" b="1">
-                <a:solidFill>
-                  <a:srgbClr val="FF0000"/>
-                </a:solidFill>
-              </a:rPr>
-              <a:t>llaoj/php-grpc-gen</a:t>
-            </a:r>
-            <a:endParaRPr lang="en-US" altLang="zh-CN" b="1"/>
-          </a:p>
-          <a:p>
-            <a:pPr lvl="0"/>
-            <a:r>
-              <a:rPr lang="zh-CN" altLang="en-US" sz="2330"/>
-              <a:t>安装</a:t>
-            </a:r>
-            <a:r>
-              <a:rPr lang="en-US" altLang="zh-CN" sz="2330"/>
-              <a:t>php </a:t>
-            </a:r>
-            <a:r>
-              <a:rPr lang="zh-CN" altLang="en-US" sz="2330"/>
-              <a:t>的扩展</a:t>
-            </a:r>
-            <a:endParaRPr lang="zh-CN" altLang="en-US" sz="2330"/>
-          </a:p>
-          <a:p>
-            <a:pPr lvl="1"/>
-            <a:r>
-              <a:rPr lang="zh-CN" altLang="en-US" sz="1600"/>
-              <a:t>推荐 </a:t>
-            </a:r>
-            <a:r>
-              <a:rPr lang="en-US" altLang="zh-CN" sz="1600" b="1">
-                <a:solidFill>
-                  <a:srgbClr val="FF0000"/>
-                </a:solidFill>
-              </a:rPr>
-              <a:t>llaoj/php-fpm-nginx</a:t>
-            </a:r>
-            <a:endParaRPr lang="en-US" altLang="zh-CN"/>
-          </a:p>
-          <a:p>
-            <a:pPr lvl="0"/>
-            <a:r>
-              <a:rPr lang="en-US" altLang="zh-CN" sz="2330"/>
-              <a:t>grpc &amp; protoc </a:t>
-            </a:r>
-            <a:r>
-              <a:rPr lang="zh-CN" altLang="en-US" sz="2330"/>
-              <a:t>版本</a:t>
-            </a:r>
-            <a:endParaRPr lang="zh-CN" altLang="en-US" sz="2330"/>
-          </a:p>
-          <a:p>
-            <a:pPr lvl="1"/>
-            <a:r>
-              <a:rPr lang="en-US" altLang="zh-CN" sz="2160"/>
-              <a:t>grpc:</a:t>
-            </a:r>
-            <a:endParaRPr lang="en-US" altLang="zh-CN" sz="2160"/>
-          </a:p>
-          <a:p>
-            <a:pPr lvl="2"/>
-            <a:r>
-              <a:rPr lang="en-US" altLang="zh-CN" sz="1775"/>
-              <a:t>grpc php ext</a:t>
-            </a:r>
-            <a:endParaRPr lang="en-US" altLang="zh-CN" sz="1775"/>
-          </a:p>
-          <a:p>
-            <a:pPr lvl="2"/>
-            <a:r>
-              <a:rPr lang="en-US" altLang="zh-CN" sz="1775"/>
-              <a:t>grpc php composer pkg</a:t>
-            </a:r>
-            <a:endParaRPr lang="en-US" altLang="zh-CN" sz="1775"/>
-          </a:p>
-          <a:p>
-            <a:pPr lvl="2"/>
-            <a:r>
-              <a:rPr lang="en-US" altLang="zh-CN" sz="1775"/>
-              <a:t>grpc_php_plugin</a:t>
-            </a:r>
-            <a:endParaRPr lang="en-US" altLang="zh-CN" sz="1775"/>
-          </a:p>
-          <a:p>
-            <a:pPr lvl="1"/>
-            <a:r>
-              <a:rPr lang="en-US" altLang="zh-CN" sz="2160"/>
-              <a:t>protoc </a:t>
-            </a:r>
-            <a:r>
-              <a:rPr lang="zh-CN" altLang="en-US" sz="1680"/>
-              <a:t>建议使用最新</a:t>
-            </a:r>
-            <a:r>
-              <a:rPr lang="zh-CN" altLang="en-US" sz="1680">
-                <a:sym typeface="+mn-ea"/>
-              </a:rPr>
-              <a:t>稳定</a:t>
-            </a:r>
-            <a:endParaRPr lang="en-US" altLang="zh-CN" sz="2160"/>
-          </a:p>
-          <a:p>
-            <a:pPr lvl="1"/>
-            <a:endParaRPr lang="en-US" altLang="zh-CN" sz="1800"/>
-          </a:p>
-        </p:txBody>
-      </p:sp>
-    </p:spTree>
-  </p:cSld>
-  <p:clrMapOvr>
-    <a:masterClrMapping/>
-  </p:clrMapOvr>
-</p:sld>
-</file>
-
 <file path=ppt/slides/slide14.xml><?xml version="1.0" encoding="utf-8"?>
 <p:sld xmlns:a="http://schemas.openxmlformats.org/drawingml/2006/main" xmlns:r="http://schemas.openxmlformats.org/officeDocument/2006/relationships" xmlns:p="http://schemas.openxmlformats.org/presentationml/2006/main">
   <p:cSld>
@@ -3709,6 +3599,186 @@
         </p:nvSpPr>
         <p:spPr/>
         <p:txBody>
+          <a:bodyPr/>
+          <a:p>
+            <a:r>
+              <a:rPr lang="en-US" altLang="zh-CN"/>
+              <a:t>gRPC client</a:t>
+            </a:r>
+            <a:endParaRPr lang="zh-CN" altLang="en-US"/>
+          </a:p>
+        </p:txBody>
+      </p:sp>
+      <p:sp>
+        <p:nvSpPr>
+          <p:cNvPr id="3" name="内容占位符 2"/>
+          <p:cNvSpPr>
+            <a:spLocks noGrp="1"/>
+          </p:cNvSpPr>
+          <p:nvPr>
+            <p:ph idx="1"/>
+          </p:nvPr>
+        </p:nvSpPr>
+        <p:spPr/>
+        <p:txBody>
+          <a:bodyPr/>
+          <a:p>
+            <a:pPr algn="l">
+              <a:buClrTx/>
+              <a:buSzTx/>
+            </a:pPr>
+            <a:r>
+              <a:rPr lang="zh-CN" altLang="en-US" sz="2330"/>
+              <a:t>代码生成工具</a:t>
+            </a:r>
+            <a:endParaRPr lang="zh-CN" altLang="en-US" sz="2330"/>
+          </a:p>
+          <a:p>
+            <a:pPr lvl="1"/>
+            <a:r>
+              <a:rPr lang="zh-CN" altLang="en-US" sz="1600"/>
+              <a:t>推荐 </a:t>
+            </a:r>
+            <a:r>
+              <a:rPr lang="en-US" altLang="zh-CN" sz="1600" b="1">
+                <a:solidFill>
+                  <a:srgbClr val="FF0000"/>
+                </a:solidFill>
+              </a:rPr>
+              <a:t>llaoj/php-grpc-gen</a:t>
+            </a:r>
+            <a:endParaRPr lang="en-US" altLang="zh-CN" b="1"/>
+          </a:p>
+          <a:p>
+            <a:pPr lvl="0"/>
+            <a:r>
+              <a:rPr lang="zh-CN" altLang="en-US" sz="2330"/>
+              <a:t>安装</a:t>
+            </a:r>
+            <a:r>
+              <a:rPr lang="en-US" altLang="zh-CN" sz="2330"/>
+              <a:t>php </a:t>
+            </a:r>
+            <a:r>
+              <a:rPr lang="zh-CN" altLang="en-US" sz="2330"/>
+              <a:t>的扩展</a:t>
+            </a:r>
+            <a:endParaRPr lang="zh-CN" altLang="en-US" sz="2330"/>
+          </a:p>
+          <a:p>
+            <a:pPr lvl="1"/>
+            <a:r>
+              <a:rPr lang="zh-CN" altLang="en-US" sz="1600"/>
+              <a:t>推荐 </a:t>
+            </a:r>
+            <a:r>
+              <a:rPr lang="en-US" altLang="zh-CN" sz="1600" b="1">
+                <a:solidFill>
+                  <a:srgbClr val="FF0000"/>
+                </a:solidFill>
+              </a:rPr>
+              <a:t>llaoj/php-fpm-nginx</a:t>
+            </a:r>
+            <a:endParaRPr lang="en-US" altLang="zh-CN"/>
+          </a:p>
+          <a:p>
+            <a:pPr lvl="0"/>
+            <a:r>
+              <a:rPr lang="en-US" altLang="zh-CN" sz="2330"/>
+              <a:t>grpc &amp; protoc </a:t>
+            </a:r>
+            <a:r>
+              <a:rPr lang="zh-CN" altLang="en-US" sz="2330"/>
+              <a:t>版本</a:t>
+            </a:r>
+            <a:endParaRPr lang="zh-CN" altLang="en-US" sz="2330"/>
+          </a:p>
+          <a:p>
+            <a:pPr lvl="1"/>
+            <a:r>
+              <a:rPr lang="en-US" altLang="zh-CN" sz="2160"/>
+              <a:t>grpc:</a:t>
+            </a:r>
+            <a:endParaRPr lang="en-US" altLang="zh-CN" sz="2160"/>
+          </a:p>
+          <a:p>
+            <a:pPr lvl="2"/>
+            <a:r>
+              <a:rPr lang="en-US" altLang="zh-CN" sz="1775"/>
+              <a:t>grpc php ext</a:t>
+            </a:r>
+            <a:endParaRPr lang="en-US" altLang="zh-CN" sz="1775"/>
+          </a:p>
+          <a:p>
+            <a:pPr lvl="2"/>
+            <a:r>
+              <a:rPr lang="en-US" altLang="zh-CN" sz="1775"/>
+              <a:t>grpc php composer pkg</a:t>
+            </a:r>
+            <a:endParaRPr lang="en-US" altLang="zh-CN" sz="1775"/>
+          </a:p>
+          <a:p>
+            <a:pPr lvl="2"/>
+            <a:r>
+              <a:rPr lang="en-US" altLang="zh-CN" sz="1775"/>
+              <a:t>grpc_php_plugin</a:t>
+            </a:r>
+            <a:endParaRPr lang="en-US" altLang="zh-CN" sz="1775"/>
+          </a:p>
+          <a:p>
+            <a:pPr lvl="1"/>
+            <a:r>
+              <a:rPr lang="en-US" altLang="zh-CN" sz="2160"/>
+              <a:t>protoc </a:t>
+            </a:r>
+            <a:r>
+              <a:rPr lang="zh-CN" altLang="en-US" sz="1680"/>
+              <a:t>建议使用最新</a:t>
+            </a:r>
+            <a:r>
+              <a:rPr lang="zh-CN" altLang="en-US" sz="1680">
+                <a:sym typeface="+mn-ea"/>
+              </a:rPr>
+              <a:t>稳定</a:t>
+            </a:r>
+            <a:endParaRPr lang="en-US" altLang="zh-CN" sz="2160"/>
+          </a:p>
+          <a:p>
+            <a:pPr lvl="1"/>
+            <a:endParaRPr lang="en-US" altLang="zh-CN" sz="1800"/>
+          </a:p>
+        </p:txBody>
+      </p:sp>
+    </p:spTree>
+  </p:cSld>
+  <p:clrMapOvr>
+    <a:masterClrMapping/>
+  </p:clrMapOvr>
+</p:sld>
+</file>
+
+<file path=ppt/slides/slide15.xml><?xml version="1.0" encoding="utf-8"?>
+<p:sld xmlns:a="http://schemas.openxmlformats.org/drawingml/2006/main" xmlns:r="http://schemas.openxmlformats.org/officeDocument/2006/relationships" xmlns:p="http://schemas.openxmlformats.org/presentationml/2006/main">
+  <p:cSld>
+    <p:spTree>
+      <p:nvGrpSpPr>
+        <p:cNvPr id="1" name=""/>
+        <p:cNvGrpSpPr/>
+        <p:nvPr/>
+      </p:nvGrpSpPr>
+      <p:grpSpPr/>
+      <p:sp>
+        <p:nvSpPr>
+          <p:cNvPr id="2" name="标题 1"/>
+          <p:cNvSpPr>
+            <a:spLocks noGrp="1"/>
+          </p:cNvSpPr>
+          <p:nvPr>
+            <p:ph type="title"/>
+          </p:nvPr>
+        </p:nvSpPr>
+        <p:spPr/>
+        <p:txBody>
           <a:bodyPr>
             <a:normAutofit/>
           </a:bodyPr>
@@ -3765,6 +3835,132 @@
               <a:t>...</a:t>
             </a:r>
             <a:endParaRPr lang="en-US" altLang="zh-CN"/>
+          </a:p>
+        </p:txBody>
+      </p:sp>
+    </p:spTree>
+  </p:cSld>
+  <p:clrMapOvr>
+    <a:masterClrMapping/>
+  </p:clrMapOvr>
+</p:sld>
+</file>
+
+<file path=ppt/slides/slide16.xml><?xml version="1.0" encoding="utf-8"?>
+<p:sld xmlns:a="http://schemas.openxmlformats.org/drawingml/2006/main" xmlns:r="http://schemas.openxmlformats.org/officeDocument/2006/relationships" xmlns:p="http://schemas.openxmlformats.org/presentationml/2006/main">
+  <p:cSld>
+    <p:spTree>
+      <p:nvGrpSpPr>
+        <p:cNvPr id="1" name=""/>
+        <p:cNvGrpSpPr/>
+        <p:nvPr/>
+      </p:nvGrpSpPr>
+      <p:grpSpPr/>
+      <p:sp>
+        <p:nvSpPr>
+          <p:cNvPr id="2" name="标题 1"/>
+          <p:cNvSpPr>
+            <a:spLocks noGrp="1"/>
+          </p:cNvSpPr>
+          <p:nvPr>
+            <p:ph type="title"/>
+          </p:nvPr>
+        </p:nvSpPr>
+        <p:spPr/>
+        <p:txBody>
+          <a:bodyPr/>
+          <a:p>
+            <a:r>
+              <a:rPr lang="en-US" altLang="zh-CN"/>
+              <a:t>reference</a:t>
+            </a:r>
+            <a:endParaRPr lang="en-US" altLang="zh-CN"/>
+          </a:p>
+        </p:txBody>
+      </p:sp>
+      <p:sp>
+        <p:nvSpPr>
+          <p:cNvPr id="3" name="内容占位符 2"/>
+          <p:cNvSpPr>
+            <a:spLocks noGrp="1"/>
+          </p:cNvSpPr>
+          <p:nvPr>
+            <p:ph idx="1"/>
+          </p:nvPr>
+        </p:nvSpPr>
+        <p:spPr/>
+        <p:txBody>
+          <a:bodyPr/>
+          <a:p>
+            <a:r>
+              <a:rPr lang="zh-CN" altLang="en-US" sz="2000"/>
+              <a:t>本期视频相关文件</a:t>
+            </a:r>
+            <a:endParaRPr lang="zh-CN" altLang="en-US" sz="2000"/>
+          </a:p>
+          <a:p>
+            <a:pPr lvl="1"/>
+            <a:r>
+              <a:rPr lang="zh-CN" altLang="en-US" sz="1800"/>
+              <a:t>https://github.com/llaoj/my-share/tree/master/grpc</a:t>
+            </a:r>
+            <a:endParaRPr lang="zh-CN" altLang="en-US" sz="1800"/>
+          </a:p>
+          <a:p>
+            <a:pPr lvl="0"/>
+            <a:r>
+              <a:rPr lang="zh-CN" altLang="en-US" sz="2000"/>
+              <a:t>实例代码</a:t>
+            </a:r>
+            <a:endParaRPr lang="zh-CN" altLang="en-US" sz="2000"/>
+          </a:p>
+          <a:p>
+            <a:pPr lvl="1"/>
+            <a:r>
+              <a:rPr lang="zh-CN" altLang="en-US" sz="1800"/>
+              <a:t>https://github.com/llaoj/grpc-demo</a:t>
+            </a:r>
+            <a:endParaRPr lang="zh-CN" altLang="en-US" sz="1800"/>
+          </a:p>
+          <a:p>
+            <a:pPr lvl="0"/>
+            <a:r>
+              <a:rPr lang="en-US" altLang="zh-CN" sz="2000"/>
+              <a:t>Protobuf </a:t>
+            </a:r>
+            <a:r>
+              <a:rPr lang="zh-CN" altLang="en-US" sz="2000"/>
+              <a:t>文档</a:t>
+            </a:r>
+            <a:endParaRPr lang="zh-CN" altLang="en-US" sz="2000"/>
+          </a:p>
+          <a:p>
+            <a:pPr lvl="1"/>
+            <a:r>
+              <a:rPr lang="zh-CN" altLang="en-US" sz="1800"/>
+              <a:t>https://developers.google.com/protocol-buffers/docs/overview</a:t>
+            </a:r>
+            <a:endParaRPr lang="zh-CN" altLang="en-US" sz="1800"/>
+          </a:p>
+          <a:p>
+            <a:pPr lvl="0"/>
+            <a:r>
+              <a:rPr lang="en-US" altLang="zh-CN" sz="2000"/>
+              <a:t>gRPC </a:t>
+            </a:r>
+            <a:r>
+              <a:rPr lang="zh-CN" altLang="en-US" sz="2000"/>
+              <a:t>文档</a:t>
+            </a:r>
+            <a:endParaRPr lang="zh-CN" altLang="en-US" sz="2000"/>
+          </a:p>
+          <a:p>
+            <a:pPr lvl="1"/>
+            <a:r>
+              <a:rPr lang="zh-CN" altLang="en-US" sz="1800"/>
+              <a:t>https://grpc.io/docs/what-is-grpc/introduction/</a:t>
+            </a:r>
+            <a:endParaRPr lang="zh-CN" altLang="en-US" sz="1800"/>
           </a:p>
         </p:txBody>
       </p:sp>
@@ -4056,108 +4252,6 @@
           <a:bodyPr/>
           <a:p>
             <a:r>
-              <a:rPr lang="zh-CN" altLang="en-US"/>
-              <a:t>protocol buffers</a:t>
-            </a:r>
-            <a:endParaRPr lang="zh-CN" altLang="en-US"/>
-          </a:p>
-        </p:txBody>
-      </p:sp>
-      <p:sp>
-        <p:nvSpPr>
-          <p:cNvPr id="3" name="内容占位符 2"/>
-          <p:cNvSpPr>
-            <a:spLocks noGrp="1"/>
-          </p:cNvSpPr>
-          <p:nvPr>
-            <p:ph idx="1"/>
-          </p:nvPr>
-        </p:nvSpPr>
-        <p:spPr/>
-        <p:txBody>
-          <a:bodyPr/>
-          <a:p>
-            <a:r>
-              <a:rPr lang="en-US" altLang="zh-CN"/>
-              <a:t>gRPC's</a:t>
-            </a:r>
-            <a:endParaRPr lang="en-US" altLang="zh-CN"/>
-          </a:p>
-          <a:p>
-            <a:pPr lvl="1"/>
-            <a:r>
-              <a:rPr lang="zh-CN" altLang="en-US">
-                <a:solidFill>
-                  <a:srgbClr val="FF0000"/>
-                </a:solidFill>
-              </a:rPr>
-              <a:t>IDL</a:t>
-            </a:r>
-            <a:r>
-              <a:rPr lang="en-US" altLang="zh-CN"/>
-              <a:t>(Interface Definition Language)</a:t>
-            </a:r>
-            <a:endParaRPr lang="en-US" altLang="zh-CN"/>
-          </a:p>
-          <a:p>
-            <a:pPr lvl="1"/>
-            <a:r>
-              <a:rPr lang="zh-CN" altLang="en-US"/>
-              <a:t>基础消息交换格式</a:t>
-            </a:r>
-            <a:endParaRPr lang="zh-CN" altLang="en-US"/>
-          </a:p>
-          <a:p>
-            <a:pPr lvl="1"/>
-            <a:r>
-              <a:rPr lang="zh-CN" altLang="en-US"/>
-              <a:t>推荐</a:t>
-            </a:r>
-            <a:r>
-              <a:rPr lang="zh-CN" altLang="en-US"/>
-              <a:t>用</a:t>
-            </a:r>
-            <a:r>
-              <a:rPr lang="en-US" altLang="zh-CN"/>
-              <a:t>proto3</a:t>
-            </a:r>
-            <a:endParaRPr lang="en-US" altLang="zh-CN"/>
-          </a:p>
-        </p:txBody>
-      </p:sp>
-    </p:spTree>
-  </p:cSld>
-  <p:clrMapOvr>
-    <a:masterClrMapping/>
-  </p:clrMapOvr>
-</p:sld>
-</file>
-
-<file path=ppt/slides/slide4.xml><?xml version="1.0" encoding="utf-8"?>
-<p:sld xmlns:a="http://schemas.openxmlformats.org/drawingml/2006/main" xmlns:r="http://schemas.openxmlformats.org/officeDocument/2006/relationships" xmlns:p="http://schemas.openxmlformats.org/presentationml/2006/main">
-  <p:cSld>
-    <p:spTree>
-      <p:nvGrpSpPr>
-        <p:cNvPr id="1" name=""/>
-        <p:cNvGrpSpPr/>
-        <p:nvPr/>
-      </p:nvGrpSpPr>
-      <p:grpSpPr/>
-      <p:sp>
-        <p:nvSpPr>
-          <p:cNvPr id="2" name="标题 1"/>
-          <p:cNvSpPr>
-            <a:spLocks noGrp="1"/>
-          </p:cNvSpPr>
-          <p:nvPr>
-            <p:ph type="title"/>
-          </p:nvPr>
-        </p:nvSpPr>
-        <p:spPr/>
-        <p:txBody>
-          <a:bodyPr/>
-          <a:p>
-            <a:r>
               <a:rPr lang="en-US" altLang="zh-CN"/>
               <a:t>gRPC</a:t>
             </a:r>
@@ -4223,6 +4317,136 @@
 </p:sld>
 </file>
 
+<file path=ppt/slides/slide4.xml><?xml version="1.0" encoding="utf-8"?>
+<p:sld xmlns:a="http://schemas.openxmlformats.org/drawingml/2006/main" xmlns:r="http://schemas.openxmlformats.org/officeDocument/2006/relationships" xmlns:p="http://schemas.openxmlformats.org/presentationml/2006/main">
+  <p:cSld>
+    <p:spTree>
+      <p:nvGrpSpPr>
+        <p:cNvPr id="1" name=""/>
+        <p:cNvGrpSpPr/>
+        <p:nvPr/>
+      </p:nvGrpSpPr>
+      <p:grpSpPr/>
+      <p:sp>
+        <p:nvSpPr>
+          <p:cNvPr id="2" name="标题 1"/>
+          <p:cNvSpPr>
+            <a:spLocks noGrp="1"/>
+          </p:cNvSpPr>
+          <p:nvPr>
+            <p:ph type="title"/>
+          </p:nvPr>
+        </p:nvSpPr>
+        <p:spPr/>
+        <p:txBody>
+          <a:bodyPr/>
+          <a:p>
+            <a:r>
+              <a:rPr lang="zh-CN" altLang="en-US"/>
+              <a:t>protocol buffers</a:t>
+            </a:r>
+            <a:endParaRPr lang="zh-CN" altLang="en-US"/>
+          </a:p>
+        </p:txBody>
+      </p:sp>
+      <p:sp>
+        <p:nvSpPr>
+          <p:cNvPr id="3" name="内容占位符 2"/>
+          <p:cNvSpPr>
+            <a:spLocks noGrp="1"/>
+          </p:cNvSpPr>
+          <p:nvPr>
+            <p:ph idx="1"/>
+          </p:nvPr>
+        </p:nvSpPr>
+        <p:spPr/>
+        <p:txBody>
+          <a:bodyPr/>
+          <a:p>
+            <a:r>
+              <a:rPr lang="en-US" altLang="zh-CN"/>
+              <a:t>gRPC's</a:t>
+            </a:r>
+            <a:endParaRPr lang="en-US" altLang="zh-CN"/>
+          </a:p>
+          <a:p>
+            <a:pPr lvl="1"/>
+            <a:r>
+              <a:rPr lang="zh-CN" altLang="en-US">
+                <a:solidFill>
+                  <a:srgbClr val="FF0000"/>
+                </a:solidFill>
+              </a:rPr>
+              <a:t>IDL</a:t>
+            </a:r>
+            <a:r>
+              <a:rPr lang="en-US" altLang="zh-CN"/>
+              <a:t>(Interface Definition Language)</a:t>
+            </a:r>
+            <a:endParaRPr lang="en-US" altLang="zh-CN"/>
+          </a:p>
+          <a:p>
+            <a:pPr lvl="1"/>
+            <a:r>
+              <a:rPr lang="zh-CN" altLang="en-US"/>
+              <a:t>基础消息交换格式</a:t>
+            </a:r>
+            <a:endParaRPr lang="zh-CN" altLang="en-US"/>
+          </a:p>
+          <a:p>
+            <a:pPr lvl="1"/>
+            <a:r>
+              <a:rPr lang="zh-CN" altLang="en-US"/>
+              <a:t>推荐</a:t>
+            </a:r>
+            <a:r>
+              <a:rPr lang="zh-CN" altLang="en-US"/>
+              <a:t>用</a:t>
+            </a:r>
+            <a:r>
+              <a:rPr lang="en-US" altLang="zh-CN"/>
+              <a:t>proto3</a:t>
+            </a:r>
+            <a:endParaRPr lang="en-US" altLang="zh-CN"/>
+          </a:p>
+          <a:p>
+            <a:pPr lvl="1"/>
+            <a:endParaRPr lang="en-US" altLang="zh-CN"/>
+          </a:p>
+          <a:p>
+            <a:pPr lvl="0"/>
+            <a:r>
+              <a:rPr lang="zh-CN" altLang="en-US"/>
+              <a:t>关于语法</a:t>
+            </a:r>
+            <a:r>
+              <a:rPr lang="en-US" altLang="zh-CN"/>
+              <a:t>, </a:t>
+            </a:r>
+            <a:r>
+              <a:rPr lang="zh-CN" altLang="en-US"/>
+              <a:t>我整理了一个</a:t>
+            </a:r>
+            <a:r>
+              <a:rPr lang="en-US" altLang="zh-CN"/>
+              <a:t>md</a:t>
+            </a:r>
+            <a:r>
+              <a:rPr lang="zh-CN" altLang="en-US"/>
+              <a:t>文件</a:t>
+            </a:r>
+            <a:endParaRPr lang="zh-CN" altLang="en-US"/>
+          </a:p>
+        </p:txBody>
+      </p:sp>
+    </p:spTree>
+  </p:cSld>
+  <p:clrMapOvr>
+    <a:masterClrMapping/>
+  </p:clrMapOvr>
+</p:sld>
+</file>
+
 <file path=ppt/slides/slide5.xml><?xml version="1.0" encoding="utf-8"?>
 <p:sld xmlns:a="http://schemas.openxmlformats.org/drawingml/2006/main" xmlns:r="http://schemas.openxmlformats.org/officeDocument/2006/relationships" xmlns:p="http://schemas.openxmlformats.org/presentationml/2006/main">
   <p:cSld>
@@ -4645,16 +4869,48 @@
             <p:ph type="title"/>
           </p:nvPr>
         </p:nvSpPr>
-        <p:spPr>
-          <a:xfrm>
-            <a:off x="838200" y="2766060"/>
-            <a:ext cx="10515600" cy="1325563"/>
-          </a:xfrm>
-        </p:spPr>
-        <p:txBody>
-          <a:bodyPr/>
-          <a:p>
-            <a:pPr algn="ctr"/>
+        <p:spPr/>
+        <p:txBody>
+          <a:bodyPr/>
+          <a:p>
+            <a:r>
+              <a:rPr lang="en-US" altLang="zh-CN"/>
+              <a:t>Next</a:t>
+            </a:r>
+            <a:r>
+              <a:rPr lang="en-US" altLang="zh-CN"/>
+              <a:t>, </a:t>
+            </a:r>
+            <a:r>
+              <a:rPr lang="zh-CN" altLang="en-US"/>
+              <a:t>通过实例</a:t>
+            </a:r>
+            <a:r>
+              <a:rPr lang="zh-CN" altLang="en-US"/>
+              <a:t>深入</a:t>
+            </a:r>
+            <a:r>
+              <a:rPr lang="en-US" altLang="zh-CN"/>
+              <a:t>...</a:t>
+            </a:r>
+            <a:endParaRPr lang="en-US" altLang="zh-CN"/>
+          </a:p>
+        </p:txBody>
+      </p:sp>
+      <p:sp>
+        <p:nvSpPr>
+          <p:cNvPr id="3" name="内容占位符 2"/>
+          <p:cNvSpPr>
+            <a:spLocks noGrp="1"/>
+          </p:cNvSpPr>
+          <p:nvPr>
+            <p:ph idx="1"/>
+          </p:nvPr>
+        </p:nvSpPr>
+        <p:spPr/>
+        <p:txBody>
+          <a:bodyPr/>
+          <a:p>
             <a:r>
               <a:rPr lang="en-US" altLang="zh-CN"/>
               <a:t>proto </a:t>
@@ -4662,6 +4918,28 @@
             <a:r>
               <a:rPr lang="zh-CN" altLang="en-US"/>
               <a:t>文件定义</a:t>
+            </a:r>
+            <a:endParaRPr lang="zh-CN" altLang="en-US"/>
+          </a:p>
+          <a:p>
+            <a:r>
+              <a:rPr lang="en-US" altLang="zh-CN"/>
+              <a:t>gRPC server </a:t>
+            </a:r>
+            <a:r>
+              <a:rPr lang="zh-CN" altLang="en-US"/>
+              <a:t>实现</a:t>
+            </a:r>
+            <a:endParaRPr lang="zh-CN" altLang="en-US"/>
+          </a:p>
+          <a:p>
+            <a:r>
+              <a:rPr lang="en-US" altLang="zh-CN"/>
+              <a:t>gRPC client </a:t>
+            </a:r>
+            <a:r>
+              <a:rPr lang="zh-CN" altLang="en-US"/>
+              <a:t>实现</a:t>
             </a:r>
             <a:endParaRPr lang="zh-CN" altLang="en-US"/>
           </a:p>
@@ -4695,71 +4973,25 @@
             <p:ph type="title"/>
           </p:nvPr>
         </p:nvSpPr>
-        <p:spPr/>
-        <p:txBody>
-          <a:bodyPr/>
-          <a:p>
+        <p:spPr>
+          <a:xfrm>
+            <a:off x="838200" y="2766060"/>
+            <a:ext cx="10515600" cy="1325563"/>
+          </a:xfrm>
+        </p:spPr>
+        <p:txBody>
+          <a:bodyPr/>
+          <a:p>
+            <a:pPr algn="ctr"/>
+            <a:r>
+              <a:rPr lang="en-US" altLang="zh-CN"/>
+              <a:t>proto </a:t>
+            </a:r>
             <a:r>
               <a:rPr lang="zh-CN" altLang="en-US"/>
-              <a:t>服务</a:t>
-            </a:r>
-            <a:r>
-              <a:rPr lang="zh-CN" altLang="en-US"/>
-              <a:t>定义</a:t>
-            </a:r>
-            <a:endParaRPr lang="zh-CN" altLang="en-US"/>
-          </a:p>
-        </p:txBody>
-      </p:sp>
-      <p:sp>
-        <p:nvSpPr>
-          <p:cNvPr id="3" name="内容占位符 2"/>
-          <p:cNvSpPr>
-            <a:spLocks noGrp="1"/>
-          </p:cNvSpPr>
-          <p:nvPr>
-            <p:ph idx="1"/>
-          </p:nvPr>
-        </p:nvSpPr>
-        <p:spPr/>
-        <p:txBody>
-          <a:bodyPr/>
-          <a:p>
-            <a:r>
-              <a:rPr lang="zh-CN" altLang="en-US"/>
-              <a:t>https://developers.google.com/protocol-buffers/docs/overview</a:t>
-            </a:r>
-            <a:endParaRPr lang="zh-CN" altLang="en-US"/>
-          </a:p>
-          <a:p>
-            <a:pPr lvl="1"/>
-            <a:r>
-              <a:rPr lang="zh-CN" altLang="en-US"/>
-              <a:t>定义 </a:t>
-            </a:r>
-            <a:r>
-              <a:rPr lang="en-US" altLang="zh-CN"/>
-              <a:t>message</a:t>
-            </a:r>
-            <a:endParaRPr lang="en-US" altLang="zh-CN"/>
-          </a:p>
-          <a:p>
-            <a:pPr lvl="1"/>
-            <a:r>
-              <a:rPr lang="zh-CN" altLang="en-US"/>
-              <a:t>定义 </a:t>
-            </a:r>
-            <a:r>
-              <a:rPr lang="en-US" altLang="zh-CN"/>
-              <a:t>service -&gt; method</a:t>
-            </a:r>
-            <a:endParaRPr lang="en-US" altLang="zh-CN"/>
-          </a:p>
-          <a:p>
-            <a:pPr marL="0" indent="0">
-              <a:buNone/>
-            </a:pPr>
-            <a:endParaRPr lang="en-US" altLang="zh-CN"/>
+              <a:t>文件定义</a:t>
+            </a:r>
+            <a:endParaRPr lang="zh-CN" altLang="en-US"/>
           </a:p>
         </p:txBody>
       </p:sp>
@@ -4791,25 +5023,64 @@
             <p:ph type="title"/>
           </p:nvPr>
         </p:nvSpPr>
-        <p:spPr>
-          <a:xfrm>
-            <a:off x="838200" y="2766060"/>
-            <a:ext cx="10515600" cy="1325563"/>
-          </a:xfrm>
-        </p:spPr>
-        <p:txBody>
-          <a:bodyPr/>
-          <a:p>
-            <a:pPr algn="ctr"/>
+        <p:spPr/>
+        <p:txBody>
+          <a:bodyPr/>
+          <a:p>
+            <a:r>
+              <a:rPr lang="zh-CN" altLang="en-US"/>
+              <a:t>定义</a:t>
+            </a:r>
+            <a:endParaRPr lang="zh-CN" altLang="en-US"/>
+          </a:p>
+        </p:txBody>
+      </p:sp>
+      <p:sp>
+        <p:nvSpPr>
+          <p:cNvPr id="3" name="内容占位符 2"/>
+          <p:cNvSpPr>
+            <a:spLocks noGrp="1"/>
+          </p:cNvSpPr>
+          <p:nvPr>
+            <p:ph idx="1"/>
+          </p:nvPr>
+        </p:nvSpPr>
+        <p:spPr/>
+        <p:txBody>
+          <a:bodyPr/>
+          <a:p>
+            <a:pPr lvl="0"/>
             <a:r>
               <a:rPr lang="en-US" altLang="zh-CN"/>
-              <a:t>gRPC server </a:t>
-            </a:r>
-            <a:r>
-              <a:rPr lang="zh-CN" altLang="en-US"/>
-              <a:t>的实现</a:t>
-            </a:r>
-            <a:endParaRPr lang="zh-CN" altLang="en-US"/>
+              <a:t>message</a:t>
+            </a:r>
+            <a:endParaRPr lang="en-US" altLang="zh-CN"/>
+          </a:p>
+          <a:p>
+            <a:pPr lvl="0"/>
+            <a:r>
+              <a:rPr lang="en-US" altLang="zh-CN"/>
+              <a:t>service -&gt; method</a:t>
+            </a:r>
+            <a:endParaRPr lang="en-US" altLang="zh-CN"/>
+          </a:p>
+          <a:p>
+            <a:pPr lvl="1"/>
+            <a:r>
+              <a:rPr lang="en-US" altLang="zh-CN" sz="2400"/>
+              <a:t>4 </a:t>
+            </a:r>
+            <a:r>
+              <a:rPr lang="zh-CN" altLang="en-US" sz="2400"/>
+              <a:t>种</a:t>
+            </a:r>
+            <a:endParaRPr lang="en-US" altLang="zh-CN"/>
+          </a:p>
+          <a:p>
+            <a:pPr marL="0" indent="0">
+              <a:buNone/>
+            </a:pPr>
+            <a:endParaRPr lang="en-US" altLang="zh-CN"/>
           </a:p>
         </p:txBody>
       </p:sp>

--- a/grpc/index.pptx
+++ b/grpc/index.pptx
@@ -6,21 +6,16 @@
   </p:sldMasterIdLst>
   <p:sldIdLst>
     <p:sldId id="256" r:id="rId3"/>
-    <p:sldId id="288" r:id="rId4"/>
-    <p:sldId id="257" r:id="rId5"/>
-    <p:sldId id="264" r:id="rId6"/>
-    <p:sldId id="258" r:id="rId7"/>
-    <p:sldId id="272" r:id="rId8"/>
-    <p:sldId id="301" r:id="rId9"/>
-    <p:sldId id="261" r:id="rId10"/>
-    <p:sldId id="281" r:id="rId11"/>
-    <p:sldId id="279" r:id="rId12"/>
-    <p:sldId id="259" r:id="rId13"/>
-    <p:sldId id="262" r:id="rId14"/>
-    <p:sldId id="260" r:id="rId15"/>
-    <p:sldId id="263" r:id="rId16"/>
-    <p:sldId id="271" r:id="rId17"/>
-    <p:sldId id="302" r:id="rId18"/>
+    <p:sldId id="312" r:id="rId4"/>
+    <p:sldId id="301" r:id="rId5"/>
+    <p:sldId id="261" r:id="rId6"/>
+    <p:sldId id="279" r:id="rId7"/>
+    <p:sldId id="259" r:id="rId8"/>
+    <p:sldId id="262" r:id="rId9"/>
+    <p:sldId id="260" r:id="rId10"/>
+    <p:sldId id="263" r:id="rId11"/>
+    <p:sldId id="271" r:id="rId12"/>
+    <p:sldId id="302" r:id="rId13"/>
   </p:sldIdLst>
   <p:sldSz cx="12192000" cy="6858000"/>
   <p:notesSz cx="6858000" cy="9144000"/>
@@ -3114,25 +3109,64 @@
             <p:ph type="title"/>
           </p:nvPr>
         </p:nvSpPr>
-        <p:spPr>
-          <a:xfrm>
-            <a:off x="838200" y="2766060"/>
-            <a:ext cx="10515600" cy="1325563"/>
-          </a:xfrm>
-        </p:spPr>
-        <p:txBody>
-          <a:bodyPr/>
-          <a:p>
-            <a:pPr algn="ctr"/>
+        <p:spPr/>
+        <p:txBody>
+          <a:bodyPr>
+            <a:normAutofit/>
+          </a:bodyPr>
+          <a:p>
+            <a:r>
+              <a:rPr lang="zh-CN" altLang="en-US"/>
+              <a:t>继续深入</a:t>
+            </a:r>
             <a:r>
               <a:rPr lang="en-US" altLang="zh-CN"/>
-              <a:t>gRPC server </a:t>
-            </a:r>
+              <a:t>...</a:t>
+            </a:r>
+            <a:endParaRPr lang="en-US" altLang="zh-CN"/>
+          </a:p>
+        </p:txBody>
+      </p:sp>
+      <p:sp>
+        <p:nvSpPr>
+          <p:cNvPr id="3" name="内容占位符 2"/>
+          <p:cNvSpPr>
+            <a:spLocks noGrp="1"/>
+          </p:cNvSpPr>
+          <p:nvPr>
+            <p:ph idx="1"/>
+          </p:nvPr>
+        </p:nvSpPr>
+        <p:spPr/>
+        <p:txBody>
+          <a:bodyPr/>
+          <a:p>
             <a:r>
               <a:rPr lang="zh-CN" altLang="en-US"/>
-              <a:t>的实现</a:t>
-            </a:r>
-            <a:endParaRPr lang="zh-CN" altLang="en-US"/>
+              <a:t>Authentication</a:t>
+            </a:r>
+            <a:endParaRPr lang="zh-CN" altLang="en-US"/>
+          </a:p>
+          <a:p>
+            <a:r>
+              <a:rPr lang="zh-CN" altLang="en-US"/>
+              <a:t>Error Handling</a:t>
+            </a:r>
+            <a:endParaRPr lang="zh-CN" altLang="en-US"/>
+          </a:p>
+          <a:p>
+            <a:r>
+              <a:rPr lang="zh-CN" altLang="en-US"/>
+              <a:t>Benchmarking</a:t>
+            </a:r>
+            <a:endParaRPr lang="zh-CN" altLang="en-US"/>
+          </a:p>
+          <a:p>
+            <a:r>
+              <a:rPr lang="en-US" altLang="zh-CN"/>
+              <a:t>...</a:t>
+            </a:r>
+            <a:endParaRPr lang="en-US" altLang="zh-CN"/>
           </a:p>
         </p:txBody>
       </p:sp>
@@ -3170,7 +3204,7 @@
           <a:p>
             <a:r>
               <a:rPr lang="en-US" altLang="zh-CN"/>
-              <a:t>gRPC server</a:t>
+              <a:t>reference</a:t>
             </a:r>
             <a:endParaRPr lang="en-US" altLang="zh-CN"/>
           </a:p>
@@ -3190,109 +3224,345 @@
         <p:txBody>
           <a:bodyPr/>
           <a:p>
+            <a:r>
+              <a:rPr lang="zh-CN" altLang="en-US" sz="2000"/>
+              <a:t>本期视频相关文件</a:t>
+            </a:r>
+            <a:endParaRPr lang="zh-CN" altLang="en-US" sz="2000"/>
+          </a:p>
+          <a:p>
+            <a:pPr lvl="1"/>
+            <a:r>
+              <a:rPr lang="zh-CN" altLang="en-US" sz="1800"/>
+              <a:t>https://github.com/llaoj/my-share/tree/master/grpc</a:t>
+            </a:r>
+            <a:endParaRPr lang="zh-CN" altLang="en-US" sz="1800"/>
+          </a:p>
+          <a:p>
             <a:pPr lvl="0"/>
             <a:r>
-              <a:rPr lang="en-US" altLang="zh-CN">
-                <a:solidFill>
-                  <a:srgbClr val="FF0000"/>
-                </a:solidFill>
-              </a:rPr>
-              <a:t>grpc.io/docs/languages/go/quickstart</a:t>
+              <a:rPr lang="zh-CN" altLang="en-US" sz="2000"/>
+              <a:t>实例代码</a:t>
+            </a:r>
+            <a:endParaRPr lang="zh-CN" altLang="en-US" sz="2000"/>
+          </a:p>
+          <a:p>
+            <a:pPr lvl="1"/>
+            <a:r>
+              <a:rPr lang="zh-CN" altLang="en-US" sz="1800"/>
+              <a:t>https://github.com/llaoj/grpc-demo</a:t>
             </a:r>
             <a:endParaRPr lang="zh-CN" altLang="en-US" sz="1800"/>
           </a:p>
           <a:p>
+            <a:pPr lvl="0"/>
+            <a:r>
+              <a:rPr lang="en-US" altLang="zh-CN" sz="2000"/>
+              <a:t>Protobuf </a:t>
+            </a:r>
+            <a:r>
+              <a:rPr lang="zh-CN" altLang="en-US" sz="2000"/>
+              <a:t>文档</a:t>
+            </a:r>
+            <a:endParaRPr lang="zh-CN" altLang="en-US" sz="2000"/>
+          </a:p>
+          <a:p>
             <a:pPr lvl="1"/>
             <a:r>
               <a:rPr lang="zh-CN" altLang="en-US" sz="1800"/>
-              <a:t>部署代码生成工具</a:t>
+              <a:t>https://developers.google.com/protocol-buffers/docs/overview</a:t>
             </a:r>
             <a:endParaRPr lang="zh-CN" altLang="en-US" sz="1800"/>
           </a:p>
           <a:p>
-            <a:pPr lvl="2"/>
-            <a:r>
-              <a:rPr lang="en-US" altLang="zh-CN" sz="1600">
-                <a:solidFill>
-                  <a:schemeClr val="bg1">
-                    <a:lumMod val="50000"/>
-                  </a:schemeClr>
-                </a:solidFill>
-              </a:rPr>
-              <a:t>export GO111MODULE=on</a:t>
-            </a:r>
-            <a:endParaRPr lang="en-US" altLang="zh-CN" sz="1600">
-              <a:solidFill>
-                <a:schemeClr val="bg1">
-                  <a:lumMod val="50000"/>
-                </a:schemeClr>
-              </a:solidFill>
-            </a:endParaRPr>
-          </a:p>
-          <a:p>
-            <a:pPr lvl="2"/>
-            <a:r>
-              <a:rPr lang="zh-CN" altLang="en-US" sz="1600">
-                <a:solidFill>
-                  <a:schemeClr val="bg1">
-                    <a:lumMod val="50000"/>
-                  </a:schemeClr>
-                </a:solidFill>
-              </a:rPr>
-              <a:t>设置环境变量 GOPATH</a:t>
-            </a:r>
-            <a:r>
-              <a:rPr lang="en-US" altLang="zh-CN" sz="1600">
-                <a:solidFill>
-                  <a:schemeClr val="bg1">
-                    <a:lumMod val="50000"/>
-                  </a:schemeClr>
-                </a:solidFill>
-              </a:rPr>
-              <a:t>/bin</a:t>
-            </a:r>
-            <a:endParaRPr lang="en-US" altLang="zh-CN" sz="1600">
-              <a:solidFill>
-                <a:schemeClr val="bg1">
-                  <a:lumMod val="50000"/>
-                </a:schemeClr>
-              </a:solidFill>
-            </a:endParaRPr>
-          </a:p>
-          <a:p>
-            <a:pPr lvl="2" algn="l">
-              <a:buClrTx/>
-              <a:buSzTx/>
-            </a:pPr>
-            <a:r>
-              <a:rPr lang="zh-CN" altLang="en-US" sz="1600" b="1">
-                <a:sym typeface="+mn-ea"/>
-              </a:rPr>
-              <a:t>go get github.com/golang/protobuf/protoc-gen-go</a:t>
-            </a:r>
-            <a:endParaRPr lang="zh-CN" altLang="en-US" sz="1600" b="1"/>
-          </a:p>
-          <a:p>
-            <a:pPr lvl="2"/>
-            <a:r>
-              <a:rPr lang="en-US" altLang="zh-CN" sz="1800" b="1">
-                <a:sym typeface="+mn-ea"/>
-              </a:rPr>
-              <a:t>protoc</a:t>
-            </a:r>
-            <a:endParaRPr lang="en-US" altLang="zh-CN" sz="1800" b="1"/>
-          </a:p>
-          <a:p>
-            <a:pPr lvl="2"/>
-            <a:endParaRPr lang="zh-CN" altLang="en-US" sz="1500"/>
+            <a:pPr lvl="0"/>
+            <a:r>
+              <a:rPr lang="en-US" altLang="zh-CN" sz="2000"/>
+              <a:t>gRPC </a:t>
+            </a:r>
+            <a:r>
+              <a:rPr lang="zh-CN" altLang="en-US" sz="2000"/>
+              <a:t>文档</a:t>
+            </a:r>
+            <a:endParaRPr lang="zh-CN" altLang="en-US" sz="2000"/>
           </a:p>
           <a:p>
             <a:pPr lvl="1"/>
             <a:r>
               <a:rPr lang="zh-CN" altLang="en-US" sz="1800"/>
-              <a:t>编写代码实现服务器接口</a:t>
+              <a:t>https://grpc.io/docs/what-is-grpc/introduction/</a:t>
             </a:r>
             <a:endParaRPr lang="zh-CN" altLang="en-US" sz="1800"/>
+          </a:p>
+        </p:txBody>
+      </p:sp>
+    </p:spTree>
+  </p:cSld>
+  <p:clrMapOvr>
+    <a:masterClrMapping/>
+  </p:clrMapOvr>
+</p:sld>
+</file>
+
+<file path=ppt/slides/slide2.xml><?xml version="1.0" encoding="utf-8"?>
+<p:sld xmlns:a="http://schemas.openxmlformats.org/drawingml/2006/main" xmlns:r="http://schemas.openxmlformats.org/officeDocument/2006/relationships" xmlns:p="http://schemas.openxmlformats.org/presentationml/2006/main">
+  <p:cSld>
+    <p:spTree>
+      <p:nvGrpSpPr>
+        <p:cNvPr id="1" name=""/>
+        <p:cNvGrpSpPr/>
+        <p:nvPr/>
+      </p:nvGrpSpPr>
+      <p:grpSpPr/>
+      <p:sp>
+        <p:nvSpPr>
+          <p:cNvPr id="2" name="标题 1"/>
+          <p:cNvSpPr>
+            <a:spLocks noGrp="1"/>
+          </p:cNvSpPr>
+          <p:nvPr>
+            <p:ph type="title"/>
+          </p:nvPr>
+        </p:nvSpPr>
+        <p:spPr/>
+        <p:txBody>
+          <a:bodyPr/>
+          <a:p>
+            <a:r>
+              <a:rPr lang="zh-CN" altLang="en-US"/>
+              <a:t>先介绍一下</a:t>
+            </a:r>
+            <a:r>
+              <a:rPr lang="en-US" altLang="zh-CN"/>
+              <a:t>gRPC</a:t>
+            </a:r>
+            <a:endParaRPr lang="en-US" altLang="zh-CN"/>
+          </a:p>
+        </p:txBody>
+      </p:sp>
+      <p:sp>
+        <p:nvSpPr>
+          <p:cNvPr id="3" name="内容占位符 2"/>
+          <p:cNvSpPr>
+            <a:spLocks noGrp="1"/>
+          </p:cNvSpPr>
+          <p:nvPr>
+            <p:ph idx="1"/>
+          </p:nvPr>
+        </p:nvSpPr>
+        <p:spPr/>
+        <p:txBody>
+          <a:bodyPr/>
+          <a:p>
+            <a:r>
+              <a:rPr lang="en-US" altLang="zh-CN"/>
+              <a:t>grpc.io</a:t>
+            </a:r>
+            <a:endParaRPr lang="en-US" altLang="zh-CN"/>
+          </a:p>
+        </p:txBody>
+      </p:sp>
+    </p:spTree>
+  </p:cSld>
+  <p:clrMapOvr>
+    <a:masterClrMapping/>
+  </p:clrMapOvr>
+</p:sld>
+</file>
+
+<file path=ppt/slides/slide3.xml><?xml version="1.0" encoding="utf-8"?>
+<p:sld xmlns:a="http://schemas.openxmlformats.org/drawingml/2006/main" xmlns:r="http://schemas.openxmlformats.org/officeDocument/2006/relationships" xmlns:p="http://schemas.openxmlformats.org/presentationml/2006/main">
+  <p:cSld>
+    <p:spTree>
+      <p:nvGrpSpPr>
+        <p:cNvPr id="1" name=""/>
+        <p:cNvGrpSpPr/>
+        <p:nvPr/>
+      </p:nvGrpSpPr>
+      <p:grpSpPr/>
+      <p:sp>
+        <p:nvSpPr>
+          <p:cNvPr id="2" name="标题 1"/>
+          <p:cNvSpPr>
+            <a:spLocks noGrp="1"/>
+          </p:cNvSpPr>
+          <p:nvPr>
+            <p:ph type="title"/>
+          </p:nvPr>
+        </p:nvSpPr>
+        <p:spPr/>
+        <p:txBody>
+          <a:bodyPr/>
+          <a:p>
+            <a:r>
+              <a:rPr lang="en-US" altLang="zh-CN"/>
+              <a:t>Next</a:t>
+            </a:r>
+            <a:r>
+              <a:rPr lang="en-US" altLang="zh-CN"/>
+              <a:t>, </a:t>
+            </a:r>
+            <a:r>
+              <a:rPr lang="zh-CN" altLang="en-US"/>
+              <a:t>通过实例</a:t>
+            </a:r>
+            <a:r>
+              <a:rPr lang="zh-CN" altLang="en-US"/>
+              <a:t>深入</a:t>
+            </a:r>
+            <a:r>
+              <a:rPr lang="en-US" altLang="zh-CN"/>
+              <a:t>...</a:t>
+            </a:r>
+            <a:endParaRPr lang="en-US" altLang="zh-CN"/>
+          </a:p>
+        </p:txBody>
+      </p:sp>
+      <p:sp>
+        <p:nvSpPr>
+          <p:cNvPr id="3" name="内容占位符 2"/>
+          <p:cNvSpPr>
+            <a:spLocks noGrp="1"/>
+          </p:cNvSpPr>
+          <p:nvPr>
+            <p:ph idx="1"/>
+          </p:nvPr>
+        </p:nvSpPr>
+        <p:spPr/>
+        <p:txBody>
+          <a:bodyPr/>
+          <a:p>
+            <a:r>
+              <a:rPr lang="en-US" altLang="zh-CN"/>
+              <a:t>proto </a:t>
+            </a:r>
+            <a:r>
+              <a:rPr lang="zh-CN" altLang="en-US"/>
+              <a:t>文件定义</a:t>
+            </a:r>
+            <a:endParaRPr lang="zh-CN" altLang="en-US"/>
+          </a:p>
+          <a:p>
+            <a:r>
+              <a:rPr lang="en-US" altLang="zh-CN"/>
+              <a:t>gRPC server </a:t>
+            </a:r>
+            <a:r>
+              <a:rPr lang="zh-CN" altLang="en-US"/>
+              <a:t>实现</a:t>
+            </a:r>
+            <a:endParaRPr lang="zh-CN" altLang="en-US"/>
+          </a:p>
+          <a:p>
+            <a:r>
+              <a:rPr lang="en-US" altLang="zh-CN"/>
+              <a:t>gRPC client </a:t>
+            </a:r>
+            <a:r>
+              <a:rPr lang="zh-CN" altLang="en-US"/>
+              <a:t>实现</a:t>
+            </a:r>
+            <a:endParaRPr lang="zh-CN" altLang="en-US"/>
+          </a:p>
+        </p:txBody>
+      </p:sp>
+    </p:spTree>
+  </p:cSld>
+  <p:clrMapOvr>
+    <a:masterClrMapping/>
+  </p:clrMapOvr>
+</p:sld>
+</file>
+
+<file path=ppt/slides/slide4.xml><?xml version="1.0" encoding="utf-8"?>
+<p:sld xmlns:a="http://schemas.openxmlformats.org/drawingml/2006/main" xmlns:r="http://schemas.openxmlformats.org/officeDocument/2006/relationships" xmlns:p="http://schemas.openxmlformats.org/presentationml/2006/main">
+  <p:cSld>
+    <p:spTree>
+      <p:nvGrpSpPr>
+        <p:cNvPr id="1" name=""/>
+        <p:cNvGrpSpPr/>
+        <p:nvPr/>
+      </p:nvGrpSpPr>
+      <p:grpSpPr/>
+      <p:sp>
+        <p:nvSpPr>
+          <p:cNvPr id="2" name="标题 1"/>
+          <p:cNvSpPr>
+            <a:spLocks noGrp="1"/>
+          </p:cNvSpPr>
+          <p:nvPr>
+            <p:ph type="title"/>
+          </p:nvPr>
+        </p:nvSpPr>
+        <p:spPr>
+          <a:xfrm>
+            <a:off x="838200" y="2766060"/>
+            <a:ext cx="10515600" cy="1325563"/>
+          </a:xfrm>
+        </p:spPr>
+        <p:txBody>
+          <a:bodyPr/>
+          <a:p>
+            <a:pPr algn="ctr"/>
+            <a:r>
+              <a:rPr lang="en-US" altLang="zh-CN"/>
+              <a:t>proto </a:t>
+            </a:r>
+            <a:r>
+              <a:rPr lang="zh-CN" altLang="en-US"/>
+              <a:t>文件定义</a:t>
+            </a:r>
+            <a:endParaRPr lang="zh-CN" altLang="en-US"/>
+          </a:p>
+        </p:txBody>
+      </p:sp>
+    </p:spTree>
+  </p:cSld>
+  <p:clrMapOvr>
+    <a:masterClrMapping/>
+  </p:clrMapOvr>
+</p:sld>
+</file>
+
+<file path=ppt/slides/slide5.xml><?xml version="1.0" encoding="utf-8"?>
+<p:sld xmlns:a="http://schemas.openxmlformats.org/drawingml/2006/main" xmlns:r="http://schemas.openxmlformats.org/officeDocument/2006/relationships" xmlns:p="http://schemas.openxmlformats.org/presentationml/2006/main">
+  <p:cSld>
+    <p:spTree>
+      <p:nvGrpSpPr>
+        <p:cNvPr id="1" name=""/>
+        <p:cNvGrpSpPr/>
+        <p:nvPr/>
+      </p:nvGrpSpPr>
+      <p:grpSpPr/>
+      <p:sp>
+        <p:nvSpPr>
+          <p:cNvPr id="2" name="标题 1"/>
+          <p:cNvSpPr>
+            <a:spLocks noGrp="1"/>
+          </p:cNvSpPr>
+          <p:nvPr>
+            <p:ph type="title"/>
+          </p:nvPr>
+        </p:nvSpPr>
+        <p:spPr>
+          <a:xfrm>
+            <a:off x="838200" y="2766060"/>
+            <a:ext cx="10515600" cy="1325563"/>
+          </a:xfrm>
+        </p:spPr>
+        <p:txBody>
+          <a:bodyPr/>
+          <a:p>
+            <a:pPr algn="ctr"/>
+            <a:r>
+              <a:rPr lang="en-US" altLang="zh-CN"/>
+              <a:t>gRPC server </a:t>
+            </a:r>
+            <a:r>
+              <a:rPr lang="zh-CN" altLang="en-US"/>
+              <a:t>的实现</a:t>
+            </a:r>
+            <a:endParaRPr lang="zh-CN" altLang="en-US"/>
           </a:p>
         </p:txBody>
       </p:sp>
@@ -3342,7 +3612,7 @@
 </p:sld>
 </file>
 
-<file path=ppt/slides/slide12.xml><?xml version="1.0" encoding="utf-8"?>
+<file path=ppt/slides/slide6.xml><?xml version="1.0" encoding="utf-8"?>
 <p:sld xmlns:a="http://schemas.openxmlformats.org/drawingml/2006/main" xmlns:r="http://schemas.openxmlformats.org/officeDocument/2006/relationships" xmlns:p="http://schemas.openxmlformats.org/presentationml/2006/main">
   <p:cSld>
     <p:spTree>
@@ -3362,29 +3632,135 @@
             <p:ph type="title"/>
           </p:nvPr>
         </p:nvSpPr>
-        <p:spPr>
-          <a:xfrm>
-            <a:off x="838200" y="2766060"/>
-            <a:ext cx="10515600" cy="1325563"/>
-          </a:xfrm>
-        </p:spPr>
-        <p:txBody>
-          <a:bodyPr/>
-          <a:p>
-            <a:pPr algn="ctr"/>
+        <p:spPr/>
+        <p:txBody>
+          <a:bodyPr/>
+          <a:p>
             <a:r>
               <a:rPr lang="en-US" altLang="zh-CN"/>
-              <a:t>gRPC client</a:t>
-            </a:r>
-            <a:r>
-              <a:rPr lang="en-US" altLang="zh-CN"/>
-              <a:t> </a:t>
-            </a:r>
-            <a:r>
-              <a:rPr lang="zh-CN" altLang="en-US"/>
-              <a:t>的实现</a:t>
-            </a:r>
-            <a:endParaRPr lang="zh-CN" altLang="en-US"/>
+              <a:t>gRPC server</a:t>
+            </a:r>
+            <a:endParaRPr lang="en-US" altLang="zh-CN"/>
+          </a:p>
+        </p:txBody>
+      </p:sp>
+      <p:sp>
+        <p:nvSpPr>
+          <p:cNvPr id="3" name="内容占位符 2"/>
+          <p:cNvSpPr>
+            <a:spLocks noGrp="1"/>
+          </p:cNvSpPr>
+          <p:nvPr>
+            <p:ph idx="1"/>
+          </p:nvPr>
+        </p:nvSpPr>
+        <p:spPr/>
+        <p:txBody>
+          <a:bodyPr/>
+          <a:p>
+            <a:pPr lvl="0"/>
+            <a:r>
+              <a:rPr lang="en-US" altLang="zh-CN">
+                <a:solidFill>
+                  <a:srgbClr val="FF0000"/>
+                </a:solidFill>
+              </a:rPr>
+              <a:t>grpc.io/docs/languages/go/quickstart</a:t>
+            </a:r>
+            <a:endParaRPr lang="zh-CN" altLang="en-US" sz="1800"/>
+          </a:p>
+          <a:p>
+            <a:pPr lvl="1"/>
+            <a:r>
+              <a:rPr lang="zh-CN" altLang="en-US" sz="1800"/>
+              <a:t>部署代码生成工具</a:t>
+            </a:r>
+            <a:endParaRPr lang="zh-CN" altLang="en-US" sz="1800"/>
+          </a:p>
+          <a:p>
+            <a:pPr lvl="2"/>
+            <a:r>
+              <a:rPr lang="en-US" altLang="zh-CN" sz="1600">
+                <a:solidFill>
+                  <a:schemeClr val="bg1">
+                    <a:lumMod val="50000"/>
+                  </a:schemeClr>
+                </a:solidFill>
+              </a:rPr>
+              <a:t>export GO111MODULE=on</a:t>
+            </a:r>
+            <a:endParaRPr lang="en-US" altLang="zh-CN" sz="1600">
+              <a:solidFill>
+                <a:schemeClr val="bg1">
+                  <a:lumMod val="50000"/>
+                </a:schemeClr>
+              </a:solidFill>
+            </a:endParaRPr>
+          </a:p>
+          <a:p>
+            <a:pPr lvl="2"/>
+            <a:r>
+              <a:rPr lang="zh-CN" altLang="en-US" sz="1600">
+                <a:solidFill>
+                  <a:schemeClr val="bg1">
+                    <a:lumMod val="50000"/>
+                  </a:schemeClr>
+                </a:solidFill>
+              </a:rPr>
+              <a:t>设置环境变量 GOPATH</a:t>
+            </a:r>
+            <a:r>
+              <a:rPr lang="en-US" altLang="zh-CN" sz="1600">
+                <a:solidFill>
+                  <a:schemeClr val="bg1">
+                    <a:lumMod val="50000"/>
+                  </a:schemeClr>
+                </a:solidFill>
+              </a:rPr>
+              <a:t>/bin</a:t>
+            </a:r>
+            <a:endParaRPr lang="en-US" altLang="zh-CN" sz="1600">
+              <a:solidFill>
+                <a:schemeClr val="bg1">
+                  <a:lumMod val="50000"/>
+                </a:schemeClr>
+              </a:solidFill>
+            </a:endParaRPr>
+          </a:p>
+          <a:p>
+            <a:pPr lvl="2" algn="l">
+              <a:buClrTx/>
+              <a:buSzTx/>
+            </a:pPr>
+            <a:r>
+              <a:rPr lang="zh-CN" altLang="en-US" sz="1600" b="1">
+                <a:sym typeface="+mn-ea"/>
+              </a:rPr>
+              <a:t>go get github.com/golang/protobuf/protoc-gen-go</a:t>
+            </a:r>
+            <a:endParaRPr lang="zh-CN" altLang="en-US" sz="1600" b="1"/>
+          </a:p>
+          <a:p>
+            <a:pPr lvl="2"/>
+            <a:r>
+              <a:rPr lang="en-US" altLang="zh-CN" sz="1800" b="1">
+                <a:sym typeface="+mn-ea"/>
+              </a:rPr>
+              <a:t>protoc</a:t>
+            </a:r>
+            <a:endParaRPr lang="en-US" altLang="zh-CN" sz="1800" b="1"/>
+          </a:p>
+          <a:p>
+            <a:pPr lvl="2"/>
+            <a:endParaRPr lang="zh-CN" altLang="en-US" sz="1500"/>
+          </a:p>
+          <a:p>
+            <a:pPr lvl="1"/>
+            <a:r>
+              <a:rPr lang="zh-CN" altLang="en-US" sz="1800"/>
+              <a:t>编写代码实现服务器接口</a:t>
+            </a:r>
+            <a:endParaRPr lang="zh-CN" altLang="en-US" sz="1800"/>
           </a:p>
         </p:txBody>
       </p:sp>
@@ -3396,7 +3772,7 @@
 </p:sld>
 </file>
 
-<file path=ppt/slides/slide13.xml><?xml version="1.0" encoding="utf-8"?>
+<file path=ppt/slides/slide7.xml><?xml version="1.0" encoding="utf-8"?>
 <p:sld xmlns:a="http://schemas.openxmlformats.org/drawingml/2006/main" xmlns:r="http://schemas.openxmlformats.org/officeDocument/2006/relationships" xmlns:p="http://schemas.openxmlformats.org/presentationml/2006/main">
   <p:cSld>
     <p:spTree>
@@ -3416,132 +3792,29 @@
             <p:ph type="title"/>
           </p:nvPr>
         </p:nvSpPr>
-        <p:spPr/>
-        <p:txBody>
-          <a:bodyPr/>
-          <a:p>
+        <p:spPr>
+          <a:xfrm>
+            <a:off x="838200" y="2766060"/>
+            <a:ext cx="10515600" cy="1325563"/>
+          </a:xfrm>
+        </p:spPr>
+        <p:txBody>
+          <a:bodyPr/>
+          <a:p>
+            <a:pPr algn="ctr"/>
             <a:r>
               <a:rPr lang="en-US" altLang="zh-CN"/>
               <a:t>gRPC client</a:t>
             </a:r>
-            <a:endParaRPr lang="en-US" altLang="zh-CN"/>
-          </a:p>
-        </p:txBody>
-      </p:sp>
-      <p:sp>
-        <p:nvSpPr>
-          <p:cNvPr id="3" name="内容占位符 2"/>
-          <p:cNvSpPr>
-            <a:spLocks noGrp="1"/>
-          </p:cNvSpPr>
-          <p:nvPr>
-            <p:ph idx="1"/>
-          </p:nvPr>
-        </p:nvSpPr>
-        <p:spPr/>
-        <p:txBody>
-          <a:bodyPr/>
-          <a:p>
-            <a:r>
-              <a:rPr lang="en-US" altLang="zh-CN">
-                <a:solidFill>
-                  <a:srgbClr val="FF0000"/>
-                </a:solidFill>
-                <a:sym typeface="+mn-ea"/>
-              </a:rPr>
-              <a:t>grpc.io/docs/languages/php/quickstart</a:t>
-            </a:r>
-            <a:endParaRPr lang="zh-CN" altLang="en-US"/>
-          </a:p>
-          <a:p>
-            <a:pPr lvl="1"/>
-            <a:r>
-              <a:rPr lang="zh-CN" altLang="en-US" sz="1800">
-                <a:solidFill>
-                  <a:schemeClr val="accent1">
-                    <a:lumMod val="75000"/>
-                  </a:schemeClr>
-                </a:solidFill>
-              </a:rPr>
-              <a:t>安装扩展</a:t>
-            </a:r>
-            <a:endParaRPr lang="zh-CN" altLang="en-US" sz="1800">
-              <a:solidFill>
-                <a:schemeClr val="accent1">
-                  <a:lumMod val="75000"/>
-                </a:schemeClr>
-              </a:solidFill>
-            </a:endParaRPr>
-          </a:p>
-          <a:p>
-            <a:pPr lvl="2" algn="l">
-              <a:buClrTx/>
-              <a:buSzTx/>
-            </a:pPr>
-            <a:r>
-              <a:rPr lang="zh-CN" altLang="en-US" sz="2000">
-                <a:solidFill>
-                  <a:schemeClr val="accent1"/>
-                </a:solidFill>
-              </a:rPr>
-              <a:t>grpc</a:t>
-            </a:r>
-            <a:endParaRPr lang="zh-CN" altLang="en-US" sz="2000">
-              <a:solidFill>
-                <a:schemeClr val="accent1"/>
-              </a:solidFill>
-            </a:endParaRPr>
-          </a:p>
-          <a:p>
-            <a:pPr lvl="2" algn="l">
-              <a:buClrTx/>
-              <a:buSzTx/>
-            </a:pPr>
-            <a:r>
-              <a:rPr lang="zh-CN" altLang="en-US" sz="2000">
-                <a:solidFill>
-                  <a:schemeClr val="accent1"/>
-                </a:solidFill>
-              </a:rPr>
-              <a:t>protobuf</a:t>
-            </a:r>
-            <a:endParaRPr lang="zh-CN" altLang="en-US" sz="2000">
-              <a:solidFill>
-                <a:schemeClr val="accent1"/>
-              </a:solidFill>
-            </a:endParaRPr>
-          </a:p>
-          <a:p>
-            <a:pPr lvl="1"/>
-            <a:r>
-              <a:rPr lang="zh-CN" altLang="en-US" sz="1800"/>
-              <a:t>安装代码生成工具</a:t>
-            </a:r>
-            <a:endParaRPr lang="zh-CN" altLang="en-US" sz="1800"/>
-          </a:p>
-          <a:p>
-            <a:pPr lvl="2"/>
             <a:r>
               <a:rPr lang="en-US" altLang="zh-CN"/>
-              <a:t>protoc</a:t>
-            </a:r>
-            <a:endParaRPr lang="en-US" altLang="zh-CN"/>
-          </a:p>
-          <a:p>
-            <a:pPr lvl="2"/>
+              <a:t> </a:t>
+            </a:r>
             <a:r>
               <a:rPr lang="zh-CN" altLang="en-US"/>
-              <a:t>grpc_php_plugin</a:t>
-            </a:r>
-            <a:endParaRPr lang="zh-CN" altLang="en-US"/>
-          </a:p>
-          <a:p>
-            <a:pPr lvl="1"/>
-            <a:r>
-              <a:rPr lang="zh-CN" altLang="en-US" sz="1800"/>
-              <a:t>编写代码 实现调用</a:t>
-            </a:r>
-            <a:endParaRPr lang="zh-CN" altLang="en-US" sz="1800"/>
+              <a:t>的实现</a:t>
+            </a:r>
+            <a:endParaRPr lang="zh-CN" altLang="en-US"/>
           </a:p>
         </p:txBody>
       </p:sp>
@@ -3577,1382 +3850,6 @@
 </p:sld>
 </file>
 
-<file path=ppt/slides/slide14.xml><?xml version="1.0" encoding="utf-8"?>
-<p:sld xmlns:a="http://schemas.openxmlformats.org/drawingml/2006/main" xmlns:r="http://schemas.openxmlformats.org/officeDocument/2006/relationships" xmlns:p="http://schemas.openxmlformats.org/presentationml/2006/main">
-  <p:cSld>
-    <p:spTree>
-      <p:nvGrpSpPr>
-        <p:cNvPr id="1" name=""/>
-        <p:cNvGrpSpPr/>
-        <p:nvPr/>
-      </p:nvGrpSpPr>
-      <p:grpSpPr/>
-      <p:sp>
-        <p:nvSpPr>
-          <p:cNvPr id="2" name="标题 1"/>
-          <p:cNvSpPr>
-            <a:spLocks noGrp="1"/>
-          </p:cNvSpPr>
-          <p:nvPr>
-            <p:ph type="title"/>
-          </p:nvPr>
-        </p:nvSpPr>
-        <p:spPr/>
-        <p:txBody>
-          <a:bodyPr/>
-          <a:p>
-            <a:r>
-              <a:rPr lang="en-US" altLang="zh-CN"/>
-              <a:t>gRPC client</a:t>
-            </a:r>
-            <a:endParaRPr lang="zh-CN" altLang="en-US"/>
-          </a:p>
-        </p:txBody>
-      </p:sp>
-      <p:sp>
-        <p:nvSpPr>
-          <p:cNvPr id="3" name="内容占位符 2"/>
-          <p:cNvSpPr>
-            <a:spLocks noGrp="1"/>
-          </p:cNvSpPr>
-          <p:nvPr>
-            <p:ph idx="1"/>
-          </p:nvPr>
-        </p:nvSpPr>
-        <p:spPr/>
-        <p:txBody>
-          <a:bodyPr/>
-          <a:p>
-            <a:pPr algn="l">
-              <a:buClrTx/>
-              <a:buSzTx/>
-            </a:pPr>
-            <a:r>
-              <a:rPr lang="zh-CN" altLang="en-US" sz="2330"/>
-              <a:t>代码生成工具</a:t>
-            </a:r>
-            <a:endParaRPr lang="zh-CN" altLang="en-US" sz="2330"/>
-          </a:p>
-          <a:p>
-            <a:pPr lvl="1"/>
-            <a:r>
-              <a:rPr lang="zh-CN" altLang="en-US" sz="1600"/>
-              <a:t>推荐 </a:t>
-            </a:r>
-            <a:r>
-              <a:rPr lang="en-US" altLang="zh-CN" sz="1600" b="1">
-                <a:solidFill>
-                  <a:srgbClr val="FF0000"/>
-                </a:solidFill>
-              </a:rPr>
-              <a:t>llaoj/php-grpc-gen</a:t>
-            </a:r>
-            <a:endParaRPr lang="en-US" altLang="zh-CN" b="1"/>
-          </a:p>
-          <a:p>
-            <a:pPr lvl="0"/>
-            <a:r>
-              <a:rPr lang="zh-CN" altLang="en-US" sz="2330"/>
-              <a:t>安装</a:t>
-            </a:r>
-            <a:r>
-              <a:rPr lang="en-US" altLang="zh-CN" sz="2330"/>
-              <a:t>php </a:t>
-            </a:r>
-            <a:r>
-              <a:rPr lang="zh-CN" altLang="en-US" sz="2330"/>
-              <a:t>的扩展</a:t>
-            </a:r>
-            <a:endParaRPr lang="zh-CN" altLang="en-US" sz="2330"/>
-          </a:p>
-          <a:p>
-            <a:pPr lvl="1"/>
-            <a:r>
-              <a:rPr lang="zh-CN" altLang="en-US" sz="1600"/>
-              <a:t>推荐 </a:t>
-            </a:r>
-            <a:r>
-              <a:rPr lang="en-US" altLang="zh-CN" sz="1600" b="1">
-                <a:solidFill>
-                  <a:srgbClr val="FF0000"/>
-                </a:solidFill>
-              </a:rPr>
-              <a:t>llaoj/php-fpm-nginx</a:t>
-            </a:r>
-            <a:endParaRPr lang="en-US" altLang="zh-CN"/>
-          </a:p>
-          <a:p>
-            <a:pPr lvl="0"/>
-            <a:r>
-              <a:rPr lang="en-US" altLang="zh-CN" sz="2330"/>
-              <a:t>grpc &amp; protoc </a:t>
-            </a:r>
-            <a:r>
-              <a:rPr lang="zh-CN" altLang="en-US" sz="2330"/>
-              <a:t>版本</a:t>
-            </a:r>
-            <a:endParaRPr lang="zh-CN" altLang="en-US" sz="2330"/>
-          </a:p>
-          <a:p>
-            <a:pPr lvl="1"/>
-            <a:r>
-              <a:rPr lang="en-US" altLang="zh-CN" sz="2160"/>
-              <a:t>grpc:</a:t>
-            </a:r>
-            <a:endParaRPr lang="en-US" altLang="zh-CN" sz="2160"/>
-          </a:p>
-          <a:p>
-            <a:pPr lvl="2"/>
-            <a:r>
-              <a:rPr lang="en-US" altLang="zh-CN" sz="1775"/>
-              <a:t>grpc php ext</a:t>
-            </a:r>
-            <a:endParaRPr lang="en-US" altLang="zh-CN" sz="1775"/>
-          </a:p>
-          <a:p>
-            <a:pPr lvl="2"/>
-            <a:r>
-              <a:rPr lang="en-US" altLang="zh-CN" sz="1775"/>
-              <a:t>grpc php composer pkg</a:t>
-            </a:r>
-            <a:endParaRPr lang="en-US" altLang="zh-CN" sz="1775"/>
-          </a:p>
-          <a:p>
-            <a:pPr lvl="2"/>
-            <a:r>
-              <a:rPr lang="en-US" altLang="zh-CN" sz="1775"/>
-              <a:t>grpc_php_plugin</a:t>
-            </a:r>
-            <a:endParaRPr lang="en-US" altLang="zh-CN" sz="1775"/>
-          </a:p>
-          <a:p>
-            <a:pPr lvl="1"/>
-            <a:r>
-              <a:rPr lang="en-US" altLang="zh-CN" sz="2160"/>
-              <a:t>protoc </a:t>
-            </a:r>
-            <a:r>
-              <a:rPr lang="zh-CN" altLang="en-US" sz="1680"/>
-              <a:t>建议使用最新</a:t>
-            </a:r>
-            <a:r>
-              <a:rPr lang="zh-CN" altLang="en-US" sz="1680">
-                <a:sym typeface="+mn-ea"/>
-              </a:rPr>
-              <a:t>稳定</a:t>
-            </a:r>
-            <a:endParaRPr lang="en-US" altLang="zh-CN" sz="2160"/>
-          </a:p>
-          <a:p>
-            <a:pPr lvl="1"/>
-            <a:endParaRPr lang="en-US" altLang="zh-CN" sz="1800"/>
-          </a:p>
-        </p:txBody>
-      </p:sp>
-    </p:spTree>
-  </p:cSld>
-  <p:clrMapOvr>
-    <a:masterClrMapping/>
-  </p:clrMapOvr>
-</p:sld>
-</file>
-
-<file path=ppt/slides/slide15.xml><?xml version="1.0" encoding="utf-8"?>
-<p:sld xmlns:a="http://schemas.openxmlformats.org/drawingml/2006/main" xmlns:r="http://schemas.openxmlformats.org/officeDocument/2006/relationships" xmlns:p="http://schemas.openxmlformats.org/presentationml/2006/main">
-  <p:cSld>
-    <p:spTree>
-      <p:nvGrpSpPr>
-        <p:cNvPr id="1" name=""/>
-        <p:cNvGrpSpPr/>
-        <p:nvPr/>
-      </p:nvGrpSpPr>
-      <p:grpSpPr/>
-      <p:sp>
-        <p:nvSpPr>
-          <p:cNvPr id="2" name="标题 1"/>
-          <p:cNvSpPr>
-            <a:spLocks noGrp="1"/>
-          </p:cNvSpPr>
-          <p:nvPr>
-            <p:ph type="title"/>
-          </p:nvPr>
-        </p:nvSpPr>
-        <p:spPr/>
-        <p:txBody>
-          <a:bodyPr>
-            <a:normAutofit/>
-          </a:bodyPr>
-          <a:p>
-            <a:r>
-              <a:rPr lang="zh-CN" altLang="en-US"/>
-              <a:t>继续深入</a:t>
-            </a:r>
-            <a:r>
-              <a:rPr lang="en-US" altLang="zh-CN"/>
-              <a:t>...</a:t>
-            </a:r>
-            <a:endParaRPr lang="en-US" altLang="zh-CN"/>
-          </a:p>
-        </p:txBody>
-      </p:sp>
-      <p:sp>
-        <p:nvSpPr>
-          <p:cNvPr id="3" name="内容占位符 2"/>
-          <p:cNvSpPr>
-            <a:spLocks noGrp="1"/>
-          </p:cNvSpPr>
-          <p:nvPr>
-            <p:ph idx="1"/>
-          </p:nvPr>
-        </p:nvSpPr>
-        <p:spPr/>
-        <p:txBody>
-          <a:bodyPr/>
-          <a:p>
-            <a:r>
-              <a:rPr lang="zh-CN" altLang="en-US"/>
-              <a:t>Authentication</a:t>
-            </a:r>
-            <a:endParaRPr lang="zh-CN" altLang="en-US"/>
-          </a:p>
-          <a:p>
-            <a:r>
-              <a:rPr lang="zh-CN" altLang="en-US"/>
-              <a:t>Error Handling</a:t>
-            </a:r>
-            <a:endParaRPr lang="zh-CN" altLang="en-US"/>
-          </a:p>
-          <a:p>
-            <a:r>
-              <a:rPr lang="zh-CN" altLang="en-US"/>
-              <a:t>Benchmarking</a:t>
-            </a:r>
-            <a:endParaRPr lang="zh-CN" altLang="en-US"/>
-          </a:p>
-          <a:p>
-            <a:r>
-              <a:rPr lang="en-US" altLang="zh-CN"/>
-              <a:t>...</a:t>
-            </a:r>
-            <a:endParaRPr lang="en-US" altLang="zh-CN"/>
-          </a:p>
-        </p:txBody>
-      </p:sp>
-    </p:spTree>
-  </p:cSld>
-  <p:clrMapOvr>
-    <a:masterClrMapping/>
-  </p:clrMapOvr>
-</p:sld>
-</file>
-
-<file path=ppt/slides/slide16.xml><?xml version="1.0" encoding="utf-8"?>
-<p:sld xmlns:a="http://schemas.openxmlformats.org/drawingml/2006/main" xmlns:r="http://schemas.openxmlformats.org/officeDocument/2006/relationships" xmlns:p="http://schemas.openxmlformats.org/presentationml/2006/main">
-  <p:cSld>
-    <p:spTree>
-      <p:nvGrpSpPr>
-        <p:cNvPr id="1" name=""/>
-        <p:cNvGrpSpPr/>
-        <p:nvPr/>
-      </p:nvGrpSpPr>
-      <p:grpSpPr/>
-      <p:sp>
-        <p:nvSpPr>
-          <p:cNvPr id="2" name="标题 1"/>
-          <p:cNvSpPr>
-            <a:spLocks noGrp="1"/>
-          </p:cNvSpPr>
-          <p:nvPr>
-            <p:ph type="title"/>
-          </p:nvPr>
-        </p:nvSpPr>
-        <p:spPr/>
-        <p:txBody>
-          <a:bodyPr/>
-          <a:p>
-            <a:r>
-              <a:rPr lang="en-US" altLang="zh-CN"/>
-              <a:t>reference</a:t>
-            </a:r>
-            <a:endParaRPr lang="en-US" altLang="zh-CN"/>
-          </a:p>
-        </p:txBody>
-      </p:sp>
-      <p:sp>
-        <p:nvSpPr>
-          <p:cNvPr id="3" name="内容占位符 2"/>
-          <p:cNvSpPr>
-            <a:spLocks noGrp="1"/>
-          </p:cNvSpPr>
-          <p:nvPr>
-            <p:ph idx="1"/>
-          </p:nvPr>
-        </p:nvSpPr>
-        <p:spPr/>
-        <p:txBody>
-          <a:bodyPr/>
-          <a:p>
-            <a:r>
-              <a:rPr lang="zh-CN" altLang="en-US" sz="2000"/>
-              <a:t>本期视频相关文件</a:t>
-            </a:r>
-            <a:endParaRPr lang="zh-CN" altLang="en-US" sz="2000"/>
-          </a:p>
-          <a:p>
-            <a:pPr lvl="1"/>
-            <a:r>
-              <a:rPr lang="zh-CN" altLang="en-US" sz="1800"/>
-              <a:t>https://github.com/llaoj/my-share/tree/master/grpc</a:t>
-            </a:r>
-            <a:endParaRPr lang="zh-CN" altLang="en-US" sz="1800"/>
-          </a:p>
-          <a:p>
-            <a:pPr lvl="0"/>
-            <a:r>
-              <a:rPr lang="zh-CN" altLang="en-US" sz="2000"/>
-              <a:t>实例代码</a:t>
-            </a:r>
-            <a:endParaRPr lang="zh-CN" altLang="en-US" sz="2000"/>
-          </a:p>
-          <a:p>
-            <a:pPr lvl="1"/>
-            <a:r>
-              <a:rPr lang="zh-CN" altLang="en-US" sz="1800"/>
-              <a:t>https://github.com/llaoj/grpc-demo</a:t>
-            </a:r>
-            <a:endParaRPr lang="zh-CN" altLang="en-US" sz="1800"/>
-          </a:p>
-          <a:p>
-            <a:pPr lvl="0"/>
-            <a:r>
-              <a:rPr lang="en-US" altLang="zh-CN" sz="2000"/>
-              <a:t>Protobuf </a:t>
-            </a:r>
-            <a:r>
-              <a:rPr lang="zh-CN" altLang="en-US" sz="2000"/>
-              <a:t>文档</a:t>
-            </a:r>
-            <a:endParaRPr lang="zh-CN" altLang="en-US" sz="2000"/>
-          </a:p>
-          <a:p>
-            <a:pPr lvl="1"/>
-            <a:r>
-              <a:rPr lang="zh-CN" altLang="en-US" sz="1800"/>
-              <a:t>https://developers.google.com/protocol-buffers/docs/overview</a:t>
-            </a:r>
-            <a:endParaRPr lang="zh-CN" altLang="en-US" sz="1800"/>
-          </a:p>
-          <a:p>
-            <a:pPr lvl="0"/>
-            <a:r>
-              <a:rPr lang="en-US" altLang="zh-CN" sz="2000"/>
-              <a:t>gRPC </a:t>
-            </a:r>
-            <a:r>
-              <a:rPr lang="zh-CN" altLang="en-US" sz="2000"/>
-              <a:t>文档</a:t>
-            </a:r>
-            <a:endParaRPr lang="zh-CN" altLang="en-US" sz="2000"/>
-          </a:p>
-          <a:p>
-            <a:pPr lvl="1"/>
-            <a:r>
-              <a:rPr lang="zh-CN" altLang="en-US" sz="1800"/>
-              <a:t>https://grpc.io/docs/what-is-grpc/introduction/</a:t>
-            </a:r>
-            <a:endParaRPr lang="zh-CN" altLang="en-US" sz="1800"/>
-          </a:p>
-        </p:txBody>
-      </p:sp>
-    </p:spTree>
-  </p:cSld>
-  <p:clrMapOvr>
-    <a:masterClrMapping/>
-  </p:clrMapOvr>
-</p:sld>
-</file>
-
-<file path=ppt/slides/slide2.xml><?xml version="1.0" encoding="utf-8"?>
-<p:sld xmlns:a="http://schemas.openxmlformats.org/drawingml/2006/main" xmlns:r="http://schemas.openxmlformats.org/officeDocument/2006/relationships" xmlns:p="http://schemas.openxmlformats.org/presentationml/2006/main">
-  <p:cSld>
-    <p:spTree>
-      <p:nvGrpSpPr>
-        <p:cNvPr id="1" name=""/>
-        <p:cNvGrpSpPr/>
-        <p:nvPr/>
-      </p:nvGrpSpPr>
-      <p:grpSpPr/>
-      <p:sp>
-        <p:nvSpPr>
-          <p:cNvPr id="2" name="标题 1"/>
-          <p:cNvSpPr>
-            <a:spLocks noGrp="1"/>
-          </p:cNvSpPr>
-          <p:nvPr>
-            <p:ph type="title"/>
-          </p:nvPr>
-        </p:nvSpPr>
-        <p:spPr/>
-        <p:txBody>
-          <a:bodyPr/>
-          <a:p>
-            <a:r>
-              <a:rPr lang="zh-CN" altLang="en-US"/>
-              <a:t>Why use gRPC? </a:t>
-            </a:r>
-            <a:endParaRPr lang="zh-CN" altLang="en-US"/>
-          </a:p>
-        </p:txBody>
-      </p:sp>
-      <p:sp>
-        <p:nvSpPr>
-          <p:cNvPr id="3" name="内容占位符 2"/>
-          <p:cNvSpPr>
-            <a:spLocks noGrp="1"/>
-          </p:cNvSpPr>
-          <p:nvPr>
-            <p:ph idx="1"/>
-          </p:nvPr>
-        </p:nvSpPr>
-        <p:spPr>
-          <a:xfrm>
-            <a:off x="1652905" y="1882775"/>
-            <a:ext cx="9700895" cy="4351655"/>
-          </a:xfrm>
-        </p:spPr>
-        <p:txBody>
-          <a:bodyPr>
-            <a:normAutofit lnSpcReduction="10000"/>
-          </a:bodyPr>
-          <a:p>
-            <a:r>
-              <a:rPr lang="zh-CN" altLang="en-US"/>
-              <a:t>简单的服务定义</a:t>
-            </a:r>
-            <a:endParaRPr lang="zh-CN" altLang="en-US"/>
-          </a:p>
-          <a:p>
-            <a:endParaRPr lang="zh-CN" altLang="en-US"/>
-          </a:p>
-          <a:p>
-            <a:r>
-              <a:rPr lang="zh-CN" altLang="en-US"/>
-              <a:t>快速开始 和 快速扩展</a:t>
-            </a:r>
-            <a:endParaRPr lang="zh-CN" altLang="en-US"/>
-          </a:p>
-          <a:p>
-            <a:endParaRPr lang="zh-CN" altLang="en-US"/>
-          </a:p>
-          <a:p>
-            <a:r>
-              <a:rPr lang="zh-CN" altLang="en-US"/>
-              <a:t>跨语 言跨平台</a:t>
-            </a:r>
-            <a:endParaRPr lang="zh-CN" altLang="en-US"/>
-          </a:p>
-          <a:p>
-            <a:endParaRPr lang="zh-CN" altLang="en-US"/>
-          </a:p>
-          <a:p>
-            <a:r>
-              <a:rPr lang="zh-CN" altLang="en-US"/>
-              <a:t> 双工数据通信 和 集成的身份</a:t>
-            </a:r>
-            <a:r>
-              <a:rPr lang="zh-CN" altLang="en-US"/>
-              <a:t>认证</a:t>
-            </a:r>
-            <a:endParaRPr lang="zh-CN" altLang="en-US"/>
-          </a:p>
-        </p:txBody>
-      </p:sp>
-      <p:pic>
-        <p:nvPicPr>
-          <p:cNvPr id="4" name="图片 3"/>
-          <p:cNvPicPr>
-            <a:picLocks noChangeAspect="1"/>
-          </p:cNvPicPr>
-          <p:nvPr/>
-        </p:nvPicPr>
-        <p:blipFill>
-          <a:blip r:embed="rId1">
-            <a:clrChange>
-              <a:clrFrom>
-                <a:srgbClr val="000000">
-                  <a:alpha val="100000"/>
-                </a:srgbClr>
-              </a:clrFrom>
-              <a:clrTo>
-                <a:srgbClr val="000000">
-                  <a:alpha val="100000"/>
-                  <a:alpha val="0"/>
-                </a:srgbClr>
-              </a:clrTo>
-            </a:clrChange>
-          </a:blip>
-          <a:stretch>
-            <a:fillRect/>
-          </a:stretch>
-        </p:blipFill>
-        <p:spPr>
-          <a:xfrm>
-            <a:off x="952500" y="1821180"/>
-            <a:ext cx="700405" cy="610870"/>
-          </a:xfrm>
-          <a:prstGeom prst="rect">
-            <a:avLst/>
-          </a:prstGeom>
-        </p:spPr>
-      </p:pic>
-      <p:pic>
-        <p:nvPicPr>
-          <p:cNvPr id="5" name="图片 4"/>
-          <p:cNvPicPr>
-            <a:picLocks noChangeAspect="1"/>
-          </p:cNvPicPr>
-          <p:nvPr/>
-        </p:nvPicPr>
-        <p:blipFill>
-          <a:blip r:embed="rId2">
-            <a:clrChange>
-              <a:clrFrom>
-                <a:srgbClr val="000000">
-                  <a:alpha val="100000"/>
-                </a:srgbClr>
-              </a:clrFrom>
-              <a:clrTo>
-                <a:srgbClr val="000000">
-                  <a:alpha val="100000"/>
-                  <a:alpha val="0"/>
-                </a:srgbClr>
-              </a:clrTo>
-            </a:clrChange>
-          </a:blip>
-          <a:stretch>
-            <a:fillRect/>
-          </a:stretch>
-        </p:blipFill>
-        <p:spPr>
-          <a:xfrm>
-            <a:off x="952500" y="2674620"/>
-            <a:ext cx="700405" cy="610870"/>
-          </a:xfrm>
-          <a:prstGeom prst="rect">
-            <a:avLst/>
-          </a:prstGeom>
-        </p:spPr>
-      </p:pic>
-      <p:pic>
-        <p:nvPicPr>
-          <p:cNvPr id="6" name="图片 5"/>
-          <p:cNvPicPr>
-            <a:picLocks noChangeAspect="1"/>
-          </p:cNvPicPr>
-          <p:nvPr/>
-        </p:nvPicPr>
-        <p:blipFill>
-          <a:blip r:embed="rId3">
-            <a:clrChange>
-              <a:clrFrom>
-                <a:srgbClr val="000000">
-                  <a:alpha val="100000"/>
-                </a:srgbClr>
-              </a:clrFrom>
-              <a:clrTo>
-                <a:srgbClr val="000000">
-                  <a:alpha val="100000"/>
-                  <a:alpha val="0"/>
-                </a:srgbClr>
-              </a:clrTo>
-            </a:clrChange>
-          </a:blip>
-          <a:stretch>
-            <a:fillRect/>
-          </a:stretch>
-        </p:blipFill>
-        <p:spPr>
-          <a:xfrm>
-            <a:off x="952500" y="3716655"/>
-            <a:ext cx="700405" cy="610870"/>
-          </a:xfrm>
-          <a:prstGeom prst="rect">
-            <a:avLst/>
-          </a:prstGeom>
-        </p:spPr>
-      </p:pic>
-      <p:pic>
-        <p:nvPicPr>
-          <p:cNvPr id="7" name="图片 6"/>
-          <p:cNvPicPr>
-            <a:picLocks noChangeAspect="1"/>
-          </p:cNvPicPr>
-          <p:nvPr/>
-        </p:nvPicPr>
-        <p:blipFill>
-          <a:blip r:embed="rId4">
-            <a:clrChange>
-              <a:clrFrom>
-                <a:srgbClr val="000000">
-                  <a:alpha val="100000"/>
-                </a:srgbClr>
-              </a:clrFrom>
-              <a:clrTo>
-                <a:srgbClr val="000000">
-                  <a:alpha val="100000"/>
-                  <a:alpha val="0"/>
-                </a:srgbClr>
-              </a:clrTo>
-            </a:clrChange>
-          </a:blip>
-          <a:stretch>
-            <a:fillRect/>
-          </a:stretch>
-        </p:blipFill>
-        <p:spPr>
-          <a:xfrm>
-            <a:off x="952500" y="4591685"/>
-            <a:ext cx="700405" cy="610870"/>
-          </a:xfrm>
-          <a:prstGeom prst="rect">
-            <a:avLst/>
-          </a:prstGeom>
-        </p:spPr>
-      </p:pic>
-    </p:spTree>
-  </p:cSld>
-  <p:clrMapOvr>
-    <a:masterClrMapping/>
-  </p:clrMapOvr>
-</p:sld>
-</file>
-
-<file path=ppt/slides/slide3.xml><?xml version="1.0" encoding="utf-8"?>
-<p:sld xmlns:a="http://schemas.openxmlformats.org/drawingml/2006/main" xmlns:r="http://schemas.openxmlformats.org/officeDocument/2006/relationships" xmlns:p="http://schemas.openxmlformats.org/presentationml/2006/main">
-  <p:cSld>
-    <p:spTree>
-      <p:nvGrpSpPr>
-        <p:cNvPr id="1" name=""/>
-        <p:cNvGrpSpPr/>
-        <p:nvPr/>
-      </p:nvGrpSpPr>
-      <p:grpSpPr/>
-      <p:sp>
-        <p:nvSpPr>
-          <p:cNvPr id="2" name="标题 1"/>
-          <p:cNvSpPr>
-            <a:spLocks noGrp="1"/>
-          </p:cNvSpPr>
-          <p:nvPr>
-            <p:ph type="title"/>
-          </p:nvPr>
-        </p:nvSpPr>
-        <p:spPr/>
-        <p:txBody>
-          <a:bodyPr/>
-          <a:p>
-            <a:r>
-              <a:rPr lang="en-US" altLang="zh-CN"/>
-              <a:t>gRPC</a:t>
-            </a:r>
-            <a:endParaRPr lang="en-US" altLang="zh-CN"/>
-          </a:p>
-        </p:txBody>
-      </p:sp>
-      <p:sp>
-        <p:nvSpPr>
-          <p:cNvPr id="3" name="内容占位符 2"/>
-          <p:cNvSpPr>
-            <a:spLocks noGrp="1"/>
-          </p:cNvSpPr>
-          <p:nvPr>
-            <p:ph idx="1"/>
-          </p:nvPr>
-        </p:nvSpPr>
-        <p:spPr/>
-        <p:txBody>
-          <a:bodyPr/>
-          <a:p>
-            <a:r>
-              <a:rPr lang="en-US" altLang="zh-CN"/>
-              <a:t>grpc.io</a:t>
-            </a:r>
-            <a:endParaRPr lang="en-US" altLang="zh-CN"/>
-          </a:p>
-          <a:p>
-            <a:pPr lvl="1"/>
-            <a:endParaRPr lang="zh-CN" altLang="en-US"/>
-          </a:p>
-        </p:txBody>
-      </p:sp>
-      <p:pic>
-        <p:nvPicPr>
-          <p:cNvPr id="5" name="图片 4"/>
-          <p:cNvPicPr>
-            <a:picLocks noChangeAspect="1"/>
-          </p:cNvPicPr>
-          <p:nvPr/>
-        </p:nvPicPr>
-        <p:blipFill>
-          <a:blip r:embed="rId1"/>
-          <a:stretch>
-            <a:fillRect/>
-          </a:stretch>
-        </p:blipFill>
-        <p:spPr>
-          <a:xfrm>
-            <a:off x="3025140" y="1825625"/>
-            <a:ext cx="6294120" cy="4066540"/>
-          </a:xfrm>
-          <a:prstGeom prst="rect">
-            <a:avLst/>
-          </a:prstGeom>
-        </p:spPr>
-      </p:pic>
-    </p:spTree>
-  </p:cSld>
-  <p:clrMapOvr>
-    <a:masterClrMapping/>
-  </p:clrMapOvr>
-</p:sld>
-</file>
-
-<file path=ppt/slides/slide4.xml><?xml version="1.0" encoding="utf-8"?>
-<p:sld xmlns:a="http://schemas.openxmlformats.org/drawingml/2006/main" xmlns:r="http://schemas.openxmlformats.org/officeDocument/2006/relationships" xmlns:p="http://schemas.openxmlformats.org/presentationml/2006/main">
-  <p:cSld>
-    <p:spTree>
-      <p:nvGrpSpPr>
-        <p:cNvPr id="1" name=""/>
-        <p:cNvGrpSpPr/>
-        <p:nvPr/>
-      </p:nvGrpSpPr>
-      <p:grpSpPr/>
-      <p:sp>
-        <p:nvSpPr>
-          <p:cNvPr id="2" name="标题 1"/>
-          <p:cNvSpPr>
-            <a:spLocks noGrp="1"/>
-          </p:cNvSpPr>
-          <p:nvPr>
-            <p:ph type="title"/>
-          </p:nvPr>
-        </p:nvSpPr>
-        <p:spPr/>
-        <p:txBody>
-          <a:bodyPr/>
-          <a:p>
-            <a:r>
-              <a:rPr lang="zh-CN" altLang="en-US"/>
-              <a:t>protocol buffers</a:t>
-            </a:r>
-            <a:endParaRPr lang="zh-CN" altLang="en-US"/>
-          </a:p>
-        </p:txBody>
-      </p:sp>
-      <p:sp>
-        <p:nvSpPr>
-          <p:cNvPr id="3" name="内容占位符 2"/>
-          <p:cNvSpPr>
-            <a:spLocks noGrp="1"/>
-          </p:cNvSpPr>
-          <p:nvPr>
-            <p:ph idx="1"/>
-          </p:nvPr>
-        </p:nvSpPr>
-        <p:spPr/>
-        <p:txBody>
-          <a:bodyPr/>
-          <a:p>
-            <a:r>
-              <a:rPr lang="en-US" altLang="zh-CN"/>
-              <a:t>gRPC's</a:t>
-            </a:r>
-            <a:endParaRPr lang="en-US" altLang="zh-CN"/>
-          </a:p>
-          <a:p>
-            <a:pPr lvl="1"/>
-            <a:r>
-              <a:rPr lang="zh-CN" altLang="en-US">
-                <a:solidFill>
-                  <a:srgbClr val="FF0000"/>
-                </a:solidFill>
-              </a:rPr>
-              <a:t>IDL</a:t>
-            </a:r>
-            <a:r>
-              <a:rPr lang="en-US" altLang="zh-CN"/>
-              <a:t>(Interface Definition Language)</a:t>
-            </a:r>
-            <a:endParaRPr lang="en-US" altLang="zh-CN"/>
-          </a:p>
-          <a:p>
-            <a:pPr lvl="1"/>
-            <a:r>
-              <a:rPr lang="zh-CN" altLang="en-US"/>
-              <a:t>基础消息交换格式</a:t>
-            </a:r>
-            <a:endParaRPr lang="zh-CN" altLang="en-US"/>
-          </a:p>
-          <a:p>
-            <a:pPr lvl="1"/>
-            <a:r>
-              <a:rPr lang="zh-CN" altLang="en-US"/>
-              <a:t>推荐</a:t>
-            </a:r>
-            <a:r>
-              <a:rPr lang="zh-CN" altLang="en-US"/>
-              <a:t>用</a:t>
-            </a:r>
-            <a:r>
-              <a:rPr lang="en-US" altLang="zh-CN"/>
-              <a:t>proto3</a:t>
-            </a:r>
-            <a:endParaRPr lang="en-US" altLang="zh-CN"/>
-          </a:p>
-          <a:p>
-            <a:pPr lvl="1"/>
-            <a:endParaRPr lang="en-US" altLang="zh-CN"/>
-          </a:p>
-          <a:p>
-            <a:pPr lvl="0"/>
-            <a:r>
-              <a:rPr lang="zh-CN" altLang="en-US"/>
-              <a:t>关于语法</a:t>
-            </a:r>
-            <a:r>
-              <a:rPr lang="en-US" altLang="zh-CN"/>
-              <a:t>, </a:t>
-            </a:r>
-            <a:r>
-              <a:rPr lang="zh-CN" altLang="en-US"/>
-              <a:t>我整理了一个</a:t>
-            </a:r>
-            <a:r>
-              <a:rPr lang="en-US" altLang="zh-CN"/>
-              <a:t>md</a:t>
-            </a:r>
-            <a:r>
-              <a:rPr lang="zh-CN" altLang="en-US"/>
-              <a:t>文件</a:t>
-            </a:r>
-            <a:endParaRPr lang="zh-CN" altLang="en-US"/>
-          </a:p>
-        </p:txBody>
-      </p:sp>
-    </p:spTree>
-  </p:cSld>
-  <p:clrMapOvr>
-    <a:masterClrMapping/>
-  </p:clrMapOvr>
-</p:sld>
-</file>
-
-<file path=ppt/slides/slide5.xml><?xml version="1.0" encoding="utf-8"?>
-<p:sld xmlns:a="http://schemas.openxmlformats.org/drawingml/2006/main" xmlns:r="http://schemas.openxmlformats.org/officeDocument/2006/relationships" xmlns:p="http://schemas.openxmlformats.org/presentationml/2006/main">
-  <p:cSld>
-    <p:spTree>
-      <p:nvGrpSpPr>
-        <p:cNvPr id="1" name=""/>
-        <p:cNvGrpSpPr/>
-        <p:nvPr/>
-      </p:nvGrpSpPr>
-      <p:grpSpPr/>
-      <p:sp>
-        <p:nvSpPr>
-          <p:cNvPr id="3" name="内容占位符 2"/>
-          <p:cNvSpPr>
-            <a:spLocks noGrp="1"/>
-          </p:cNvSpPr>
-          <p:nvPr>
-            <p:ph idx="1"/>
-          </p:nvPr>
-        </p:nvSpPr>
-        <p:spPr/>
-        <p:txBody>
-          <a:bodyPr>
-            <a:normAutofit/>
-          </a:bodyPr>
-          <a:p>
-            <a:pPr lvl="0" algn="l">
-              <a:spcBef>
-                <a:spcPts val="1000"/>
-              </a:spcBef>
-              <a:buClrTx/>
-              <a:buSzTx/>
-            </a:pPr>
-            <a:r>
-              <a:rPr lang="en-US" altLang="zh-CN" b="1"/>
-              <a:t>Unary RPC</a:t>
-            </a:r>
-            <a:endParaRPr lang="en-US" altLang="zh-CN" b="1"/>
-          </a:p>
-          <a:p>
-            <a:pPr lvl="1" algn="l">
-              <a:spcBef>
-                <a:spcPts val="1000"/>
-              </a:spcBef>
-              <a:buClrTx/>
-              <a:buSzTx/>
-            </a:pPr>
-            <a:r>
-              <a:rPr lang="en-US" altLang="zh-CN"/>
-              <a:t>single request, single response</a:t>
-            </a:r>
-            <a:endParaRPr lang="en-US" altLang="zh-CN"/>
-          </a:p>
-          <a:p>
-            <a:pPr lvl="0" algn="l">
-              <a:spcBef>
-                <a:spcPts val="1000"/>
-              </a:spcBef>
-              <a:buClrTx/>
-              <a:buSzTx/>
-            </a:pPr>
-            <a:r>
-              <a:rPr lang="en-US" altLang="zh-CN" b="1"/>
-              <a:t>Server streaming RPC</a:t>
-            </a:r>
-            <a:endParaRPr lang="en-US" altLang="zh-CN" b="1"/>
-          </a:p>
-          <a:p>
-            <a:pPr lvl="1" algn="l">
-              <a:spcBef>
-                <a:spcPts val="1000"/>
-              </a:spcBef>
-              <a:buClrTx/>
-              <a:buSzTx/>
-            </a:pPr>
-            <a:r>
-              <a:rPr lang="en-US" altLang="zh-CN">
-                <a:sym typeface="+mn-ea"/>
-              </a:rPr>
-              <a:t>single request, steam </a:t>
-            </a:r>
-            <a:r>
-              <a:rPr lang="en-US" altLang="zh-CN">
-                <a:sym typeface="+mn-ea"/>
-              </a:rPr>
-              <a:t>response</a:t>
-            </a:r>
-            <a:endParaRPr lang="en-US" altLang="zh-CN"/>
-          </a:p>
-          <a:p>
-            <a:pPr lvl="1" algn="l">
-              <a:spcBef>
-                <a:spcPts val="1000"/>
-              </a:spcBef>
-              <a:buClrTx/>
-              <a:buSzTx/>
-            </a:pPr>
-            <a:r>
-              <a:rPr lang="en-US" altLang="zh-CN" sz="2400"/>
-              <a:t>steam: </a:t>
-            </a:r>
-            <a:r>
-              <a:rPr lang="en-US" altLang="zh-CN" sz="2400">
-                <a:solidFill>
-                  <a:srgbClr val="FF0000"/>
-                </a:solidFill>
-              </a:rPr>
-              <a:t>a sequence of messages</a:t>
-            </a:r>
-            <a:endParaRPr lang="en-US" altLang="zh-CN" sz="2400"/>
-          </a:p>
-          <a:p>
-            <a:pPr lvl="0" algn="l">
-              <a:spcBef>
-                <a:spcPts val="1000"/>
-              </a:spcBef>
-              <a:buClrTx/>
-              <a:buSzTx/>
-            </a:pPr>
-            <a:r>
-              <a:rPr lang="en-US" altLang="zh-CN" b="1"/>
-              <a:t>Client streaming RPC</a:t>
-            </a:r>
-            <a:endParaRPr lang="en-US" altLang="zh-CN" b="1"/>
-          </a:p>
-          <a:p>
-            <a:pPr lvl="1" algn="l">
-              <a:spcBef>
-                <a:spcPts val="1000"/>
-              </a:spcBef>
-              <a:buClrTx/>
-              <a:buSzTx/>
-            </a:pPr>
-            <a:r>
-              <a:rPr lang="en-US" altLang="zh-CN">
-                <a:sym typeface="+mn-ea"/>
-              </a:rPr>
-              <a:t>steam </a:t>
-            </a:r>
-            <a:r>
-              <a:rPr lang="en-US" altLang="zh-CN" sz="2400">
-                <a:sym typeface="+mn-ea"/>
-              </a:rPr>
-              <a:t>request, </a:t>
-            </a:r>
-            <a:r>
-              <a:rPr lang="en-US" altLang="zh-CN">
-                <a:sym typeface="+mn-ea"/>
-              </a:rPr>
-              <a:t>single </a:t>
-            </a:r>
-            <a:r>
-              <a:rPr lang="en-US" altLang="zh-CN" sz="2400">
-                <a:sym typeface="+mn-ea"/>
-              </a:rPr>
-              <a:t>response</a:t>
-            </a:r>
-            <a:endParaRPr lang="en-US" altLang="zh-CN" sz="2400"/>
-          </a:p>
-          <a:p>
-            <a:pPr lvl="0" algn="l">
-              <a:spcBef>
-                <a:spcPts val="1000"/>
-              </a:spcBef>
-              <a:buClrTx/>
-              <a:buSzTx/>
-            </a:pPr>
-            <a:r>
-              <a:rPr lang="en-US" altLang="zh-CN" b="1"/>
-              <a:t>Bidirectional streaming RPC</a:t>
-            </a:r>
-            <a:endParaRPr lang="en-US" altLang="zh-CN" b="1"/>
-          </a:p>
-          <a:p>
-            <a:pPr lvl="1" algn="l">
-              <a:spcBef>
-                <a:spcPts val="1000"/>
-              </a:spcBef>
-              <a:buClrTx/>
-              <a:buSzTx/>
-            </a:pPr>
-            <a:r>
-              <a:rPr lang="en-US" altLang="zh-CN">
-                <a:sym typeface="+mn-ea"/>
-              </a:rPr>
-              <a:t>steam request, steam </a:t>
-            </a:r>
-            <a:r>
-              <a:rPr lang="en-US" altLang="zh-CN">
-                <a:sym typeface="+mn-ea"/>
-              </a:rPr>
-              <a:t>response</a:t>
-            </a:r>
-            <a:endParaRPr lang="en-US" altLang="zh-CN" b="1"/>
-          </a:p>
-        </p:txBody>
-      </p:sp>
-      <p:sp>
-        <p:nvSpPr>
-          <p:cNvPr id="5" name="标题 4"/>
-          <p:cNvSpPr>
-            <a:spLocks noGrp="1"/>
-          </p:cNvSpPr>
-          <p:nvPr>
-            <p:ph type="title"/>
-          </p:nvPr>
-        </p:nvSpPr>
-        <p:spPr/>
-        <p:txBody>
-          <a:bodyPr>
-            <a:normAutofit/>
-          </a:bodyPr>
-          <a:p>
-            <a:r>
-              <a:rPr lang="en-US">
-                <a:sym typeface="+mn-ea"/>
-              </a:rPr>
-              <a:t>4 </a:t>
-            </a:r>
-            <a:r>
-              <a:rPr lang="zh-CN" altLang="en-US">
-                <a:sym typeface="+mn-ea"/>
-              </a:rPr>
-              <a:t>种 </a:t>
-            </a:r>
-            <a:r>
-              <a:rPr lang="en-US" altLang="zh-CN">
-                <a:sym typeface="+mn-ea"/>
-              </a:rPr>
-              <a:t>service method</a:t>
-            </a:r>
-            <a:endParaRPr lang="en-US" altLang="zh-CN">
-              <a:sym typeface="+mn-ea"/>
-            </a:endParaRPr>
-          </a:p>
-        </p:txBody>
-      </p:sp>
-    </p:spTree>
-  </p:cSld>
-  <p:clrMapOvr>
-    <a:masterClrMapping/>
-  </p:clrMapOvr>
-</p:sld>
-</file>
-
-<file path=ppt/slides/slide6.xml><?xml version="1.0" encoding="utf-8"?>
-<p:sld xmlns:a="http://schemas.openxmlformats.org/drawingml/2006/main" xmlns:r="http://schemas.openxmlformats.org/officeDocument/2006/relationships" xmlns:p="http://schemas.openxmlformats.org/presentationml/2006/main">
-  <p:cSld>
-    <p:spTree>
-      <p:nvGrpSpPr>
-        <p:cNvPr id="1" name=""/>
-        <p:cNvGrpSpPr/>
-        <p:nvPr/>
-      </p:nvGrpSpPr>
-      <p:grpSpPr/>
-      <p:sp>
-        <p:nvSpPr>
-          <p:cNvPr id="3" name="内容占位符 2"/>
-          <p:cNvSpPr>
-            <a:spLocks noGrp="1"/>
-          </p:cNvSpPr>
-          <p:nvPr>
-            <p:ph idx="1"/>
-          </p:nvPr>
-        </p:nvSpPr>
-        <p:spPr/>
-        <p:txBody>
-          <a:bodyPr>
-            <a:normAutofit/>
-          </a:bodyPr>
-          <a:p>
-            <a:pPr lvl="0" algn="l">
-              <a:spcBef>
-                <a:spcPts val="1000"/>
-              </a:spcBef>
-              <a:buClrTx/>
-              <a:buSzTx/>
-            </a:pPr>
-            <a:r>
-              <a:rPr lang="en-US" altLang="zh-CN">
-                <a:sym typeface="+mn-ea"/>
-              </a:rPr>
-              <a:t>grpc.io/docs/what-is-grpc/core-concepts</a:t>
-            </a:r>
-            <a:endParaRPr lang="zh-CN" altLang="en-US"/>
-          </a:p>
-          <a:p>
-            <a:pPr lvl="1" algn="l">
-              <a:spcBef>
-                <a:spcPts val="1000"/>
-              </a:spcBef>
-              <a:buClrTx/>
-              <a:buSzTx/>
-            </a:pPr>
-            <a:r>
-              <a:rPr lang="zh-CN" altLang="en-US"/>
-              <a:t>每一种方法的执行过程</a:t>
-            </a:r>
-            <a:r>
-              <a:rPr lang="en-US" altLang="zh-CN"/>
-              <a:t>(</a:t>
-            </a:r>
-            <a:r>
-              <a:rPr lang="zh-CN" altLang="en-US" sz="2055">
-                <a:solidFill>
-                  <a:schemeClr val="bg1">
-                    <a:lumMod val="50000"/>
-                  </a:schemeClr>
-                </a:solidFill>
-              </a:rPr>
-              <a:t>看下文档</a:t>
-            </a:r>
-            <a:r>
-              <a:rPr lang="en-US" altLang="zh-CN"/>
-              <a:t>)</a:t>
-            </a:r>
-            <a:endParaRPr lang="en-US" altLang="zh-CN"/>
-          </a:p>
-          <a:p>
-            <a:pPr lvl="1" algn="l">
-              <a:spcBef>
-                <a:spcPts val="1000"/>
-              </a:spcBef>
-              <a:buClrTx/>
-              <a:buSzTx/>
-            </a:pPr>
-            <a:r>
-              <a:rPr lang="en-US" altLang="zh-CN"/>
-              <a:t>Deadlines/Timeouts</a:t>
-            </a:r>
-            <a:endParaRPr lang="en-US" altLang="zh-CN"/>
-          </a:p>
-          <a:p>
-            <a:pPr lvl="0" algn="l">
-              <a:spcBef>
-                <a:spcPts val="1000"/>
-              </a:spcBef>
-              <a:buClrTx/>
-              <a:buSzTx/>
-            </a:pPr>
-            <a:endParaRPr lang="en-US" altLang="zh-CN"/>
-          </a:p>
-          <a:p>
-            <a:pPr lvl="0" algn="l">
-              <a:spcBef>
-                <a:spcPts val="1000"/>
-              </a:spcBef>
-              <a:buClrTx/>
-              <a:buSzTx/>
-            </a:pPr>
-            <a:endParaRPr lang="en-US" altLang="zh-CN"/>
-          </a:p>
-        </p:txBody>
-      </p:sp>
-      <p:sp>
-        <p:nvSpPr>
-          <p:cNvPr id="5" name="标题 4"/>
-          <p:cNvSpPr>
-            <a:spLocks noGrp="1"/>
-          </p:cNvSpPr>
-          <p:nvPr>
-            <p:ph type="title"/>
-          </p:nvPr>
-        </p:nvSpPr>
-        <p:spPr/>
-        <p:txBody>
-          <a:bodyPr>
-            <a:normAutofit/>
-          </a:bodyPr>
-          <a:p>
-            <a:r>
-              <a:rPr lang="en-US" altLang="zh-CN"/>
-              <a:t>gRPC </a:t>
-            </a:r>
-            <a:r>
-              <a:rPr lang="zh-CN" altLang="en-US"/>
-              <a:t>的 </a:t>
-            </a:r>
-            <a:r>
-              <a:rPr lang="en-US" altLang="zh-CN"/>
-              <a:t>l</a:t>
-            </a:r>
-            <a:r>
-              <a:rPr>
-                <a:sym typeface="+mn-ea"/>
-              </a:rPr>
-              <a:t>ife cycle</a:t>
-            </a:r>
-            <a:endParaRPr>
-              <a:sym typeface="+mn-ea"/>
-            </a:endParaRPr>
-          </a:p>
-        </p:txBody>
-      </p:sp>
-    </p:spTree>
-  </p:cSld>
-  <p:clrMapOvr>
-    <a:masterClrMapping/>
-  </p:clrMapOvr>
-</p:sld>
-</file>
-
-<file path=ppt/slides/slide7.xml><?xml version="1.0" encoding="utf-8"?>
-<p:sld xmlns:a="http://schemas.openxmlformats.org/drawingml/2006/main" xmlns:r="http://schemas.openxmlformats.org/officeDocument/2006/relationships" xmlns:p="http://schemas.openxmlformats.org/presentationml/2006/main">
-  <p:cSld>
-    <p:spTree>
-      <p:nvGrpSpPr>
-        <p:cNvPr id="1" name=""/>
-        <p:cNvGrpSpPr/>
-        <p:nvPr/>
-      </p:nvGrpSpPr>
-      <p:grpSpPr/>
-      <p:sp>
-        <p:nvSpPr>
-          <p:cNvPr id="2" name="标题 1"/>
-          <p:cNvSpPr>
-            <a:spLocks noGrp="1"/>
-          </p:cNvSpPr>
-          <p:nvPr>
-            <p:ph type="title"/>
-          </p:nvPr>
-        </p:nvSpPr>
-        <p:spPr/>
-        <p:txBody>
-          <a:bodyPr/>
-          <a:p>
-            <a:r>
-              <a:rPr lang="en-US" altLang="zh-CN"/>
-              <a:t>Next</a:t>
-            </a:r>
-            <a:r>
-              <a:rPr lang="en-US" altLang="zh-CN"/>
-              <a:t>, </a:t>
-            </a:r>
-            <a:r>
-              <a:rPr lang="zh-CN" altLang="en-US"/>
-              <a:t>通过实例</a:t>
-            </a:r>
-            <a:r>
-              <a:rPr lang="zh-CN" altLang="en-US"/>
-              <a:t>深入</a:t>
-            </a:r>
-            <a:r>
-              <a:rPr lang="en-US" altLang="zh-CN"/>
-              <a:t>...</a:t>
-            </a:r>
-            <a:endParaRPr lang="en-US" altLang="zh-CN"/>
-          </a:p>
-        </p:txBody>
-      </p:sp>
-      <p:sp>
-        <p:nvSpPr>
-          <p:cNvPr id="3" name="内容占位符 2"/>
-          <p:cNvSpPr>
-            <a:spLocks noGrp="1"/>
-          </p:cNvSpPr>
-          <p:nvPr>
-            <p:ph idx="1"/>
-          </p:nvPr>
-        </p:nvSpPr>
-        <p:spPr/>
-        <p:txBody>
-          <a:bodyPr/>
-          <a:p>
-            <a:r>
-              <a:rPr lang="en-US" altLang="zh-CN"/>
-              <a:t>proto </a:t>
-            </a:r>
-            <a:r>
-              <a:rPr lang="zh-CN" altLang="en-US"/>
-              <a:t>文件定义</a:t>
-            </a:r>
-            <a:endParaRPr lang="zh-CN" altLang="en-US"/>
-          </a:p>
-          <a:p>
-            <a:r>
-              <a:rPr lang="en-US" altLang="zh-CN"/>
-              <a:t>gRPC server </a:t>
-            </a:r>
-            <a:r>
-              <a:rPr lang="zh-CN" altLang="en-US"/>
-              <a:t>实现</a:t>
-            </a:r>
-            <a:endParaRPr lang="zh-CN" altLang="en-US"/>
-          </a:p>
-          <a:p>
-            <a:r>
-              <a:rPr lang="en-US" altLang="zh-CN"/>
-              <a:t>gRPC client </a:t>
-            </a:r>
-            <a:r>
-              <a:rPr lang="zh-CN" altLang="en-US"/>
-              <a:t>实现</a:t>
-            </a:r>
-            <a:endParaRPr lang="zh-CN" altLang="en-US"/>
-          </a:p>
-        </p:txBody>
-      </p:sp>
-    </p:spTree>
-  </p:cSld>
-  <p:clrMapOvr>
-    <a:masterClrMapping/>
-  </p:clrMapOvr>
-</p:sld>
-</file>
-
 <file path=ppt/slides/slide8.xml><?xml version="1.0" encoding="utf-8"?>
 <p:sld xmlns:a="http://schemas.openxmlformats.org/drawingml/2006/main" xmlns:r="http://schemas.openxmlformats.org/officeDocument/2006/relationships" xmlns:p="http://schemas.openxmlformats.org/presentationml/2006/main">
   <p:cSld>
@@ -4973,23 +3870,275 @@
             <p:ph type="title"/>
           </p:nvPr>
         </p:nvSpPr>
+        <p:spPr/>
+        <p:txBody>
+          <a:bodyPr/>
+          <a:p>
+            <a:r>
+              <a:rPr lang="en-US" altLang="zh-CN"/>
+              <a:t>gRPC client</a:t>
+            </a:r>
+            <a:endParaRPr lang="en-US" altLang="zh-CN"/>
+          </a:p>
+        </p:txBody>
+      </p:sp>
+      <p:sp>
+        <p:nvSpPr>
+          <p:cNvPr id="3" name="内容占位符 2"/>
+          <p:cNvSpPr>
+            <a:spLocks noGrp="1"/>
+          </p:cNvSpPr>
+          <p:nvPr>
+            <p:ph idx="1"/>
+          </p:nvPr>
+        </p:nvSpPr>
+        <p:spPr/>
+        <p:txBody>
+          <a:bodyPr/>
+          <a:p>
+            <a:r>
+              <a:rPr lang="en-US" altLang="zh-CN">
+                <a:solidFill>
+                  <a:schemeClr val="bg1">
+                    <a:lumMod val="50000"/>
+                  </a:schemeClr>
+                </a:solidFill>
+                <a:sym typeface="+mn-ea"/>
+              </a:rPr>
+              <a:t>grpc.io/docs/languages/php/quickstart</a:t>
+            </a:r>
+            <a:endParaRPr lang="zh-CN" altLang="en-US">
+              <a:solidFill>
+                <a:schemeClr val="bg1">
+                  <a:lumMod val="50000"/>
+                </a:schemeClr>
+              </a:solidFill>
+            </a:endParaRPr>
+          </a:p>
+          <a:p>
+            <a:pPr lvl="1"/>
+            <a:r>
+              <a:rPr lang="zh-CN" altLang="en-US" sz="1800">
+                <a:solidFill>
+                  <a:schemeClr val="accent1">
+                    <a:lumMod val="75000"/>
+                  </a:schemeClr>
+                </a:solidFill>
+              </a:rPr>
+              <a:t>安装扩展</a:t>
+            </a:r>
+            <a:endParaRPr lang="zh-CN" altLang="en-US" sz="1800">
+              <a:solidFill>
+                <a:schemeClr val="accent1">
+                  <a:lumMod val="75000"/>
+                </a:schemeClr>
+              </a:solidFill>
+            </a:endParaRPr>
+          </a:p>
+          <a:p>
+            <a:pPr lvl="2" algn="l">
+              <a:buClrTx/>
+              <a:buSzTx/>
+            </a:pPr>
+            <a:r>
+              <a:rPr lang="zh-CN" altLang="en-US" sz="2000">
+                <a:solidFill>
+                  <a:schemeClr val="accent1"/>
+                </a:solidFill>
+              </a:rPr>
+              <a:t>grpc</a:t>
+            </a:r>
+            <a:endParaRPr lang="zh-CN" altLang="en-US" sz="2000">
+              <a:solidFill>
+                <a:schemeClr val="accent1"/>
+              </a:solidFill>
+            </a:endParaRPr>
+          </a:p>
+          <a:p>
+            <a:pPr lvl="2" algn="l">
+              <a:buClrTx/>
+              <a:buSzTx/>
+            </a:pPr>
+            <a:r>
+              <a:rPr lang="zh-CN" altLang="en-US" sz="2000">
+                <a:solidFill>
+                  <a:schemeClr val="accent1"/>
+                </a:solidFill>
+              </a:rPr>
+              <a:t>protobuf</a:t>
+            </a:r>
+            <a:endParaRPr lang="zh-CN" altLang="en-US" sz="2000">
+              <a:solidFill>
+                <a:schemeClr val="accent1"/>
+              </a:solidFill>
+            </a:endParaRPr>
+          </a:p>
+          <a:p>
+            <a:pPr lvl="1"/>
+            <a:r>
+              <a:rPr lang="zh-CN" altLang="en-US" sz="1800"/>
+              <a:t>安装代码生成工具</a:t>
+            </a:r>
+            <a:endParaRPr lang="zh-CN" altLang="en-US" sz="1800"/>
+          </a:p>
+          <a:p>
+            <a:pPr lvl="2"/>
+            <a:r>
+              <a:rPr lang="en-US" altLang="zh-CN"/>
+              <a:t>protoc</a:t>
+            </a:r>
+            <a:endParaRPr lang="en-US" altLang="zh-CN"/>
+          </a:p>
+          <a:p>
+            <a:pPr lvl="2"/>
+            <a:r>
+              <a:rPr lang="zh-CN" altLang="en-US"/>
+              <a:t>grpc_php_plugin</a:t>
+            </a:r>
+            <a:endParaRPr lang="zh-CN" altLang="en-US"/>
+          </a:p>
+          <a:p>
+            <a:pPr lvl="1"/>
+            <a:r>
+              <a:rPr lang="zh-CN" altLang="en-US" sz="1800"/>
+              <a:t>编写代码 实现调用</a:t>
+            </a:r>
+            <a:endParaRPr lang="zh-CN" altLang="en-US" sz="1800"/>
+          </a:p>
+        </p:txBody>
+      </p:sp>
+      <p:sp>
+        <p:nvSpPr>
+          <p:cNvPr id="4" name="右大括号 3"/>
+          <p:cNvSpPr/>
+          <p:nvPr/>
+        </p:nvSpPr>
         <p:spPr>
           <a:xfrm>
-            <a:off x="838200" y="2766060"/>
-            <a:ext cx="10515600" cy="1325563"/>
+            <a:off x="3959860" y="3400425"/>
+            <a:ext cx="295275" cy="822325"/>
           </a:xfrm>
+          <a:prstGeom prst="rightBrace">
+            <a:avLst/>
+          </a:prstGeom>
         </p:spPr>
-        <p:txBody>
-          <a:bodyPr/>
+        <p:style>
+          <a:lnRef idx="1">
+            <a:schemeClr val="accent1"/>
+          </a:lnRef>
+          <a:fillRef idx="0">
+            <a:schemeClr val="accent1"/>
+          </a:fillRef>
+          <a:effectRef idx="0">
+            <a:schemeClr val="accent1"/>
+          </a:effectRef>
+          <a:fontRef idx="minor">
+            <a:schemeClr val="tx1"/>
+          </a:fontRef>
+        </p:style>
+        <p:txBody>
+          <a:bodyPr rtlCol="0" anchor="ctr"/>
           <a:p>
             <a:pPr algn="ctr"/>
+            <a:endParaRPr lang="zh-CN" altLang="en-US"/>
+          </a:p>
+        </p:txBody>
+      </p:sp>
+      <p:sp>
+        <p:nvSpPr>
+          <p:cNvPr id="6" name="文本框 5"/>
+          <p:cNvSpPr txBox="1"/>
+          <p:nvPr/>
+        </p:nvSpPr>
+        <p:spPr>
+          <a:xfrm>
+            <a:off x="4394835" y="3627120"/>
+            <a:ext cx="2418715" cy="368300"/>
+          </a:xfrm>
+          <a:prstGeom prst="rect">
+            <a:avLst/>
+          </a:prstGeom>
+          <a:noFill/>
+        </p:spPr>
+        <p:txBody>
+          <a:bodyPr wrap="square" rtlCol="0">
+            <a:spAutoFit/>
+          </a:bodyPr>
+          <a:p>
             <a:r>
               <a:rPr lang="en-US" altLang="zh-CN"/>
-              <a:t>proto </a:t>
-            </a:r>
-            <a:r>
-              <a:rPr lang="zh-CN" altLang="en-US"/>
-              <a:t>文件定义</a:t>
+              <a:t>llaoj/php-grpc-gen</a:t>
+            </a:r>
+            <a:endParaRPr lang="en-US" altLang="zh-CN"/>
+          </a:p>
+        </p:txBody>
+      </p:sp>
+      <p:sp>
+        <p:nvSpPr>
+          <p:cNvPr id="7" name="右大括号 6"/>
+          <p:cNvSpPr/>
+          <p:nvPr/>
+        </p:nvSpPr>
+        <p:spPr>
+          <a:xfrm>
+            <a:off x="3959860" y="2350770"/>
+            <a:ext cx="295275" cy="822325"/>
+          </a:xfrm>
+          <a:prstGeom prst="rightBrace">
+            <a:avLst/>
+          </a:prstGeom>
+        </p:spPr>
+        <p:style>
+          <a:lnRef idx="1">
+            <a:schemeClr val="accent1"/>
+          </a:lnRef>
+          <a:fillRef idx="0">
+            <a:schemeClr val="accent1"/>
+          </a:fillRef>
+          <a:effectRef idx="0">
+            <a:schemeClr val="accent1"/>
+          </a:effectRef>
+          <a:fontRef idx="minor">
+            <a:schemeClr val="tx1"/>
+          </a:fontRef>
+        </p:style>
+        <p:txBody>
+          <a:bodyPr rtlCol="0" anchor="ctr"/>
+          <a:p>
+            <a:pPr algn="ctr"/>
+            <a:endParaRPr lang="zh-CN" altLang="en-US"/>
+          </a:p>
+        </p:txBody>
+      </p:sp>
+      <p:sp>
+        <p:nvSpPr>
+          <p:cNvPr id="9" name="文本框 8"/>
+          <p:cNvSpPr txBox="1"/>
+          <p:nvPr/>
+        </p:nvSpPr>
+        <p:spPr>
+          <a:xfrm>
+            <a:off x="4394835" y="2577465"/>
+            <a:ext cx="2087880" cy="368300"/>
+          </a:xfrm>
+          <a:prstGeom prst="rect">
+            <a:avLst/>
+          </a:prstGeom>
+          <a:noFill/>
+        </p:spPr>
+        <p:txBody>
+          <a:bodyPr wrap="none" rtlCol="0" anchor="t">
+            <a:spAutoFit/>
+          </a:bodyPr>
+          <a:p>
+            <a:r>
+              <a:rPr lang="en-US" altLang="zh-CN" b="1">
+                <a:solidFill>
+                  <a:srgbClr val="FF0000"/>
+                </a:solidFill>
+                <a:sym typeface="+mn-ea"/>
+              </a:rPr>
+              <a:t>llaoj/php-fpm-nginx</a:t>
             </a:r>
             <a:endParaRPr lang="zh-CN" altLang="en-US"/>
           </a:p>
@@ -5028,59 +4177,157 @@
           <a:bodyPr/>
           <a:p>
             <a:r>
+              <a:rPr lang="en-US" altLang="zh-CN"/>
+              <a:t>gRPC client</a:t>
+            </a:r>
+            <a:endParaRPr lang="zh-CN" altLang="en-US"/>
+          </a:p>
+        </p:txBody>
+      </p:sp>
+      <p:sp>
+        <p:nvSpPr>
+          <p:cNvPr id="3" name="内容占位符 2"/>
+          <p:cNvSpPr>
+            <a:spLocks noGrp="1"/>
+          </p:cNvSpPr>
+          <p:nvPr>
+            <p:ph idx="1"/>
+          </p:nvPr>
+        </p:nvSpPr>
+        <p:spPr/>
+        <p:txBody>
+          <a:bodyPr/>
+          <a:p>
+            <a:pPr lvl="0"/>
+            <a:r>
+              <a:rPr lang="en-US" altLang="zh-CN" sz="2330"/>
+              <a:t>grpc &amp; protoc </a:t>
+            </a:r>
+            <a:r>
+              <a:rPr lang="zh-CN" altLang="en-US" sz="2330"/>
+              <a:t>版本</a:t>
+            </a:r>
+            <a:endParaRPr lang="zh-CN" altLang="en-US" sz="2330"/>
+          </a:p>
+          <a:p>
+            <a:pPr lvl="1"/>
+            <a:r>
+              <a:rPr lang="en-US" altLang="zh-CN" sz="2160"/>
+              <a:t>grpc:</a:t>
+            </a:r>
+            <a:endParaRPr lang="en-US" altLang="zh-CN" sz="2160"/>
+          </a:p>
+          <a:p>
+            <a:pPr lvl="2"/>
+            <a:r>
+              <a:rPr lang="en-US" altLang="zh-CN" sz="1775"/>
+              <a:t>grpc php ext</a:t>
+            </a:r>
+            <a:endParaRPr lang="en-US" altLang="zh-CN" sz="1775"/>
+          </a:p>
+          <a:p>
+            <a:pPr lvl="2"/>
+            <a:r>
+              <a:rPr lang="en-US" altLang="zh-CN" sz="1775"/>
+              <a:t>grpc php composer pkg</a:t>
+            </a:r>
+            <a:endParaRPr lang="en-US" altLang="zh-CN" sz="1775"/>
+          </a:p>
+          <a:p>
+            <a:pPr lvl="2"/>
+            <a:r>
+              <a:rPr lang="en-US" altLang="zh-CN" sz="1775"/>
+              <a:t>grpc_php_plugin</a:t>
+            </a:r>
+            <a:endParaRPr lang="en-US" altLang="zh-CN" sz="1775"/>
+          </a:p>
+          <a:p>
+            <a:pPr lvl="1"/>
+            <a:r>
+              <a:rPr lang="en-US" altLang="zh-CN" sz="2160"/>
+              <a:t>protoc </a:t>
+            </a:r>
+            <a:r>
+              <a:rPr lang="zh-CN" altLang="en-US" sz="1680"/>
+              <a:t>建议使用最新</a:t>
+            </a:r>
+            <a:r>
+              <a:rPr lang="zh-CN" altLang="en-US" sz="1680">
+                <a:sym typeface="+mn-ea"/>
+              </a:rPr>
+              <a:t>稳定</a:t>
+            </a:r>
+            <a:endParaRPr lang="en-US" altLang="zh-CN" sz="2160"/>
+          </a:p>
+          <a:p>
+            <a:pPr lvl="1"/>
+            <a:endParaRPr lang="en-US" altLang="zh-CN" sz="1800"/>
+          </a:p>
+        </p:txBody>
+      </p:sp>
+      <p:sp>
+        <p:nvSpPr>
+          <p:cNvPr id="7" name="右大括号 6"/>
+          <p:cNvSpPr/>
+          <p:nvPr/>
+        </p:nvSpPr>
+        <p:spPr>
+          <a:xfrm>
+            <a:off x="4602480" y="2697480"/>
+            <a:ext cx="295275" cy="822325"/>
+          </a:xfrm>
+          <a:prstGeom prst="rightBrace">
+            <a:avLst/>
+          </a:prstGeom>
+        </p:spPr>
+        <p:style>
+          <a:lnRef idx="1">
+            <a:schemeClr val="accent1"/>
+          </a:lnRef>
+          <a:fillRef idx="0">
+            <a:schemeClr val="accent1"/>
+          </a:fillRef>
+          <a:effectRef idx="0">
+            <a:schemeClr val="accent1"/>
+          </a:effectRef>
+          <a:fontRef idx="minor">
+            <a:schemeClr val="tx1"/>
+          </a:fontRef>
+        </p:style>
+        <p:txBody>
+          <a:bodyPr rtlCol="0" anchor="ctr"/>
+          <a:p>
+            <a:pPr algn="ctr"/>
+            <a:endParaRPr lang="zh-CN" altLang="en-US"/>
+          </a:p>
+        </p:txBody>
+      </p:sp>
+      <p:sp>
+        <p:nvSpPr>
+          <p:cNvPr id="4" name="文本框 3"/>
+          <p:cNvSpPr txBox="1"/>
+          <p:nvPr/>
+        </p:nvSpPr>
+        <p:spPr>
+          <a:xfrm>
+            <a:off x="5161280" y="2924810"/>
+            <a:ext cx="640080" cy="368300"/>
+          </a:xfrm>
+          <a:prstGeom prst="rect">
+            <a:avLst/>
+          </a:prstGeom>
+          <a:noFill/>
+        </p:spPr>
+        <p:txBody>
+          <a:bodyPr wrap="none" rtlCol="0">
+            <a:spAutoFit/>
+          </a:bodyPr>
+          <a:p>
+            <a:r>
               <a:rPr lang="zh-CN" altLang="en-US"/>
-              <a:t>定义</a:t>
-            </a:r>
-            <a:endParaRPr lang="zh-CN" altLang="en-US"/>
-          </a:p>
-        </p:txBody>
-      </p:sp>
-      <p:sp>
-        <p:nvSpPr>
-          <p:cNvPr id="3" name="内容占位符 2"/>
-          <p:cNvSpPr>
-            <a:spLocks noGrp="1"/>
-          </p:cNvSpPr>
-          <p:nvPr>
-            <p:ph idx="1"/>
-          </p:nvPr>
-        </p:nvSpPr>
-        <p:spPr/>
-        <p:txBody>
-          <a:bodyPr/>
-          <a:p>
-            <a:pPr lvl="0"/>
-            <a:r>
-              <a:rPr lang="en-US" altLang="zh-CN"/>
-              <a:t>message</a:t>
-            </a:r>
-            <a:endParaRPr lang="en-US" altLang="zh-CN"/>
-          </a:p>
-          <a:p>
-            <a:pPr lvl="0"/>
-            <a:r>
-              <a:rPr lang="en-US" altLang="zh-CN"/>
-              <a:t>service -&gt; method</a:t>
-            </a:r>
-            <a:endParaRPr lang="en-US" altLang="zh-CN"/>
-          </a:p>
-          <a:p>
-            <a:pPr lvl="1"/>
-            <a:r>
-              <a:rPr lang="en-US" altLang="zh-CN" sz="2400"/>
-              <a:t>4 </a:t>
-            </a:r>
-            <a:r>
-              <a:rPr lang="zh-CN" altLang="en-US" sz="2400"/>
-              <a:t>种</a:t>
-            </a:r>
-            <a:endParaRPr lang="en-US" altLang="zh-CN"/>
-          </a:p>
-          <a:p>
-            <a:pPr marL="0" indent="0">
-              <a:buNone/>
-            </a:pPr>
-            <a:endParaRPr lang="en-US" altLang="zh-CN"/>
+              <a:t>统一</a:t>
+            </a:r>
+            <a:endParaRPr lang="zh-CN" altLang="en-US"/>
           </a:p>
         </p:txBody>
       </p:sp>
